--- a/Cours/BUT3-Cours1.pptx
+++ b/Cours/BUT3-Cours1.pptx
@@ -147,6 +147,51 @@
 
 <file path=ppt/changesInfos/changesInfo1.xml><?xml version="1.0" encoding="utf-8"?>
 <pc:chgInfo xmlns:a="http://schemas.openxmlformats.org/drawingml/2006/main" xmlns:r="http://schemas.openxmlformats.org/officeDocument/2006/relationships" xmlns:ac="http://schemas.microsoft.com/office/drawing/2013/main/command" xmlns:pc="http://schemas.microsoft.com/office/powerpoint/2013/main/command">
+  <pc:docChgLst>
+    <pc:chgData name="Benjamin Robert" userId="bdf697ffd98a8826" providerId="LiveId" clId="{E651367B-8E57-43F2-B629-B9D3A634995C}"/>
+    <pc:docChg chg="modSld">
+      <pc:chgData name="Benjamin Robert" userId="bdf697ffd98a8826" providerId="LiveId" clId="{E651367B-8E57-43F2-B629-B9D3A634995C}" dt="2025-11-06T17:14:02.243" v="3" actId="729"/>
+      <pc:docMkLst>
+        <pc:docMk/>
+      </pc:docMkLst>
+      <pc:sldChg chg="modSp mod">
+        <pc:chgData name="Benjamin Robert" userId="bdf697ffd98a8826" providerId="LiveId" clId="{E651367B-8E57-43F2-B629-B9D3A634995C}" dt="2025-11-05T11:00:11.202" v="0" actId="20577"/>
+        <pc:sldMkLst>
+          <pc:docMk/>
+          <pc:sldMk cId="3309654618" sldId="268"/>
+        </pc:sldMkLst>
+        <pc:spChg chg="mod">
+          <ac:chgData name="Benjamin Robert" userId="bdf697ffd98a8826" providerId="LiveId" clId="{E651367B-8E57-43F2-B629-B9D3A634995C}" dt="2025-11-05T11:00:11.202" v="0" actId="20577"/>
+          <ac:spMkLst>
+            <pc:docMk/>
+            <pc:sldMk cId="3309654618" sldId="268"/>
+            <ac:spMk id="3" creationId="{6885857A-C421-6955-1136-AA2B86C7B451}"/>
+          </ac:spMkLst>
+        </pc:spChg>
+      </pc:sldChg>
+      <pc:sldChg chg="mod modShow">
+        <pc:chgData name="Benjamin Robert" userId="bdf697ffd98a8826" providerId="LiveId" clId="{E651367B-8E57-43F2-B629-B9D3A634995C}" dt="2025-11-06T17:13:52.933" v="1" actId="729"/>
+        <pc:sldMkLst>
+          <pc:docMk/>
+          <pc:sldMk cId="278425534" sldId="298"/>
+        </pc:sldMkLst>
+      </pc:sldChg>
+      <pc:sldChg chg="mod modShow">
+        <pc:chgData name="Benjamin Robert" userId="bdf697ffd98a8826" providerId="LiveId" clId="{E651367B-8E57-43F2-B629-B9D3A634995C}" dt="2025-11-06T17:13:55.437" v="2" actId="729"/>
+        <pc:sldMkLst>
+          <pc:docMk/>
+          <pc:sldMk cId="1989543073" sldId="300"/>
+        </pc:sldMkLst>
+      </pc:sldChg>
+      <pc:sldChg chg="mod modShow">
+        <pc:chgData name="Benjamin Robert" userId="bdf697ffd98a8826" providerId="LiveId" clId="{E651367B-8E57-43F2-B629-B9D3A634995C}" dt="2025-11-06T17:14:02.243" v="3" actId="729"/>
+        <pc:sldMkLst>
+          <pc:docMk/>
+          <pc:sldMk cId="248443024" sldId="301"/>
+        </pc:sldMkLst>
+      </pc:sldChg>
+    </pc:docChg>
+  </pc:docChgLst>
   <pc:docChgLst>
     <pc:chgData name="Benjamin Robert" userId="bdf697ffd98a8826" providerId="LiveId" clId="{6B4A7C95-2354-4592-939E-0AA4E673173C}"/>
     <pc:docChg chg="delSld">
@@ -407,14 +452,6 @@
           <pc:docMk/>
           <pc:sldMk cId="3992679617" sldId="256"/>
         </pc:sldMkLst>
-        <pc:spChg chg="mod">
-          <ac:chgData name="Benjamin Robert" userId="bdf697ffd98a8826" providerId="LiveId" clId="{93859C62-E639-4C88-8106-87322F7E3B94}" dt="2024-11-01T16:17:00.516" v="3" actId="20577"/>
-          <ac:spMkLst>
-            <pc:docMk/>
-            <pc:sldMk cId="3992679617" sldId="256"/>
-            <ac:spMk id="8" creationId="{70EC97A9-C9C2-E981-DD31-BC49159387F3}"/>
-          </ac:spMkLst>
-        </pc:spChg>
       </pc:sldChg>
     </pc:docChg>
   </pc:docChgLst>
@@ -431,54 +468,6 @@
           <pc:docMk/>
           <pc:sldMk cId="3992679617" sldId="256"/>
         </pc:sldMkLst>
-        <pc:spChg chg="mod">
-          <ac:chgData name="Benjamin Robert" userId="bdf697ffd98a8826" providerId="LiveId" clId="{606CDD9B-9A2D-4C79-85CC-421D0917595E}" dt="2023-11-07T22:19:51.178" v="2424" actId="1076"/>
-          <ac:spMkLst>
-            <pc:docMk/>
-            <pc:sldMk cId="3992679617" sldId="256"/>
-            <ac:spMk id="5" creationId="{F54041D4-4DEE-2510-77DF-0E0E82B0D0C8}"/>
-          </ac:spMkLst>
-        </pc:spChg>
-        <pc:spChg chg="mod">
-          <ac:chgData name="Benjamin Robert" userId="bdf697ffd98a8826" providerId="LiveId" clId="{606CDD9B-9A2D-4C79-85CC-421D0917595E}" dt="2023-11-07T22:09:59.346" v="2226" actId="1076"/>
-          <ac:spMkLst>
-            <pc:docMk/>
-            <pc:sldMk cId="3992679617" sldId="256"/>
-            <ac:spMk id="7" creationId="{F18145A7-A59B-E86E-6989-799766D074E5}"/>
-          </ac:spMkLst>
-        </pc:spChg>
-        <pc:spChg chg="add mod">
-          <ac:chgData name="Benjamin Robert" userId="bdf697ffd98a8826" providerId="LiveId" clId="{606CDD9B-9A2D-4C79-85CC-421D0917595E}" dt="2023-11-07T22:09:56.830" v="2225" actId="1076"/>
-          <ac:spMkLst>
-            <pc:docMk/>
-            <pc:sldMk cId="3992679617" sldId="256"/>
-            <ac:spMk id="8" creationId="{70EC97A9-C9C2-E981-DD31-BC49159387F3}"/>
-          </ac:spMkLst>
-        </pc:spChg>
-        <pc:spChg chg="add mod">
-          <ac:chgData name="Benjamin Robert" userId="bdf697ffd98a8826" providerId="LiveId" clId="{606CDD9B-9A2D-4C79-85CC-421D0917595E}" dt="2023-11-07T22:19:57.322" v="2425" actId="1076"/>
-          <ac:spMkLst>
-            <pc:docMk/>
-            <pc:sldMk cId="3992679617" sldId="256"/>
-            <ac:spMk id="9" creationId="{60233089-E4FF-688F-6F44-C42FF5126A2D}"/>
-          </ac:spMkLst>
-        </pc:spChg>
-        <pc:picChg chg="mod">
-          <ac:chgData name="Benjamin Robert" userId="bdf697ffd98a8826" providerId="LiveId" clId="{606CDD9B-9A2D-4C79-85CC-421D0917595E}" dt="2023-11-07T22:19:57.322" v="2425" actId="1076"/>
-          <ac:picMkLst>
-            <pc:docMk/>
-            <pc:sldMk cId="3992679617" sldId="256"/>
-            <ac:picMk id="1026" creationId="{5E726847-0964-01AB-480A-ADD51298AE7D}"/>
-          </ac:picMkLst>
-        </pc:picChg>
-        <pc:picChg chg="mod">
-          <ac:chgData name="Benjamin Robert" userId="bdf697ffd98a8826" providerId="LiveId" clId="{606CDD9B-9A2D-4C79-85CC-421D0917595E}" dt="2023-11-07T22:19:57.322" v="2425" actId="1076"/>
-          <ac:picMkLst>
-            <pc:docMk/>
-            <pc:sldMk cId="3992679617" sldId="256"/>
-            <ac:picMk id="1028" creationId="{E10D8C79-A83B-051D-2252-2524E607363B}"/>
-          </ac:picMkLst>
-        </pc:picChg>
       </pc:sldChg>
       <pc:sldChg chg="modSp mod">
         <pc:chgData name="Benjamin Robert" userId="bdf697ffd98a8826" providerId="LiveId" clId="{606CDD9B-9A2D-4C79-85CC-421D0917595E}" dt="2023-11-08T08:24:54.593" v="3808" actId="1076"/>
@@ -486,22 +475,6 @@
           <pc:docMk/>
           <pc:sldMk cId="621753686" sldId="257"/>
         </pc:sldMkLst>
-        <pc:spChg chg="mod">
-          <ac:chgData name="Benjamin Robert" userId="bdf697ffd98a8826" providerId="LiveId" clId="{606CDD9B-9A2D-4C79-85CC-421D0917595E}" dt="2023-11-07T22:15:42.453" v="2371"/>
-          <ac:spMkLst>
-            <pc:docMk/>
-            <pc:sldMk cId="621753686" sldId="257"/>
-            <ac:spMk id="2" creationId="{4EA49CD5-DA26-1245-3A6A-F902D8706D56}"/>
-          </ac:spMkLst>
-        </pc:spChg>
-        <pc:spChg chg="mod">
-          <ac:chgData name="Benjamin Robert" userId="bdf697ffd98a8826" providerId="LiveId" clId="{606CDD9B-9A2D-4C79-85CC-421D0917595E}" dt="2023-11-08T08:24:54.593" v="3808" actId="1076"/>
-          <ac:spMkLst>
-            <pc:docMk/>
-            <pc:sldMk cId="621753686" sldId="257"/>
-            <ac:spMk id="3" creationId="{604DC593-53CD-E73F-C182-2902BF42BEED}"/>
-          </ac:spMkLst>
-        </pc:spChg>
       </pc:sldChg>
       <pc:sldChg chg="addSp delSp modSp mod">
         <pc:chgData name="Benjamin Robert" userId="bdf697ffd98a8826" providerId="LiveId" clId="{606CDD9B-9A2D-4C79-85CC-421D0917595E}" dt="2023-11-07T22:15:42.453" v="2371"/>
@@ -509,62 +482,6 @@
           <pc:docMk/>
           <pc:sldMk cId="2422553543" sldId="258"/>
         </pc:sldMkLst>
-        <pc:spChg chg="mod">
-          <ac:chgData name="Benjamin Robert" userId="bdf697ffd98a8826" providerId="LiveId" clId="{606CDD9B-9A2D-4C79-85CC-421D0917595E}" dt="2023-11-07T22:15:42.453" v="2371"/>
-          <ac:spMkLst>
-            <pc:docMk/>
-            <pc:sldMk cId="2422553543" sldId="258"/>
-            <ac:spMk id="2" creationId="{612875D5-B44C-A5DC-90F7-96A4F2D90F23}"/>
-          </ac:spMkLst>
-        </pc:spChg>
-        <pc:spChg chg="del">
-          <ac:chgData name="Benjamin Robert" userId="bdf697ffd98a8826" providerId="LiveId" clId="{606CDD9B-9A2D-4C79-85CC-421D0917595E}" dt="2023-11-07T21:47:11.519" v="2001" actId="478"/>
-          <ac:spMkLst>
-            <pc:docMk/>
-            <pc:sldMk cId="2422553543" sldId="258"/>
-            <ac:spMk id="9" creationId="{D068E2F7-69B1-A882-5E70-21CE4E0B56B3}"/>
-          </ac:spMkLst>
-        </pc:spChg>
-        <pc:spChg chg="del">
-          <ac:chgData name="Benjamin Robert" userId="bdf697ffd98a8826" providerId="LiveId" clId="{606CDD9B-9A2D-4C79-85CC-421D0917595E}" dt="2023-11-07T21:47:12.718" v="2002" actId="478"/>
-          <ac:spMkLst>
-            <pc:docMk/>
-            <pc:sldMk cId="2422553543" sldId="258"/>
-            <ac:spMk id="10" creationId="{D9A3E253-4FFF-C519-3CC5-94A034506966}"/>
-          </ac:spMkLst>
-        </pc:spChg>
-        <pc:spChg chg="del">
-          <ac:chgData name="Benjamin Robert" userId="bdf697ffd98a8826" providerId="LiveId" clId="{606CDD9B-9A2D-4C79-85CC-421D0917595E}" dt="2023-11-07T21:47:13.935" v="2003" actId="478"/>
-          <ac:spMkLst>
-            <pc:docMk/>
-            <pc:sldMk cId="2422553543" sldId="258"/>
-            <ac:spMk id="12" creationId="{F341DD64-99F9-D34B-CC9A-A6915D93CA2B}"/>
-          </ac:spMkLst>
-        </pc:spChg>
-        <pc:spChg chg="del">
-          <ac:chgData name="Benjamin Robert" userId="bdf697ffd98a8826" providerId="LiveId" clId="{606CDD9B-9A2D-4C79-85CC-421D0917595E}" dt="2023-11-07T21:47:14.898" v="2004" actId="478"/>
-          <ac:spMkLst>
-            <pc:docMk/>
-            <pc:sldMk cId="2422553543" sldId="258"/>
-            <ac:spMk id="13" creationId="{7D5BD058-B701-C6CE-17E2-8C0F063B01E9}"/>
-          </ac:spMkLst>
-        </pc:spChg>
-        <pc:picChg chg="add mod">
-          <ac:chgData name="Benjamin Robert" userId="bdf697ffd98a8826" providerId="LiveId" clId="{606CDD9B-9A2D-4C79-85CC-421D0917595E}" dt="2023-11-07T19:32:35.934" v="455" actId="1076"/>
-          <ac:picMkLst>
-            <pc:docMk/>
-            <pc:sldMk cId="2422553543" sldId="258"/>
-            <ac:picMk id="20" creationId="{370156B7-8DCE-0FEB-6E22-525B698E9F29}"/>
-          </ac:picMkLst>
-        </pc:picChg>
-        <pc:cxnChg chg="mod">
-          <ac:chgData name="Benjamin Robert" userId="bdf697ffd98a8826" providerId="LiveId" clId="{606CDD9B-9A2D-4C79-85CC-421D0917595E}" dt="2023-11-07T21:47:18.520" v="2005" actId="14100"/>
-          <ac:cxnSpMkLst>
-            <pc:docMk/>
-            <pc:sldMk cId="2422553543" sldId="258"/>
-            <ac:cxnSpMk id="7" creationId="{F413FE76-84EC-F7B2-4D63-F3AFF6677F9D}"/>
-          </ac:cxnSpMkLst>
-        </pc:cxnChg>
       </pc:sldChg>
       <pc:sldChg chg="addSp delSp modSp mod modTransition">
         <pc:chgData name="Benjamin Robert" userId="bdf697ffd98a8826" providerId="LiveId" clId="{606CDD9B-9A2D-4C79-85CC-421D0917595E}" dt="2023-11-07T22:15:42.453" v="2371"/>
@@ -572,38 +489,6 @@
           <pc:docMk/>
           <pc:sldMk cId="1596774640" sldId="259"/>
         </pc:sldMkLst>
-        <pc:spChg chg="del">
-          <ac:chgData name="Benjamin Robert" userId="bdf697ffd98a8826" providerId="LiveId" clId="{606CDD9B-9A2D-4C79-85CC-421D0917595E}" dt="2023-11-07T19:31:20.539" v="440" actId="478"/>
-          <ac:spMkLst>
-            <pc:docMk/>
-            <pc:sldMk cId="1596774640" sldId="259"/>
-            <ac:spMk id="2" creationId="{612875D5-B44C-A5DC-90F7-96A4F2D90F23}"/>
-          </ac:spMkLst>
-        </pc:spChg>
-        <pc:spChg chg="add del mod">
-          <ac:chgData name="Benjamin Robert" userId="bdf697ffd98a8826" providerId="LiveId" clId="{606CDD9B-9A2D-4C79-85CC-421D0917595E}" dt="2023-11-07T19:31:22.897" v="441" actId="478"/>
-          <ac:spMkLst>
-            <pc:docMk/>
-            <pc:sldMk cId="1596774640" sldId="259"/>
-            <ac:spMk id="25" creationId="{44952ECE-FB45-A630-276E-89E9E841650D}"/>
-          </ac:spMkLst>
-        </pc:spChg>
-        <pc:spChg chg="add mod">
-          <ac:chgData name="Benjamin Robert" userId="bdf697ffd98a8826" providerId="LiveId" clId="{606CDD9B-9A2D-4C79-85CC-421D0917595E}" dt="2023-11-07T22:15:42.453" v="2371"/>
-          <ac:spMkLst>
-            <pc:docMk/>
-            <pc:sldMk cId="1596774640" sldId="259"/>
-            <ac:spMk id="26" creationId="{A9A1F4B9-FCD1-22FF-48AB-9CC9CAADCC3A}"/>
-          </ac:spMkLst>
-        </pc:spChg>
-        <pc:picChg chg="add mod">
-          <ac:chgData name="Benjamin Robert" userId="bdf697ffd98a8826" providerId="LiveId" clId="{606CDD9B-9A2D-4C79-85CC-421D0917595E}" dt="2023-11-07T19:32:39.242" v="457"/>
-          <ac:picMkLst>
-            <pc:docMk/>
-            <pc:sldMk cId="1596774640" sldId="259"/>
-            <ac:picMk id="27" creationId="{B1F98C94-78D2-4BFF-37BB-5C73D843A388}"/>
-          </ac:picMkLst>
-        </pc:picChg>
       </pc:sldChg>
       <pc:sldChg chg="addSp delSp modSp mod modTransition">
         <pc:chgData name="Benjamin Robert" userId="bdf697ffd98a8826" providerId="LiveId" clId="{606CDD9B-9A2D-4C79-85CC-421D0917595E}" dt="2023-11-07T22:15:42.453" v="2371"/>
@@ -611,54 +496,6 @@
           <pc:docMk/>
           <pc:sldMk cId="4087855709" sldId="260"/>
         </pc:sldMkLst>
-        <pc:spChg chg="del">
-          <ac:chgData name="Benjamin Robert" userId="bdf697ffd98a8826" providerId="LiveId" clId="{606CDD9B-9A2D-4C79-85CC-421D0917595E}" dt="2023-11-07T19:31:26.625" v="443" actId="478"/>
-          <ac:spMkLst>
-            <pc:docMk/>
-            <pc:sldMk cId="4087855709" sldId="260"/>
-            <ac:spMk id="2" creationId="{612875D5-B44C-A5DC-90F7-96A4F2D90F23}"/>
-          </ac:spMkLst>
-        </pc:spChg>
-        <pc:spChg chg="add del mod">
-          <ac:chgData name="Benjamin Robert" userId="bdf697ffd98a8826" providerId="LiveId" clId="{606CDD9B-9A2D-4C79-85CC-421D0917595E}" dt="2023-11-07T19:31:28.481" v="444" actId="478"/>
-          <ac:spMkLst>
-            <pc:docMk/>
-            <pc:sldMk cId="4087855709" sldId="260"/>
-            <ac:spMk id="25" creationId="{1F793CF2-0D06-4082-2FE0-0C2535FDA162}"/>
-          </ac:spMkLst>
-        </pc:spChg>
-        <pc:spChg chg="add mod">
-          <ac:chgData name="Benjamin Robert" userId="bdf697ffd98a8826" providerId="LiveId" clId="{606CDD9B-9A2D-4C79-85CC-421D0917595E}" dt="2023-11-07T22:15:42.453" v="2371"/>
-          <ac:spMkLst>
-            <pc:docMk/>
-            <pc:sldMk cId="4087855709" sldId="260"/>
-            <ac:spMk id="26" creationId="{F4E359E0-949A-3261-3E86-35C80325F337}"/>
-          </ac:spMkLst>
-        </pc:spChg>
-        <pc:spChg chg="add del mod">
-          <ac:chgData name="Benjamin Robert" userId="bdf697ffd98a8826" providerId="LiveId" clId="{606CDD9B-9A2D-4C79-85CC-421D0917595E}" dt="2023-11-07T21:49:41.250" v="2018" actId="478"/>
-          <ac:spMkLst>
-            <pc:docMk/>
-            <pc:sldMk cId="4087855709" sldId="260"/>
-            <ac:spMk id="28" creationId="{F0434096-1B5A-D49E-5802-74715D1D3475}"/>
-          </ac:spMkLst>
-        </pc:spChg>
-        <pc:picChg chg="add mod">
-          <ac:chgData name="Benjamin Robert" userId="bdf697ffd98a8826" providerId="LiveId" clId="{606CDD9B-9A2D-4C79-85CC-421D0917595E}" dt="2023-11-07T19:32:40.378" v="458"/>
-          <ac:picMkLst>
-            <pc:docMk/>
-            <pc:sldMk cId="4087855709" sldId="260"/>
-            <ac:picMk id="27" creationId="{74842612-C1F1-D024-15A4-0101F67B094A}"/>
-          </ac:picMkLst>
-        </pc:picChg>
-        <pc:cxnChg chg="mod">
-          <ac:chgData name="Benjamin Robert" userId="bdf697ffd98a8826" providerId="LiveId" clId="{606CDD9B-9A2D-4C79-85CC-421D0917595E}" dt="2023-11-07T21:49:02.814" v="2012" actId="1035"/>
-          <ac:cxnSpMkLst>
-            <pc:docMk/>
-            <pc:sldMk cId="4087855709" sldId="260"/>
-            <ac:cxnSpMk id="13" creationId="{D7769532-DC8C-249E-4C85-69B0917F93BB}"/>
-          </ac:cxnSpMkLst>
-        </pc:cxnChg>
       </pc:sldChg>
       <pc:sldChg chg="addSp delSp modSp mod">
         <pc:chgData name="Benjamin Robert" userId="bdf697ffd98a8826" providerId="LiveId" clId="{606CDD9B-9A2D-4C79-85CC-421D0917595E}" dt="2023-11-07T22:15:42.453" v="2371"/>
@@ -666,110 +503,6 @@
           <pc:docMk/>
           <pc:sldMk cId="4287853506" sldId="261"/>
         </pc:sldMkLst>
-        <pc:spChg chg="mod">
-          <ac:chgData name="Benjamin Robert" userId="bdf697ffd98a8826" providerId="LiveId" clId="{606CDD9B-9A2D-4C79-85CC-421D0917595E}" dt="2023-11-07T22:15:42.453" v="2371"/>
-          <ac:spMkLst>
-            <pc:docMk/>
-            <pc:sldMk cId="4287853506" sldId="261"/>
-            <ac:spMk id="2" creationId="{21D891FD-1485-A009-12F5-CC30FCDDB232}"/>
-          </ac:spMkLst>
-        </pc:spChg>
-        <pc:spChg chg="mod">
-          <ac:chgData name="Benjamin Robert" userId="bdf697ffd98a8826" providerId="LiveId" clId="{606CDD9B-9A2D-4C79-85CC-421D0917595E}" dt="2023-11-07T19:46:33.264" v="748" actId="20577"/>
-          <ac:spMkLst>
-            <pc:docMk/>
-            <pc:sldMk cId="4287853506" sldId="261"/>
-            <ac:spMk id="3" creationId="{6885857A-C421-6955-1136-AA2B86C7B451}"/>
-          </ac:spMkLst>
-        </pc:spChg>
-        <pc:spChg chg="add del mod ord">
-          <ac:chgData name="Benjamin Robert" userId="bdf697ffd98a8826" providerId="LiveId" clId="{606CDD9B-9A2D-4C79-85CC-421D0917595E}" dt="2023-11-07T19:36:42.836" v="498" actId="478"/>
-          <ac:spMkLst>
-            <pc:docMk/>
-            <pc:sldMk cId="4287853506" sldId="261"/>
-            <ac:spMk id="5" creationId="{B2E62A81-79BE-B674-D3B1-AF52A869A058}"/>
-          </ac:spMkLst>
-        </pc:spChg>
-        <pc:spChg chg="add mod">
-          <ac:chgData name="Benjamin Robert" userId="bdf697ffd98a8826" providerId="LiveId" clId="{606CDD9B-9A2D-4C79-85CC-421D0917595E}" dt="2023-11-07T19:39:52.906" v="569" actId="554"/>
-          <ac:spMkLst>
-            <pc:docMk/>
-            <pc:sldMk cId="4287853506" sldId="261"/>
-            <ac:spMk id="13" creationId="{5B350EE7-089A-13BA-8DCD-7D9617922CE8}"/>
-          </ac:spMkLst>
-        </pc:spChg>
-        <pc:spChg chg="add del mod">
-          <ac:chgData name="Benjamin Robert" userId="bdf697ffd98a8826" providerId="LiveId" clId="{606CDD9B-9A2D-4C79-85CC-421D0917595E}" dt="2023-11-07T19:44:38.403" v="731" actId="478"/>
-          <ac:spMkLst>
-            <pc:docMk/>
-            <pc:sldMk cId="4287853506" sldId="261"/>
-            <ac:spMk id="16" creationId="{D930915C-AAA4-6D98-CF25-5BF75D5A94D0}"/>
-          </ac:spMkLst>
-        </pc:spChg>
-        <pc:spChg chg="add del mod">
-          <ac:chgData name="Benjamin Robert" userId="bdf697ffd98a8826" providerId="LiveId" clId="{606CDD9B-9A2D-4C79-85CC-421D0917595E}" dt="2023-11-07T19:44:39.018" v="732" actId="478"/>
-          <ac:spMkLst>
-            <pc:docMk/>
-            <pc:sldMk cId="4287853506" sldId="261"/>
-            <ac:spMk id="17" creationId="{49F7F581-9E76-9EA6-7CA0-920D9A01E6EA}"/>
-          </ac:spMkLst>
-        </pc:spChg>
-        <pc:picChg chg="del">
-          <ac:chgData name="Benjamin Robert" userId="bdf697ffd98a8826" providerId="LiveId" clId="{606CDD9B-9A2D-4C79-85CC-421D0917595E}" dt="2023-11-07T19:33:22.564" v="467" actId="478"/>
-          <ac:picMkLst>
-            <pc:docMk/>
-            <pc:sldMk cId="4287853506" sldId="261"/>
-            <ac:picMk id="4" creationId="{D9567DB7-232B-CDB4-6272-F178D51C47A2}"/>
-          </ac:picMkLst>
-        </pc:picChg>
-        <pc:picChg chg="add mod">
-          <ac:chgData name="Benjamin Robert" userId="bdf697ffd98a8826" providerId="LiveId" clId="{606CDD9B-9A2D-4C79-85CC-421D0917595E}" dt="2023-11-07T19:35:36.018" v="485" actId="1076"/>
-          <ac:picMkLst>
-            <pc:docMk/>
-            <pc:sldMk cId="4287853506" sldId="261"/>
-            <ac:picMk id="6" creationId="{634E073A-A4FD-560A-AD8E-287CA4AE0D25}"/>
-          </ac:picMkLst>
-        </pc:picChg>
-        <pc:picChg chg="add mod">
-          <ac:chgData name="Benjamin Robert" userId="bdf697ffd98a8826" providerId="LiveId" clId="{606CDD9B-9A2D-4C79-85CC-421D0917595E}" dt="2023-11-07T19:45:47.423" v="744" actId="207"/>
-          <ac:picMkLst>
-            <pc:docMk/>
-            <pc:sldMk cId="4287853506" sldId="261"/>
-            <ac:picMk id="8" creationId="{442A8684-9A29-E652-0A98-641CD0B78A0D}"/>
-          </ac:picMkLst>
-        </pc:picChg>
-        <pc:picChg chg="add mod">
-          <ac:chgData name="Benjamin Robert" userId="bdf697ffd98a8826" providerId="LiveId" clId="{606CDD9B-9A2D-4C79-85CC-421D0917595E}" dt="2023-11-07T19:38:44.340" v="553" actId="1076"/>
-          <ac:picMkLst>
-            <pc:docMk/>
-            <pc:sldMk cId="4287853506" sldId="261"/>
-            <ac:picMk id="10" creationId="{4AE3E002-7CF7-4735-27B1-45141B56CD62}"/>
-          </ac:picMkLst>
-        </pc:picChg>
-        <pc:picChg chg="add mod ord">
-          <ac:chgData name="Benjamin Robert" userId="bdf697ffd98a8826" providerId="LiveId" clId="{606CDD9B-9A2D-4C79-85CC-421D0917595E}" dt="2023-11-07T19:36:57.214" v="502" actId="1076"/>
-          <ac:picMkLst>
-            <pc:docMk/>
-            <pc:sldMk cId="4287853506" sldId="261"/>
-            <ac:picMk id="12" creationId="{4D962F4F-E5E4-90EB-519E-39B0B80F7FE0}"/>
-          </ac:picMkLst>
-        </pc:picChg>
-        <pc:picChg chg="add del mod">
-          <ac:chgData name="Benjamin Robert" userId="bdf697ffd98a8826" providerId="LiveId" clId="{606CDD9B-9A2D-4C79-85CC-421D0917595E}" dt="2023-11-07T19:44:39.668" v="733" actId="478"/>
-          <ac:picMkLst>
-            <pc:docMk/>
-            <pc:sldMk cId="4287853506" sldId="261"/>
-            <ac:picMk id="14" creationId="{E3312C8E-875F-DE23-7CF0-A5C4670C6C74}"/>
-          </ac:picMkLst>
-        </pc:picChg>
-        <pc:picChg chg="add del mod">
-          <ac:chgData name="Benjamin Robert" userId="bdf697ffd98a8826" providerId="LiveId" clId="{606CDD9B-9A2D-4C79-85CC-421D0917595E}" dt="2023-11-07T19:44:40.988" v="734" actId="478"/>
-          <ac:picMkLst>
-            <pc:docMk/>
-            <pc:sldMk cId="4287853506" sldId="261"/>
-            <ac:picMk id="15" creationId="{4252AB68-3E2F-DB48-EFF8-0F58E131ECB6}"/>
-          </ac:picMkLst>
-        </pc:picChg>
       </pc:sldChg>
       <pc:sldChg chg="modSp del mod">
         <pc:chgData name="Benjamin Robert" userId="bdf697ffd98a8826" providerId="LiveId" clId="{606CDD9B-9A2D-4C79-85CC-421D0917595E}" dt="2023-11-07T21:46:36.100" v="1997" actId="47"/>
@@ -777,14 +510,6 @@
           <pc:docMk/>
           <pc:sldMk cId="1781609409" sldId="262"/>
         </pc:sldMkLst>
-        <pc:spChg chg="mod">
-          <ac:chgData name="Benjamin Robert" userId="bdf697ffd98a8826" providerId="LiveId" clId="{606CDD9B-9A2D-4C79-85CC-421D0917595E}" dt="2023-11-07T20:41:29.167" v="797" actId="21"/>
-          <ac:spMkLst>
-            <pc:docMk/>
-            <pc:sldMk cId="1781609409" sldId="262"/>
-            <ac:spMk id="6" creationId="{D4AECEE8-FF39-EADD-189F-70B09FD34C1C}"/>
-          </ac:spMkLst>
-        </pc:spChg>
       </pc:sldChg>
       <pc:sldChg chg="addSp delSp modSp mod modTransition">
         <pc:chgData name="Benjamin Robert" userId="bdf697ffd98a8826" providerId="LiveId" clId="{606CDD9B-9A2D-4C79-85CC-421D0917595E}" dt="2023-11-07T22:15:42.453" v="2371"/>
@@ -792,54 +517,6 @@
           <pc:docMk/>
           <pc:sldMk cId="2933731509" sldId="263"/>
         </pc:sldMkLst>
-        <pc:spChg chg="del">
-          <ac:chgData name="Benjamin Robert" userId="bdf697ffd98a8826" providerId="LiveId" clId="{606CDD9B-9A2D-4C79-85CC-421D0917595E}" dt="2023-11-07T19:30:53.539" v="435" actId="478"/>
-          <ac:spMkLst>
-            <pc:docMk/>
-            <pc:sldMk cId="2933731509" sldId="263"/>
-            <ac:spMk id="2" creationId="{612875D5-B44C-A5DC-90F7-96A4F2D90F23}"/>
-          </ac:spMkLst>
-        </pc:spChg>
-        <pc:spChg chg="add del mod">
-          <ac:chgData name="Benjamin Robert" userId="bdf697ffd98a8826" providerId="LiveId" clId="{606CDD9B-9A2D-4C79-85CC-421D0917595E}" dt="2023-11-07T19:30:51.406" v="434"/>
-          <ac:spMkLst>
-            <pc:docMk/>
-            <pc:sldMk cId="2933731509" sldId="263"/>
-            <ac:spMk id="4" creationId="{4C4EC4E1-406A-1E31-C042-8AC92AB7F29A}"/>
-          </ac:spMkLst>
-        </pc:spChg>
-        <pc:spChg chg="add del mod">
-          <ac:chgData name="Benjamin Robert" userId="bdf697ffd98a8826" providerId="LiveId" clId="{606CDD9B-9A2D-4C79-85CC-421D0917595E}" dt="2023-11-07T19:30:55.967" v="437" actId="478"/>
-          <ac:spMkLst>
-            <pc:docMk/>
-            <pc:sldMk cId="2933731509" sldId="263"/>
-            <ac:spMk id="6" creationId="{B6784480-F6AC-4E5F-40B3-C7D40C515AB6}"/>
-          </ac:spMkLst>
-        </pc:spChg>
-        <pc:spChg chg="add del mod">
-          <ac:chgData name="Benjamin Robert" userId="bdf697ffd98a8826" providerId="LiveId" clId="{606CDD9B-9A2D-4C79-85CC-421D0917595E}" dt="2023-11-07T19:31:04.658" v="438" actId="478"/>
-          <ac:spMkLst>
-            <pc:docMk/>
-            <pc:sldMk cId="2933731509" sldId="263"/>
-            <ac:spMk id="14" creationId="{8278DF43-A474-5098-DB9D-DB4CC9D3ED22}"/>
-          </ac:spMkLst>
-        </pc:spChg>
-        <pc:spChg chg="add mod">
-          <ac:chgData name="Benjamin Robert" userId="bdf697ffd98a8826" providerId="LiveId" clId="{606CDD9B-9A2D-4C79-85CC-421D0917595E}" dt="2023-11-07T22:15:42.453" v="2371"/>
-          <ac:spMkLst>
-            <pc:docMk/>
-            <pc:sldMk cId="2933731509" sldId="263"/>
-            <ac:spMk id="15" creationId="{9B4DAB3B-FC19-A79C-6DE7-0533B3AE9CFF}"/>
-          </ac:spMkLst>
-        </pc:spChg>
-        <pc:picChg chg="add mod">
-          <ac:chgData name="Benjamin Robert" userId="bdf697ffd98a8826" providerId="LiveId" clId="{606CDD9B-9A2D-4C79-85CC-421D0917595E}" dt="2023-11-07T19:32:38.235" v="456"/>
-          <ac:picMkLst>
-            <pc:docMk/>
-            <pc:sldMk cId="2933731509" sldId="263"/>
-            <ac:picMk id="16" creationId="{1F0E3BFC-5A4A-3662-2878-8F7A8D11919E}"/>
-          </ac:picMkLst>
-        </pc:picChg>
       </pc:sldChg>
       <pc:sldChg chg="modSp new del mod">
         <pc:chgData name="Benjamin Robert" userId="bdf697ffd98a8826" providerId="LiveId" clId="{606CDD9B-9A2D-4C79-85CC-421D0917595E}" dt="2023-11-07T21:46:37.521" v="1998" actId="47"/>
@@ -847,14 +524,6 @@
           <pc:docMk/>
           <pc:sldMk cId="3300863653" sldId="264"/>
         </pc:sldMkLst>
-        <pc:spChg chg="mod">
-          <ac:chgData name="Benjamin Robert" userId="bdf697ffd98a8826" providerId="LiveId" clId="{606CDD9B-9A2D-4C79-85CC-421D0917595E}" dt="2023-11-06T21:02:24.635" v="26" actId="20577"/>
-          <ac:spMkLst>
-            <pc:docMk/>
-            <pc:sldMk cId="3300863653" sldId="264"/>
-            <ac:spMk id="2" creationId="{BEE15E3E-46F4-96D4-363D-3498AC5C6EEC}"/>
-          </ac:spMkLst>
-        </pc:spChg>
       </pc:sldChg>
       <pc:sldChg chg="addSp delSp modSp new del mod ord">
         <pc:chgData name="Benjamin Robert" userId="bdf697ffd98a8826" providerId="LiveId" clId="{606CDD9B-9A2D-4C79-85CC-421D0917595E}" dt="2023-11-07T21:46:34.585" v="1996" actId="47"/>
@@ -862,206 +531,6 @@
           <pc:docMk/>
           <pc:sldMk cId="3293213379" sldId="265"/>
         </pc:sldMkLst>
-        <pc:spChg chg="mod">
-          <ac:chgData name="Benjamin Robert" userId="bdf697ffd98a8826" providerId="LiveId" clId="{606CDD9B-9A2D-4C79-85CC-421D0917595E}" dt="2023-11-06T21:20:19.480" v="307" actId="1035"/>
-          <ac:spMkLst>
-            <pc:docMk/>
-            <pc:sldMk cId="3293213379" sldId="265"/>
-            <ac:spMk id="2" creationId="{7CF0D219-B2DD-59F5-660F-104CD4EB30F2}"/>
-          </ac:spMkLst>
-        </pc:spChg>
-        <pc:spChg chg="del">
-          <ac:chgData name="Benjamin Robert" userId="bdf697ffd98a8826" providerId="LiveId" clId="{606CDD9B-9A2D-4C79-85CC-421D0917595E}" dt="2023-11-06T21:06:30.940" v="80" actId="478"/>
-          <ac:spMkLst>
-            <pc:docMk/>
-            <pc:sldMk cId="3293213379" sldId="265"/>
-            <ac:spMk id="3" creationId="{232F1E65-F229-C71E-9757-6134D7991400}"/>
-          </ac:spMkLst>
-        </pc:spChg>
-        <pc:spChg chg="add mod">
-          <ac:chgData name="Benjamin Robert" userId="bdf697ffd98a8826" providerId="LiveId" clId="{606CDD9B-9A2D-4C79-85CC-421D0917595E}" dt="2023-11-07T19:41:24.157" v="593" actId="14100"/>
-          <ac:spMkLst>
-            <pc:docMk/>
-            <pc:sldMk cId="3293213379" sldId="265"/>
-            <ac:spMk id="4" creationId="{AF334D85-B582-24A1-A361-04AB87600F38}"/>
-          </ac:spMkLst>
-        </pc:spChg>
-        <pc:spChg chg="add mod">
-          <ac:chgData name="Benjamin Robert" userId="bdf697ffd98a8826" providerId="LiveId" clId="{606CDD9B-9A2D-4C79-85CC-421D0917595E}" dt="2023-11-07T19:41:01.754" v="586" actId="1076"/>
-          <ac:spMkLst>
-            <pc:docMk/>
-            <pc:sldMk cId="3293213379" sldId="265"/>
-            <ac:spMk id="5" creationId="{F8662544-7396-594F-0A7D-2248EF0D64FA}"/>
-          </ac:spMkLst>
-        </pc:spChg>
-        <pc:spChg chg="add mod">
-          <ac:chgData name="Benjamin Robert" userId="bdf697ffd98a8826" providerId="LiveId" clId="{606CDD9B-9A2D-4C79-85CC-421D0917595E}" dt="2023-11-07T19:41:01.754" v="586" actId="1076"/>
-          <ac:spMkLst>
-            <pc:docMk/>
-            <pc:sldMk cId="3293213379" sldId="265"/>
-            <ac:spMk id="6" creationId="{A882BFBE-67BF-1E5B-DA76-CA47ECD4BC66}"/>
-          </ac:spMkLst>
-        </pc:spChg>
-        <pc:spChg chg="add mod">
-          <ac:chgData name="Benjamin Robert" userId="bdf697ffd98a8826" providerId="LiveId" clId="{606CDD9B-9A2D-4C79-85CC-421D0917595E}" dt="2023-11-07T19:41:01.754" v="586" actId="1076"/>
-          <ac:spMkLst>
-            <pc:docMk/>
-            <pc:sldMk cId="3293213379" sldId="265"/>
-            <ac:spMk id="7" creationId="{E358B682-5370-F868-C5F6-AAD6A65F6A7B}"/>
-          </ac:spMkLst>
-        </pc:spChg>
-        <pc:spChg chg="add mod">
-          <ac:chgData name="Benjamin Robert" userId="bdf697ffd98a8826" providerId="LiveId" clId="{606CDD9B-9A2D-4C79-85CC-421D0917595E}" dt="2023-11-07T19:42:02.423" v="606" actId="1076"/>
-          <ac:spMkLst>
-            <pc:docMk/>
-            <pc:sldMk cId="3293213379" sldId="265"/>
-            <ac:spMk id="19" creationId="{28AEF5A1-791E-64A9-3C7B-5F474844E604}"/>
-          </ac:spMkLst>
-        </pc:spChg>
-        <pc:spChg chg="add del mod">
-          <ac:chgData name="Benjamin Robert" userId="bdf697ffd98a8826" providerId="LiveId" clId="{606CDD9B-9A2D-4C79-85CC-421D0917595E}" dt="2023-11-07T19:40:40.148" v="577" actId="478"/>
-          <ac:spMkLst>
-            <pc:docMk/>
-            <pc:sldMk cId="3293213379" sldId="265"/>
-            <ac:spMk id="20" creationId="{824A1DD2-41D8-FFFC-5A83-87ECB756286C}"/>
-          </ac:spMkLst>
-        </pc:spChg>
-        <pc:spChg chg="add mod">
-          <ac:chgData name="Benjamin Robert" userId="bdf697ffd98a8826" providerId="LiveId" clId="{606CDD9B-9A2D-4C79-85CC-421D0917595E}" dt="2023-11-07T19:41:16.698" v="591" actId="1076"/>
-          <ac:spMkLst>
-            <pc:docMk/>
-            <pc:sldMk cId="3293213379" sldId="265"/>
-            <ac:spMk id="21" creationId="{6B774934-77CB-B3EB-9232-946443BE7DCD}"/>
-          </ac:spMkLst>
-        </pc:spChg>
-        <pc:spChg chg="add del mod">
-          <ac:chgData name="Benjamin Robert" userId="bdf697ffd98a8826" providerId="LiveId" clId="{606CDD9B-9A2D-4C79-85CC-421D0917595E}" dt="2023-11-07T19:40:44.846" v="581" actId="478"/>
-          <ac:spMkLst>
-            <pc:docMk/>
-            <pc:sldMk cId="3293213379" sldId="265"/>
-            <ac:spMk id="23" creationId="{85E1924B-623A-8F36-59FB-D81E0BB7B08F}"/>
-          </ac:spMkLst>
-        </pc:spChg>
-        <pc:spChg chg="add del mod">
-          <ac:chgData name="Benjamin Robert" userId="bdf697ffd98a8826" providerId="LiveId" clId="{606CDD9B-9A2D-4C79-85CC-421D0917595E}" dt="2023-11-07T19:40:43.016" v="578" actId="478"/>
-          <ac:spMkLst>
-            <pc:docMk/>
-            <pc:sldMk cId="3293213379" sldId="265"/>
-            <ac:spMk id="24" creationId="{8D694356-2F16-9485-F597-3EF1FF7C00C5}"/>
-          </ac:spMkLst>
-        </pc:spChg>
-        <pc:spChg chg="add del mod">
-          <ac:chgData name="Benjamin Robert" userId="bdf697ffd98a8826" providerId="LiveId" clId="{606CDD9B-9A2D-4C79-85CC-421D0917595E}" dt="2023-11-07T19:40:43.877" v="579" actId="478"/>
-          <ac:spMkLst>
-            <pc:docMk/>
-            <pc:sldMk cId="3293213379" sldId="265"/>
-            <ac:spMk id="25" creationId="{19893BC5-1813-942D-4011-A14FD31C4EA4}"/>
-          </ac:spMkLst>
-        </pc:spChg>
-        <pc:spChg chg="add mod">
-          <ac:chgData name="Benjamin Robert" userId="bdf697ffd98a8826" providerId="LiveId" clId="{606CDD9B-9A2D-4C79-85CC-421D0917595E}" dt="2023-11-07T19:41:45.853" v="601" actId="1076"/>
-          <ac:spMkLst>
-            <pc:docMk/>
-            <pc:sldMk cId="3293213379" sldId="265"/>
-            <ac:spMk id="28" creationId="{5A823AEF-B605-03E2-956E-C6AB2A66E601}"/>
-          </ac:spMkLst>
-        </pc:spChg>
-        <pc:spChg chg="add del mod">
-          <ac:chgData name="Benjamin Robert" userId="bdf697ffd98a8826" providerId="LiveId" clId="{606CDD9B-9A2D-4C79-85CC-421D0917595E}" dt="2023-11-07T19:41:56.142" v="605" actId="478"/>
-          <ac:spMkLst>
-            <pc:docMk/>
-            <pc:sldMk cId="3293213379" sldId="265"/>
-            <ac:spMk id="29" creationId="{78E69DE2-211F-A57D-565A-B1D22B816A5B}"/>
-          </ac:spMkLst>
-        </pc:spChg>
-        <pc:spChg chg="add mod">
-          <ac:chgData name="Benjamin Robert" userId="bdf697ffd98a8826" providerId="LiveId" clId="{606CDD9B-9A2D-4C79-85CC-421D0917595E}" dt="2023-11-07T19:41:53.786" v="604" actId="1076"/>
-          <ac:spMkLst>
-            <pc:docMk/>
-            <pc:sldMk cId="3293213379" sldId="265"/>
-            <ac:spMk id="30" creationId="{F8086772-ED7B-4F5E-F93B-F9148DCCFBF1}"/>
-          </ac:spMkLst>
-        </pc:spChg>
-        <pc:spChg chg="add mod">
-          <ac:chgData name="Benjamin Robert" userId="bdf697ffd98a8826" providerId="LiveId" clId="{606CDD9B-9A2D-4C79-85CC-421D0917595E}" dt="2023-11-07T20:56:24.955" v="1256" actId="1076"/>
-          <ac:spMkLst>
-            <pc:docMk/>
-            <pc:sldMk cId="3293213379" sldId="265"/>
-            <ac:spMk id="31" creationId="{9CD23C2E-1260-F5FC-E1DB-8CDC651D9C9F}"/>
-          </ac:spMkLst>
-        </pc:spChg>
-        <pc:spChg chg="add del mod">
-          <ac:chgData name="Benjamin Robert" userId="bdf697ffd98a8826" providerId="LiveId" clId="{606CDD9B-9A2D-4C79-85CC-421D0917595E}" dt="2023-11-07T20:57:12.489" v="1277" actId="478"/>
-          <ac:spMkLst>
-            <pc:docMk/>
-            <pc:sldMk cId="3293213379" sldId="265"/>
-            <ac:spMk id="32" creationId="{9297049E-E188-1E2F-A65F-8143A7613451}"/>
-          </ac:spMkLst>
-        </pc:spChg>
-        <pc:spChg chg="add del mod">
-          <ac:chgData name="Benjamin Robert" userId="bdf697ffd98a8826" providerId="LiveId" clId="{606CDD9B-9A2D-4C79-85CC-421D0917595E}" dt="2023-11-07T20:57:10.570" v="1276" actId="478"/>
-          <ac:spMkLst>
-            <pc:docMk/>
-            <pc:sldMk cId="3293213379" sldId="265"/>
-            <ac:spMk id="33" creationId="{0F74E390-0AFB-5B1C-DBD4-EDF36E683078}"/>
-          </ac:spMkLst>
-        </pc:spChg>
-        <pc:grpChg chg="add mod">
-          <ac:chgData name="Benjamin Robert" userId="bdf697ffd98a8826" providerId="LiveId" clId="{606CDD9B-9A2D-4C79-85CC-421D0917595E}" dt="2023-11-07T19:41:20.875" v="592" actId="1076"/>
-          <ac:grpSpMkLst>
-            <pc:docMk/>
-            <pc:sldMk cId="3293213379" sldId="265"/>
-            <ac:grpSpMk id="18" creationId="{78522213-35A6-B982-889A-D66118A1B037}"/>
-          </ac:grpSpMkLst>
-        </pc:grpChg>
-        <pc:picChg chg="add mod">
-          <ac:chgData name="Benjamin Robert" userId="bdf697ffd98a8826" providerId="LiveId" clId="{606CDD9B-9A2D-4C79-85CC-421D0917595E}" dt="2023-11-07T19:41:01.754" v="586" actId="1076"/>
-          <ac:picMkLst>
-            <pc:docMk/>
-            <pc:sldMk cId="3293213379" sldId="265"/>
-            <ac:picMk id="17" creationId="{6D8B022C-7177-F0C9-9484-4B88B632A88B}"/>
-          </ac:picMkLst>
-        </pc:picChg>
-        <pc:picChg chg="add del mod">
-          <ac:chgData name="Benjamin Robert" userId="bdf697ffd98a8826" providerId="LiveId" clId="{606CDD9B-9A2D-4C79-85CC-421D0917595E}" dt="2023-11-07T19:40:44.509" v="580" actId="478"/>
-          <ac:picMkLst>
-            <pc:docMk/>
-            <pc:sldMk cId="3293213379" sldId="265"/>
-            <ac:picMk id="22" creationId="{B1E3A2AB-E833-73C5-B72C-9019EC8658EB}"/>
-          </ac:picMkLst>
-        </pc:picChg>
-        <pc:picChg chg="add mod">
-          <ac:chgData name="Benjamin Robert" userId="bdf697ffd98a8826" providerId="LiveId" clId="{606CDD9B-9A2D-4C79-85CC-421D0917595E}" dt="2023-11-07T19:41:11.494" v="590" actId="1076"/>
-          <ac:picMkLst>
-            <pc:docMk/>
-            <pc:sldMk cId="3293213379" sldId="265"/>
-            <ac:picMk id="26" creationId="{F4123D93-8EF6-5AE4-8E3A-CE418D978403}"/>
-          </ac:picMkLst>
-        </pc:picChg>
-        <pc:picChg chg="add mod">
-          <ac:chgData name="Benjamin Robert" userId="bdf697ffd98a8826" providerId="LiveId" clId="{606CDD9B-9A2D-4C79-85CC-421D0917595E}" dt="2023-11-07T19:41:07.629" v="588" actId="1076"/>
-          <ac:picMkLst>
-            <pc:docMk/>
-            <pc:sldMk cId="3293213379" sldId="265"/>
-            <ac:picMk id="27" creationId="{FBF209B8-4A62-A1DA-7EE8-81B077F6ECF3}"/>
-          </ac:picMkLst>
-        </pc:picChg>
-        <pc:cxnChg chg="add mod">
-          <ac:chgData name="Benjamin Robert" userId="bdf697ffd98a8826" providerId="LiveId" clId="{606CDD9B-9A2D-4C79-85CC-421D0917595E}" dt="2023-11-07T19:41:01.754" v="586" actId="1076"/>
-          <ac:cxnSpMkLst>
-            <pc:docMk/>
-            <pc:sldMk cId="3293213379" sldId="265"/>
-            <ac:cxnSpMk id="9" creationId="{761FFA65-EFB2-89E1-4D90-570DAA6363E7}"/>
-          </ac:cxnSpMkLst>
-        </pc:cxnChg>
-        <pc:cxnChg chg="add mod">
-          <ac:chgData name="Benjamin Robert" userId="bdf697ffd98a8826" providerId="LiveId" clId="{606CDD9B-9A2D-4C79-85CC-421D0917595E}" dt="2023-11-07T19:41:01.754" v="586" actId="1076"/>
-          <ac:cxnSpMkLst>
-            <pc:docMk/>
-            <pc:sldMk cId="3293213379" sldId="265"/>
-            <ac:cxnSpMk id="12" creationId="{D86C2D91-E9FC-A7F3-9F58-066566F9AE97}"/>
-          </ac:cxnSpMkLst>
-        </pc:cxnChg>
       </pc:sldChg>
       <pc:sldChg chg="addSp delSp modSp add mod">
         <pc:chgData name="Benjamin Robert" userId="bdf697ffd98a8826" providerId="LiveId" clId="{606CDD9B-9A2D-4C79-85CC-421D0917595E}" dt="2023-11-07T22:15:42.453" v="2371"/>
@@ -1069,86 +538,6 @@
           <pc:docMk/>
           <pc:sldMk cId="2976745860" sldId="266"/>
         </pc:sldMkLst>
-        <pc:spChg chg="mod">
-          <ac:chgData name="Benjamin Robert" userId="bdf697ffd98a8826" providerId="LiveId" clId="{606CDD9B-9A2D-4C79-85CC-421D0917595E}" dt="2023-11-07T22:15:42.453" v="2371"/>
-          <ac:spMkLst>
-            <pc:docMk/>
-            <pc:sldMk cId="2976745860" sldId="266"/>
-            <ac:spMk id="2" creationId="{21D891FD-1485-A009-12F5-CC30FCDDB232}"/>
-          </ac:spMkLst>
-        </pc:spChg>
-        <pc:spChg chg="mod">
-          <ac:chgData name="Benjamin Robert" userId="bdf697ffd98a8826" providerId="LiveId" clId="{606CDD9B-9A2D-4C79-85CC-421D0917595E}" dt="2023-11-07T19:46:36.731" v="749" actId="20577"/>
-          <ac:spMkLst>
-            <pc:docMk/>
-            <pc:sldMk cId="2976745860" sldId="266"/>
-            <ac:spMk id="3" creationId="{6885857A-C421-6955-1136-AA2B86C7B451}"/>
-          </ac:spMkLst>
-        </pc:spChg>
-        <pc:spChg chg="del">
-          <ac:chgData name="Benjamin Robert" userId="bdf697ffd98a8826" providerId="LiveId" clId="{606CDD9B-9A2D-4C79-85CC-421D0917595E}" dt="2023-11-07T19:45:33.580" v="739" actId="478"/>
-          <ac:spMkLst>
-            <pc:docMk/>
-            <pc:sldMk cId="2976745860" sldId="266"/>
-            <ac:spMk id="16" creationId="{D930915C-AAA4-6D98-CF25-5BF75D5A94D0}"/>
-          </ac:spMkLst>
-        </pc:spChg>
-        <pc:spChg chg="del">
-          <ac:chgData name="Benjamin Robert" userId="bdf697ffd98a8826" providerId="LiveId" clId="{606CDD9B-9A2D-4C79-85CC-421D0917595E}" dt="2023-11-07T19:45:34.131" v="740" actId="478"/>
-          <ac:spMkLst>
-            <pc:docMk/>
-            <pc:sldMk cId="2976745860" sldId="266"/>
-            <ac:spMk id="17" creationId="{49F7F581-9E76-9EA6-7CA0-920D9A01E6EA}"/>
-          </ac:spMkLst>
-        </pc:spChg>
-        <pc:picChg chg="add mod">
-          <ac:chgData name="Benjamin Robert" userId="bdf697ffd98a8826" providerId="LiveId" clId="{606CDD9B-9A2D-4C79-85CC-421D0917595E}" dt="2023-11-07T19:45:00.738" v="735"/>
-          <ac:picMkLst>
-            <pc:docMk/>
-            <pc:sldMk cId="2976745860" sldId="266"/>
-            <ac:picMk id="4" creationId="{DFF53526-8375-0B8B-F376-DF25D4F18563}"/>
-          </ac:picMkLst>
-        </pc:picChg>
-        <pc:picChg chg="add mod">
-          <ac:chgData name="Benjamin Robert" userId="bdf697ffd98a8826" providerId="LiveId" clId="{606CDD9B-9A2D-4C79-85CC-421D0917595E}" dt="2023-11-07T19:45:08.494" v="737" actId="207"/>
-          <ac:picMkLst>
-            <pc:docMk/>
-            <pc:sldMk cId="2976745860" sldId="266"/>
-            <ac:picMk id="5" creationId="{ADE322A6-8470-3564-8B97-492B908BE01C}"/>
-          </ac:picMkLst>
-        </pc:picChg>
-        <pc:picChg chg="mod">
-          <ac:chgData name="Benjamin Robert" userId="bdf697ffd98a8826" providerId="LiveId" clId="{606CDD9B-9A2D-4C79-85CC-421D0917595E}" dt="2023-11-07T19:45:23.629" v="738" actId="207"/>
-          <ac:picMkLst>
-            <pc:docMk/>
-            <pc:sldMk cId="2976745860" sldId="266"/>
-            <ac:picMk id="8" creationId="{442A8684-9A29-E652-0A98-641CD0B78A0D}"/>
-          </ac:picMkLst>
-        </pc:picChg>
-        <pc:picChg chg="add del mod">
-          <ac:chgData name="Benjamin Robert" userId="bdf697ffd98a8826" providerId="LiveId" clId="{606CDD9B-9A2D-4C79-85CC-421D0917595E}" dt="2023-11-07T19:46:28.568" v="747" actId="21"/>
-          <ac:picMkLst>
-            <pc:docMk/>
-            <pc:sldMk cId="2976745860" sldId="266"/>
-            <ac:picMk id="9" creationId="{63A4799A-C1EA-9FF0-A5CF-63B2F0D14774}"/>
-          </ac:picMkLst>
-        </pc:picChg>
-        <pc:picChg chg="del">
-          <ac:chgData name="Benjamin Robert" userId="bdf697ffd98a8826" providerId="LiveId" clId="{606CDD9B-9A2D-4C79-85CC-421D0917595E}" dt="2023-11-07T19:45:34.882" v="741" actId="478"/>
-          <ac:picMkLst>
-            <pc:docMk/>
-            <pc:sldMk cId="2976745860" sldId="266"/>
-            <ac:picMk id="14" creationId="{E3312C8E-875F-DE23-7CF0-A5C4670C6C74}"/>
-          </ac:picMkLst>
-        </pc:picChg>
-        <pc:picChg chg="del">
-          <ac:chgData name="Benjamin Robert" userId="bdf697ffd98a8826" providerId="LiveId" clId="{606CDD9B-9A2D-4C79-85CC-421D0917595E}" dt="2023-11-07T19:45:35.268" v="742" actId="478"/>
-          <ac:picMkLst>
-            <pc:docMk/>
-            <pc:sldMk cId="2976745860" sldId="266"/>
-            <ac:picMk id="15" creationId="{4252AB68-3E2F-DB48-EFF8-0F58E131ECB6}"/>
-          </ac:picMkLst>
-        </pc:picChg>
       </pc:sldChg>
       <pc:sldChg chg="addSp delSp modSp add mod">
         <pc:chgData name="Benjamin Robert" userId="bdf697ffd98a8826" providerId="LiveId" clId="{606CDD9B-9A2D-4C79-85CC-421D0917595E}" dt="2023-11-07T22:15:42.453" v="2371"/>
@@ -1156,62 +545,6 @@
           <pc:docMk/>
           <pc:sldMk cId="4176397519" sldId="267"/>
         </pc:sldMkLst>
-        <pc:spChg chg="mod">
-          <ac:chgData name="Benjamin Robert" userId="bdf697ffd98a8826" providerId="LiveId" clId="{606CDD9B-9A2D-4C79-85CC-421D0917595E}" dt="2023-11-07T22:15:42.453" v="2371"/>
-          <ac:spMkLst>
-            <pc:docMk/>
-            <pc:sldMk cId="4176397519" sldId="267"/>
-            <ac:spMk id="2" creationId="{21D891FD-1485-A009-12F5-CC30FCDDB232}"/>
-          </ac:spMkLst>
-        </pc:spChg>
-        <pc:spChg chg="mod">
-          <ac:chgData name="Benjamin Robert" userId="bdf697ffd98a8826" providerId="LiveId" clId="{606CDD9B-9A2D-4C79-85CC-421D0917595E}" dt="2023-11-07T19:47:14.152" v="755" actId="20577"/>
-          <ac:spMkLst>
-            <pc:docMk/>
-            <pc:sldMk cId="4176397519" sldId="267"/>
-            <ac:spMk id="3" creationId="{6885857A-C421-6955-1136-AA2B86C7B451}"/>
-          </ac:spMkLst>
-        </pc:spChg>
-        <pc:spChg chg="del">
-          <ac:chgData name="Benjamin Robert" userId="bdf697ffd98a8826" providerId="LiveId" clId="{606CDD9B-9A2D-4C79-85CC-421D0917595E}" dt="2023-11-07T19:47:17.151" v="756" actId="478"/>
-          <ac:spMkLst>
-            <pc:docMk/>
-            <pc:sldMk cId="4176397519" sldId="267"/>
-            <ac:spMk id="16" creationId="{D930915C-AAA4-6D98-CF25-5BF75D5A94D0}"/>
-          </ac:spMkLst>
-        </pc:spChg>
-        <pc:spChg chg="del">
-          <ac:chgData name="Benjamin Robert" userId="bdf697ffd98a8826" providerId="LiveId" clId="{606CDD9B-9A2D-4C79-85CC-421D0917595E}" dt="2023-11-07T19:47:18.212" v="757" actId="478"/>
-          <ac:spMkLst>
-            <pc:docMk/>
-            <pc:sldMk cId="4176397519" sldId="267"/>
-            <ac:spMk id="17" creationId="{49F7F581-9E76-9EA6-7CA0-920D9A01E6EA}"/>
-          </ac:spMkLst>
-        </pc:spChg>
-        <pc:picChg chg="add mod">
-          <ac:chgData name="Benjamin Robert" userId="bdf697ffd98a8826" providerId="LiveId" clId="{606CDD9B-9A2D-4C79-85CC-421D0917595E}" dt="2023-11-07T19:49:27.690" v="777" actId="1035"/>
-          <ac:picMkLst>
-            <pc:docMk/>
-            <pc:sldMk cId="4176397519" sldId="267"/>
-            <ac:picMk id="4" creationId="{145DBDCB-166D-8B11-65AE-FB8C6B9D44A5}"/>
-          </ac:picMkLst>
-        </pc:picChg>
-        <pc:picChg chg="del">
-          <ac:chgData name="Benjamin Robert" userId="bdf697ffd98a8826" providerId="LiveId" clId="{606CDD9B-9A2D-4C79-85CC-421D0917595E}" dt="2023-11-07T19:47:18.810" v="758" actId="478"/>
-          <ac:picMkLst>
-            <pc:docMk/>
-            <pc:sldMk cId="4176397519" sldId="267"/>
-            <ac:picMk id="14" creationId="{E3312C8E-875F-DE23-7CF0-A5C4670C6C74}"/>
-          </ac:picMkLst>
-        </pc:picChg>
-        <pc:picChg chg="del">
-          <ac:chgData name="Benjamin Robert" userId="bdf697ffd98a8826" providerId="LiveId" clId="{606CDD9B-9A2D-4C79-85CC-421D0917595E}" dt="2023-11-07T19:47:19.132" v="759" actId="478"/>
-          <ac:picMkLst>
-            <pc:docMk/>
-            <pc:sldMk cId="4176397519" sldId="267"/>
-            <ac:picMk id="15" creationId="{4252AB68-3E2F-DB48-EFF8-0F58E131ECB6}"/>
-          </ac:picMkLst>
-        </pc:picChg>
       </pc:sldChg>
       <pc:sldChg chg="addSp delSp modSp add mod">
         <pc:chgData name="Benjamin Robert" userId="bdf697ffd98a8826" providerId="LiveId" clId="{606CDD9B-9A2D-4C79-85CC-421D0917595E}" dt="2023-11-07T22:15:42.453" v="2371"/>
@@ -1219,46 +552,6 @@
           <pc:docMk/>
           <pc:sldMk cId="3309654618" sldId="268"/>
         </pc:sldMkLst>
-        <pc:spChg chg="mod">
-          <ac:chgData name="Benjamin Robert" userId="bdf697ffd98a8826" providerId="LiveId" clId="{606CDD9B-9A2D-4C79-85CC-421D0917595E}" dt="2023-11-07T22:15:42.453" v="2371"/>
-          <ac:spMkLst>
-            <pc:docMk/>
-            <pc:sldMk cId="3309654618" sldId="268"/>
-            <ac:spMk id="2" creationId="{21D891FD-1485-A009-12F5-CC30FCDDB232}"/>
-          </ac:spMkLst>
-        </pc:spChg>
-        <pc:picChg chg="add mod">
-          <ac:chgData name="Benjamin Robert" userId="bdf697ffd98a8826" providerId="LiveId" clId="{606CDD9B-9A2D-4C79-85CC-421D0917595E}" dt="2023-11-07T19:48:21.747" v="767" actId="1076"/>
-          <ac:picMkLst>
-            <pc:docMk/>
-            <pc:sldMk cId="3309654618" sldId="268"/>
-            <ac:picMk id="4" creationId="{B31CD32F-AEDE-F881-1656-638BBC6D194A}"/>
-          </ac:picMkLst>
-        </pc:picChg>
-        <pc:picChg chg="add mod">
-          <ac:chgData name="Benjamin Robert" userId="bdf697ffd98a8826" providerId="LiveId" clId="{606CDD9B-9A2D-4C79-85CC-421D0917595E}" dt="2023-11-07T19:48:20.191" v="766" actId="1076"/>
-          <ac:picMkLst>
-            <pc:docMk/>
-            <pc:sldMk cId="3309654618" sldId="268"/>
-            <ac:picMk id="5" creationId="{C09DD3A1-C852-4E8A-1FED-5470FB888D79}"/>
-          </ac:picMkLst>
-        </pc:picChg>
-        <pc:picChg chg="add mod">
-          <ac:chgData name="Benjamin Robert" userId="bdf697ffd98a8826" providerId="LiveId" clId="{606CDD9B-9A2D-4C79-85CC-421D0917595E}" dt="2023-11-07T19:49:34.095" v="779" actId="1035"/>
-          <ac:picMkLst>
-            <pc:docMk/>
-            <pc:sldMk cId="3309654618" sldId="268"/>
-            <ac:picMk id="9" creationId="{0F136CEC-C935-76FA-5987-505A16C5B5C9}"/>
-          </ac:picMkLst>
-        </pc:picChg>
-        <pc:picChg chg="add del mod">
-          <ac:chgData name="Benjamin Robert" userId="bdf697ffd98a8826" providerId="LiveId" clId="{606CDD9B-9A2D-4C79-85CC-421D0917595E}" dt="2023-11-07T19:49:16.499" v="775" actId="478"/>
-          <ac:picMkLst>
-            <pc:docMk/>
-            <pc:sldMk cId="3309654618" sldId="268"/>
-            <ac:picMk id="11" creationId="{FF935728-789B-F223-48F8-D2B7F38472B8}"/>
-          </ac:picMkLst>
-        </pc:picChg>
       </pc:sldChg>
       <pc:sldChg chg="addSp delSp modSp add mod">
         <pc:chgData name="Benjamin Robert" userId="bdf697ffd98a8826" providerId="LiveId" clId="{606CDD9B-9A2D-4C79-85CC-421D0917595E}" dt="2023-11-08T17:34:39.365" v="4669" actId="2085"/>
@@ -1266,46 +559,6 @@
           <pc:docMk/>
           <pc:sldMk cId="1367016546" sldId="269"/>
         </pc:sldMkLst>
-        <pc:spChg chg="mod">
-          <ac:chgData name="Benjamin Robert" userId="bdf697ffd98a8826" providerId="LiveId" clId="{606CDD9B-9A2D-4C79-85CC-421D0917595E}" dt="2023-11-07T22:15:42.453" v="2371"/>
-          <ac:spMkLst>
-            <pc:docMk/>
-            <pc:sldMk cId="1367016546" sldId="269"/>
-            <ac:spMk id="2" creationId="{0EAA4061-E73F-FD5C-6710-2CCDAB886375}"/>
-          </ac:spMkLst>
-        </pc:spChg>
-        <pc:spChg chg="del">
-          <ac:chgData name="Benjamin Robert" userId="bdf697ffd98a8826" providerId="LiveId" clId="{606CDD9B-9A2D-4C79-85CC-421D0917595E}" dt="2023-11-07T20:45:33.522" v="910" actId="478"/>
-          <ac:spMkLst>
-            <pc:docMk/>
-            <pc:sldMk cId="1367016546" sldId="269"/>
-            <ac:spMk id="3" creationId="{DB3B7E3B-A600-3434-32A1-0CE3707E23CC}"/>
-          </ac:spMkLst>
-        </pc:spChg>
-        <pc:spChg chg="mod">
-          <ac:chgData name="Benjamin Robert" userId="bdf697ffd98a8826" providerId="LiveId" clId="{606CDD9B-9A2D-4C79-85CC-421D0917595E}" dt="2023-11-07T20:51:29.277" v="1248" actId="20577"/>
-          <ac:spMkLst>
-            <pc:docMk/>
-            <pc:sldMk cId="1367016546" sldId="269"/>
-            <ac:spMk id="6" creationId="{D4AECEE8-FF39-EADD-189F-70B09FD34C1C}"/>
-          </ac:spMkLst>
-        </pc:spChg>
-        <pc:spChg chg="add del mod">
-          <ac:chgData name="Benjamin Robert" userId="bdf697ffd98a8826" providerId="LiveId" clId="{606CDD9B-9A2D-4C79-85CC-421D0917595E}" dt="2023-11-07T20:45:34.786" v="911" actId="478"/>
-          <ac:spMkLst>
-            <pc:docMk/>
-            <pc:sldMk cId="1367016546" sldId="269"/>
-            <ac:spMk id="7" creationId="{AFF8DB48-9837-76F1-B50A-6FA643261B68}"/>
-          </ac:spMkLst>
-        </pc:spChg>
-        <pc:picChg chg="mod">
-          <ac:chgData name="Benjamin Robert" userId="bdf697ffd98a8826" providerId="LiveId" clId="{606CDD9B-9A2D-4C79-85CC-421D0917595E}" dt="2023-11-08T17:34:39.365" v="4669" actId="2085"/>
-          <ac:picMkLst>
-            <pc:docMk/>
-            <pc:sldMk cId="1367016546" sldId="269"/>
-            <ac:picMk id="2050" creationId="{CDB165B8-7CB6-9B6E-A801-A11EEB5C8802}"/>
-          </ac:picMkLst>
-        </pc:picChg>
       </pc:sldChg>
       <pc:sldChg chg="addSp delSp modSp add mod modTransition">
         <pc:chgData name="Benjamin Robert" userId="bdf697ffd98a8826" providerId="LiveId" clId="{606CDD9B-9A2D-4C79-85CC-421D0917595E}" dt="2023-11-07T21:17:20.434" v="1705"/>
@@ -1313,230 +566,6 @@
           <pc:docMk/>
           <pc:sldMk cId="4085299714" sldId="270"/>
         </pc:sldMkLst>
-        <pc:spChg chg="mod topLvl">
-          <ac:chgData name="Benjamin Robert" userId="bdf697ffd98a8826" providerId="LiveId" clId="{606CDD9B-9A2D-4C79-85CC-421D0917595E}" dt="2023-11-07T21:03:31.112" v="1416" actId="165"/>
-          <ac:spMkLst>
-            <pc:docMk/>
-            <pc:sldMk cId="4085299714" sldId="270"/>
-            <ac:spMk id="4" creationId="{AF334D85-B582-24A1-A361-04AB87600F38}"/>
-          </ac:spMkLst>
-        </pc:spChg>
-        <pc:spChg chg="mod topLvl">
-          <ac:chgData name="Benjamin Robert" userId="bdf697ffd98a8826" providerId="LiveId" clId="{606CDD9B-9A2D-4C79-85CC-421D0917595E}" dt="2023-11-07T21:07:40.364" v="1577" actId="404"/>
-          <ac:spMkLst>
-            <pc:docMk/>
-            <pc:sldMk cId="4085299714" sldId="270"/>
-            <ac:spMk id="5" creationId="{F8662544-7396-594F-0A7D-2248EF0D64FA}"/>
-          </ac:spMkLst>
-        </pc:spChg>
-        <pc:spChg chg="del mod">
-          <ac:chgData name="Benjamin Robert" userId="bdf697ffd98a8826" providerId="LiveId" clId="{606CDD9B-9A2D-4C79-85CC-421D0917595E}" dt="2023-11-07T21:00:41.179" v="1344" actId="478"/>
-          <ac:spMkLst>
-            <pc:docMk/>
-            <pc:sldMk cId="4085299714" sldId="270"/>
-            <ac:spMk id="6" creationId="{A882BFBE-67BF-1E5B-DA76-CA47ECD4BC66}"/>
-          </ac:spMkLst>
-        </pc:spChg>
-        <pc:spChg chg="del mod">
-          <ac:chgData name="Benjamin Robert" userId="bdf697ffd98a8826" providerId="LiveId" clId="{606CDD9B-9A2D-4C79-85CC-421D0917595E}" dt="2023-11-07T21:00:35.921" v="1340" actId="478"/>
-          <ac:spMkLst>
-            <pc:docMk/>
-            <pc:sldMk cId="4085299714" sldId="270"/>
-            <ac:spMk id="7" creationId="{E358B682-5370-F868-C5F6-AAD6A65F6A7B}"/>
-          </ac:spMkLst>
-        </pc:spChg>
-        <pc:spChg chg="add del mod">
-          <ac:chgData name="Benjamin Robert" userId="bdf697ffd98a8826" providerId="LiveId" clId="{606CDD9B-9A2D-4C79-85CC-421D0917595E}" dt="2023-11-07T21:02:21.454" v="1355" actId="478"/>
-          <ac:spMkLst>
-            <pc:docMk/>
-            <pc:sldMk cId="4085299714" sldId="270"/>
-            <ac:spMk id="10" creationId="{7E32F49D-24FD-2FCD-DD83-61D96B4CD8F3}"/>
-          </ac:spMkLst>
-        </pc:spChg>
-        <pc:spChg chg="add del mod">
-          <ac:chgData name="Benjamin Robert" userId="bdf697ffd98a8826" providerId="LiveId" clId="{606CDD9B-9A2D-4C79-85CC-421D0917595E}" dt="2023-11-07T21:05:12.106" v="1490" actId="478"/>
-          <ac:spMkLst>
-            <pc:docMk/>
-            <pc:sldMk cId="4085299714" sldId="270"/>
-            <ac:spMk id="16" creationId="{1B272393-169C-803F-3769-058BFC3CA7D1}"/>
-          </ac:spMkLst>
-        </pc:spChg>
-        <pc:spChg chg="mod">
-          <ac:chgData name="Benjamin Robert" userId="bdf697ffd98a8826" providerId="LiveId" clId="{606CDD9B-9A2D-4C79-85CC-421D0917595E}" dt="2023-11-07T20:58:01.397" v="1290" actId="1076"/>
-          <ac:spMkLst>
-            <pc:docMk/>
-            <pc:sldMk cId="4085299714" sldId="270"/>
-            <ac:spMk id="19" creationId="{28AEF5A1-791E-64A9-3C7B-5F474844E604}"/>
-          </ac:spMkLst>
-        </pc:spChg>
-        <pc:spChg chg="del mod">
-          <ac:chgData name="Benjamin Robert" userId="bdf697ffd98a8826" providerId="LiveId" clId="{606CDD9B-9A2D-4C79-85CC-421D0917595E}" dt="2023-11-07T21:14:50.127" v="1687" actId="478"/>
-          <ac:spMkLst>
-            <pc:docMk/>
-            <pc:sldMk cId="4085299714" sldId="270"/>
-            <ac:spMk id="21" creationId="{6B774934-77CB-B3EB-9232-946443BE7DCD}"/>
-          </ac:spMkLst>
-        </pc:spChg>
-        <pc:spChg chg="add mod">
-          <ac:chgData name="Benjamin Robert" userId="bdf697ffd98a8826" providerId="LiveId" clId="{606CDD9B-9A2D-4C79-85CC-421D0917595E}" dt="2023-11-07T21:14:50.689" v="1688"/>
-          <ac:spMkLst>
-            <pc:docMk/>
-            <pc:sldMk cId="4085299714" sldId="270"/>
-            <ac:spMk id="24" creationId="{35B813BA-8F1F-22EA-B694-4C12D3F02EC6}"/>
-          </ac:spMkLst>
-        </pc:spChg>
-        <pc:spChg chg="del mod">
-          <ac:chgData name="Benjamin Robert" userId="bdf697ffd98a8826" providerId="LiveId" clId="{606CDD9B-9A2D-4C79-85CC-421D0917595E}" dt="2023-11-07T21:04:52.559" v="1484" actId="478"/>
-          <ac:spMkLst>
-            <pc:docMk/>
-            <pc:sldMk cId="4085299714" sldId="270"/>
-            <ac:spMk id="28" creationId="{5A823AEF-B605-03E2-956E-C6AB2A66E601}"/>
-          </ac:spMkLst>
-        </pc:spChg>
-        <pc:spChg chg="del mod">
-          <ac:chgData name="Benjamin Robert" userId="bdf697ffd98a8826" providerId="LiveId" clId="{606CDD9B-9A2D-4C79-85CC-421D0917595E}" dt="2023-11-07T21:04:51.865" v="1483" actId="478"/>
-          <ac:spMkLst>
-            <pc:docMk/>
-            <pc:sldMk cId="4085299714" sldId="270"/>
-            <ac:spMk id="30" creationId="{F8086772-ED7B-4F5E-F93B-F9148DCCFBF1}"/>
-          </ac:spMkLst>
-        </pc:spChg>
-        <pc:spChg chg="del">
-          <ac:chgData name="Benjamin Robert" userId="bdf697ffd98a8826" providerId="LiveId" clId="{606CDD9B-9A2D-4C79-85CC-421D0917595E}" dt="2023-11-07T20:57:20.812" v="1279" actId="478"/>
-          <ac:spMkLst>
-            <pc:docMk/>
-            <pc:sldMk cId="4085299714" sldId="270"/>
-            <ac:spMk id="31" creationId="{9CD23C2E-1260-F5FC-E1DB-8CDC651D9C9F}"/>
-          </ac:spMkLst>
-        </pc:spChg>
-        <pc:grpChg chg="add del mod">
-          <ac:chgData name="Benjamin Robert" userId="bdf697ffd98a8826" providerId="LiveId" clId="{606CDD9B-9A2D-4C79-85CC-421D0917595E}" dt="2023-11-07T21:03:31.112" v="1416" actId="165"/>
-          <ac:grpSpMkLst>
-            <pc:docMk/>
-            <pc:sldMk cId="4085299714" sldId="270"/>
-            <ac:grpSpMk id="18" creationId="{78522213-35A6-B982-889A-D66118A1B037}"/>
-          </ac:grpSpMkLst>
-        </pc:grpChg>
-        <pc:picChg chg="add del mod">
-          <ac:chgData name="Benjamin Robert" userId="bdf697ffd98a8826" providerId="LiveId" clId="{606CDD9B-9A2D-4C79-85CC-421D0917595E}" dt="2023-11-07T21:02:28.326" v="1358" actId="478"/>
-          <ac:picMkLst>
-            <pc:docMk/>
-            <pc:sldMk cId="4085299714" sldId="270"/>
-            <ac:picMk id="8" creationId="{59EFCF8B-9E2C-5CA6-A54B-30D956DC1097}"/>
-          </ac:picMkLst>
-        </pc:picChg>
-        <pc:picChg chg="add del mod">
-          <ac:chgData name="Benjamin Robert" userId="bdf697ffd98a8826" providerId="LiveId" clId="{606CDD9B-9A2D-4C79-85CC-421D0917595E}" dt="2023-11-07T21:02:36.110" v="1362" actId="478"/>
-          <ac:picMkLst>
-            <pc:docMk/>
-            <pc:sldMk cId="4085299714" sldId="270"/>
-            <ac:picMk id="13" creationId="{9525A342-52E7-80D7-A773-1E9A7045CEE3}"/>
-          </ac:picMkLst>
-        </pc:picChg>
-        <pc:picChg chg="add del mod">
-          <ac:chgData name="Benjamin Robert" userId="bdf697ffd98a8826" providerId="LiveId" clId="{606CDD9B-9A2D-4C79-85CC-421D0917595E}" dt="2023-11-07T21:05:09.923" v="1489" actId="478"/>
-          <ac:picMkLst>
-            <pc:docMk/>
-            <pc:sldMk cId="4085299714" sldId="270"/>
-            <ac:picMk id="14" creationId="{0BD690AC-8769-DB6F-46E9-1B1A6A2CBCA4}"/>
-          </ac:picMkLst>
-        </pc:picChg>
-        <pc:picChg chg="add del mod">
-          <ac:chgData name="Benjamin Robert" userId="bdf697ffd98a8826" providerId="LiveId" clId="{606CDD9B-9A2D-4C79-85CC-421D0917595E}" dt="2023-11-07T21:05:09.378" v="1488" actId="478"/>
-          <ac:picMkLst>
-            <pc:docMk/>
-            <pc:sldMk cId="4085299714" sldId="270"/>
-            <ac:picMk id="15" creationId="{D69D9FD6-80ED-1ACB-4640-7141C61E46ED}"/>
-          </ac:picMkLst>
-        </pc:picChg>
-        <pc:picChg chg="mod">
-          <ac:chgData name="Benjamin Robert" userId="bdf697ffd98a8826" providerId="LiveId" clId="{606CDD9B-9A2D-4C79-85CC-421D0917595E}" dt="2023-11-07T21:04:15.029" v="1475" actId="1076"/>
-          <ac:picMkLst>
-            <pc:docMk/>
-            <pc:sldMk cId="4085299714" sldId="270"/>
-            <ac:picMk id="17" creationId="{6D8B022C-7177-F0C9-9484-4B88B632A88B}"/>
-          </ac:picMkLst>
-        </pc:picChg>
-        <pc:picChg chg="add del mod">
-          <ac:chgData name="Benjamin Robert" userId="bdf697ffd98a8826" providerId="LiveId" clId="{606CDD9B-9A2D-4C79-85CC-421D0917595E}" dt="2023-11-07T21:05:13.410" v="1491" actId="478"/>
-          <ac:picMkLst>
-            <pc:docMk/>
-            <pc:sldMk cId="4085299714" sldId="270"/>
-            <ac:picMk id="22" creationId="{221ADC90-A42B-334B-2BD1-0508F27C14AE}"/>
-          </ac:picMkLst>
-        </pc:picChg>
-        <pc:picChg chg="add del mod">
-          <ac:chgData name="Benjamin Robert" userId="bdf697ffd98a8826" providerId="LiveId" clId="{606CDD9B-9A2D-4C79-85CC-421D0917595E}" dt="2023-11-07T21:05:14.014" v="1492" actId="478"/>
-          <ac:picMkLst>
-            <pc:docMk/>
-            <pc:sldMk cId="4085299714" sldId="270"/>
-            <ac:picMk id="23" creationId="{06189D59-9253-3232-284F-C15E51024792}"/>
-          </ac:picMkLst>
-        </pc:picChg>
-        <pc:picChg chg="add mod">
-          <ac:chgData name="Benjamin Robert" userId="bdf697ffd98a8826" providerId="LiveId" clId="{606CDD9B-9A2D-4C79-85CC-421D0917595E}" dt="2023-11-07T21:14:50.689" v="1688"/>
-          <ac:picMkLst>
-            <pc:docMk/>
-            <pc:sldMk cId="4085299714" sldId="270"/>
-            <ac:picMk id="25" creationId="{ECCB16DC-249A-05C7-24E8-0CE4A8A59B1B}"/>
-          </ac:picMkLst>
-        </pc:picChg>
-        <pc:picChg chg="del mod">
-          <ac:chgData name="Benjamin Robert" userId="bdf697ffd98a8826" providerId="LiveId" clId="{606CDD9B-9A2D-4C79-85CC-421D0917595E}" dt="2023-11-07T21:14:50.127" v="1687" actId="478"/>
-          <ac:picMkLst>
-            <pc:docMk/>
-            <pc:sldMk cId="4085299714" sldId="270"/>
-            <ac:picMk id="26" creationId="{F4123D93-8EF6-5AE4-8E3A-CE418D978403}"/>
-          </ac:picMkLst>
-        </pc:picChg>
-        <pc:picChg chg="del mod">
-          <ac:chgData name="Benjamin Robert" userId="bdf697ffd98a8826" providerId="LiveId" clId="{606CDD9B-9A2D-4C79-85CC-421D0917595E}" dt="2023-11-07T21:14:50.127" v="1687" actId="478"/>
-          <ac:picMkLst>
-            <pc:docMk/>
-            <pc:sldMk cId="4085299714" sldId="270"/>
-            <ac:picMk id="27" creationId="{FBF209B8-4A62-A1DA-7EE8-81B077F6ECF3}"/>
-          </ac:picMkLst>
-        </pc:picChg>
-        <pc:picChg chg="add del mod">
-          <ac:chgData name="Benjamin Robert" userId="bdf697ffd98a8826" providerId="LiveId" clId="{606CDD9B-9A2D-4C79-85CC-421D0917595E}" dt="2023-11-07T21:16:50.967" v="1703" actId="478"/>
-          <ac:picMkLst>
-            <pc:docMk/>
-            <pc:sldMk cId="4085299714" sldId="270"/>
-            <ac:picMk id="29" creationId="{085835B4-6104-CCA0-4503-E59E5CC601D0}"/>
-          </ac:picMkLst>
-        </pc:picChg>
-        <pc:picChg chg="add mod">
-          <ac:chgData name="Benjamin Robert" userId="bdf697ffd98a8826" providerId="LiveId" clId="{606CDD9B-9A2D-4C79-85CC-421D0917595E}" dt="2023-11-07T21:16:51.139" v="1704"/>
-          <ac:picMkLst>
-            <pc:docMk/>
-            <pc:sldMk cId="4085299714" sldId="270"/>
-            <ac:picMk id="32" creationId="{596690E0-66BC-00B8-A1DF-298B8885B982}"/>
-          </ac:picMkLst>
-        </pc:picChg>
-        <pc:cxnChg chg="del mod">
-          <ac:chgData name="Benjamin Robert" userId="bdf697ffd98a8826" providerId="LiveId" clId="{606CDD9B-9A2D-4C79-85CC-421D0917595E}" dt="2023-11-07T21:00:42.939" v="1345" actId="478"/>
-          <ac:cxnSpMkLst>
-            <pc:docMk/>
-            <pc:sldMk cId="4085299714" sldId="270"/>
-            <ac:cxnSpMk id="9" creationId="{761FFA65-EFB2-89E1-4D90-570DAA6363E7}"/>
-          </ac:cxnSpMkLst>
-        </pc:cxnChg>
-        <pc:cxnChg chg="del mod">
-          <ac:chgData name="Benjamin Robert" userId="bdf697ffd98a8826" providerId="LiveId" clId="{606CDD9B-9A2D-4C79-85CC-421D0917595E}" dt="2023-11-07T21:00:37.775" v="1341" actId="478"/>
-          <ac:cxnSpMkLst>
-            <pc:docMk/>
-            <pc:sldMk cId="4085299714" sldId="270"/>
-            <ac:cxnSpMk id="12" creationId="{D86C2D91-E9FC-A7F3-9F58-066566F9AE97}"/>
-          </ac:cxnSpMkLst>
-        </pc:cxnChg>
-        <pc:cxnChg chg="add del mod">
-          <ac:chgData name="Benjamin Robert" userId="bdf697ffd98a8826" providerId="LiveId" clId="{606CDD9B-9A2D-4C79-85CC-421D0917595E}" dt="2023-11-07T21:05:14.897" v="1493" actId="478"/>
-          <ac:cxnSpMkLst>
-            <pc:docMk/>
-            <pc:sldMk cId="4085299714" sldId="270"/>
-            <ac:cxnSpMk id="20" creationId="{819A47BC-731D-3B9C-6CF3-3B8D825F59DC}"/>
-          </ac:cxnSpMkLst>
-        </pc:cxnChg>
       </pc:sldChg>
       <pc:sldChg chg="delSp add del mod modTransition">
         <pc:chgData name="Benjamin Robert" userId="bdf697ffd98a8826" providerId="LiveId" clId="{606CDD9B-9A2D-4C79-85CC-421D0917595E}" dt="2023-11-07T21:18:57.143" v="1708" actId="47"/>
@@ -1544,86 +573,6 @@
           <pc:docMk/>
           <pc:sldMk cId="3253442871" sldId="271"/>
         </pc:sldMkLst>
-        <pc:spChg chg="del">
-          <ac:chgData name="Benjamin Robert" userId="bdf697ffd98a8826" providerId="LiveId" clId="{606CDD9B-9A2D-4C79-85CC-421D0917595E}" dt="2023-11-07T21:04:57.752" v="1485" actId="478"/>
-          <ac:spMkLst>
-            <pc:docMk/>
-            <pc:sldMk cId="3253442871" sldId="271"/>
-            <ac:spMk id="10" creationId="{7E32F49D-24FD-2FCD-DD83-61D96B4CD8F3}"/>
-          </ac:spMkLst>
-        </pc:spChg>
-        <pc:spChg chg="del">
-          <ac:chgData name="Benjamin Robert" userId="bdf697ffd98a8826" providerId="LiveId" clId="{606CDD9B-9A2D-4C79-85CC-421D0917595E}" dt="2023-11-07T21:18:34.211" v="1706" actId="478"/>
-          <ac:spMkLst>
-            <pc:docMk/>
-            <pc:sldMk cId="3253442871" sldId="271"/>
-            <ac:spMk id="19" creationId="{28AEF5A1-791E-64A9-3C7B-5F474844E604}"/>
-          </ac:spMkLst>
-        </pc:spChg>
-        <pc:spChg chg="del">
-          <ac:chgData name="Benjamin Robert" userId="bdf697ffd98a8826" providerId="LiveId" clId="{606CDD9B-9A2D-4C79-85CC-421D0917595E}" dt="2023-11-07T21:18:34.211" v="1706" actId="478"/>
-          <ac:spMkLst>
-            <pc:docMk/>
-            <pc:sldMk cId="3253442871" sldId="271"/>
-            <ac:spMk id="21" creationId="{6B774934-77CB-B3EB-9232-946443BE7DCD}"/>
-          </ac:spMkLst>
-        </pc:spChg>
-        <pc:spChg chg="del">
-          <ac:chgData name="Benjamin Robert" userId="bdf697ffd98a8826" providerId="LiveId" clId="{606CDD9B-9A2D-4C79-85CC-421D0917595E}" dt="2023-11-07T21:18:34.211" v="1706" actId="478"/>
-          <ac:spMkLst>
-            <pc:docMk/>
-            <pc:sldMk cId="3253442871" sldId="271"/>
-            <ac:spMk id="28" creationId="{5A823AEF-B605-03E2-956E-C6AB2A66E601}"/>
-          </ac:spMkLst>
-        </pc:spChg>
-        <pc:spChg chg="del">
-          <ac:chgData name="Benjamin Robert" userId="bdf697ffd98a8826" providerId="LiveId" clId="{606CDD9B-9A2D-4C79-85CC-421D0917595E}" dt="2023-11-07T21:18:34.211" v="1706" actId="478"/>
-          <ac:spMkLst>
-            <pc:docMk/>
-            <pc:sldMk cId="3253442871" sldId="271"/>
-            <ac:spMk id="30" creationId="{F8086772-ED7B-4F5E-F93B-F9148DCCFBF1}"/>
-          </ac:spMkLst>
-        </pc:spChg>
-        <pc:grpChg chg="del">
-          <ac:chgData name="Benjamin Robert" userId="bdf697ffd98a8826" providerId="LiveId" clId="{606CDD9B-9A2D-4C79-85CC-421D0917595E}" dt="2023-11-07T21:18:34.211" v="1706" actId="478"/>
-          <ac:grpSpMkLst>
-            <pc:docMk/>
-            <pc:sldMk cId="3253442871" sldId="271"/>
-            <ac:grpSpMk id="18" creationId="{78522213-35A6-B982-889A-D66118A1B037}"/>
-          </ac:grpSpMkLst>
-        </pc:grpChg>
-        <pc:picChg chg="del">
-          <ac:chgData name="Benjamin Robert" userId="bdf697ffd98a8826" providerId="LiveId" clId="{606CDD9B-9A2D-4C79-85CC-421D0917595E}" dt="2023-11-07T21:04:57.752" v="1485" actId="478"/>
-          <ac:picMkLst>
-            <pc:docMk/>
-            <pc:sldMk cId="3253442871" sldId="271"/>
-            <ac:picMk id="8" creationId="{59EFCF8B-9E2C-5CA6-A54B-30D956DC1097}"/>
-          </ac:picMkLst>
-        </pc:picChg>
-        <pc:picChg chg="del">
-          <ac:chgData name="Benjamin Robert" userId="bdf697ffd98a8826" providerId="LiveId" clId="{606CDD9B-9A2D-4C79-85CC-421D0917595E}" dt="2023-11-07T21:18:34.211" v="1706" actId="478"/>
-          <ac:picMkLst>
-            <pc:docMk/>
-            <pc:sldMk cId="3253442871" sldId="271"/>
-            <ac:picMk id="17" creationId="{6D8B022C-7177-F0C9-9484-4B88B632A88B}"/>
-          </ac:picMkLst>
-        </pc:picChg>
-        <pc:picChg chg="del">
-          <ac:chgData name="Benjamin Robert" userId="bdf697ffd98a8826" providerId="LiveId" clId="{606CDD9B-9A2D-4C79-85CC-421D0917595E}" dt="2023-11-07T21:18:34.211" v="1706" actId="478"/>
-          <ac:picMkLst>
-            <pc:docMk/>
-            <pc:sldMk cId="3253442871" sldId="271"/>
-            <ac:picMk id="26" creationId="{F4123D93-8EF6-5AE4-8E3A-CE418D978403}"/>
-          </ac:picMkLst>
-        </pc:picChg>
-        <pc:picChg chg="del">
-          <ac:chgData name="Benjamin Robert" userId="bdf697ffd98a8826" providerId="LiveId" clId="{606CDD9B-9A2D-4C79-85CC-421D0917595E}" dt="2023-11-07T21:18:34.211" v="1706" actId="478"/>
-          <ac:picMkLst>
-            <pc:docMk/>
-            <pc:sldMk cId="3253442871" sldId="271"/>
-            <ac:picMk id="27" creationId="{FBF209B8-4A62-A1DA-7EE8-81B077F6ECF3}"/>
-          </ac:picMkLst>
-        </pc:picChg>
       </pc:sldChg>
       <pc:sldChg chg="addSp delSp modSp add mod modTransition">
         <pc:chgData name="Benjamin Robert" userId="bdf697ffd98a8826" providerId="LiveId" clId="{606CDD9B-9A2D-4C79-85CC-421D0917595E}" dt="2023-11-07T21:16:48.417" v="1702"/>
@@ -1631,126 +580,6 @@
           <pc:docMk/>
           <pc:sldMk cId="682175586" sldId="272"/>
         </pc:sldMkLst>
-        <pc:spChg chg="add mod">
-          <ac:chgData name="Benjamin Robert" userId="bdf697ffd98a8826" providerId="LiveId" clId="{606CDD9B-9A2D-4C79-85CC-421D0917595E}" dt="2023-11-07T21:09:35.742" v="1604" actId="6549"/>
-          <ac:spMkLst>
-            <pc:docMk/>
-            <pc:sldMk cId="682175586" sldId="272"/>
-            <ac:spMk id="3" creationId="{43738024-424D-D866-7693-2A9727A996F2}"/>
-          </ac:spMkLst>
-        </pc:spChg>
-        <pc:spChg chg="del mod">
-          <ac:chgData name="Benjamin Robert" userId="bdf697ffd98a8826" providerId="LiveId" clId="{606CDD9B-9A2D-4C79-85CC-421D0917595E}" dt="2023-11-07T21:08:05.346" v="1580" actId="478"/>
-          <ac:spMkLst>
-            <pc:docMk/>
-            <pc:sldMk cId="682175586" sldId="272"/>
-            <ac:spMk id="5" creationId="{F8662544-7396-594F-0A7D-2248EF0D64FA}"/>
-          </ac:spMkLst>
-        </pc:spChg>
-        <pc:spChg chg="add mod">
-          <ac:chgData name="Benjamin Robert" userId="bdf697ffd98a8826" providerId="LiveId" clId="{606CDD9B-9A2D-4C79-85CC-421D0917595E}" dt="2023-11-07T21:08:05.467" v="1581"/>
-          <ac:spMkLst>
-            <pc:docMk/>
-            <pc:sldMk cId="682175586" sldId="272"/>
-            <ac:spMk id="6" creationId="{D3DECD20-451B-E747-22D6-48E945FF5C08}"/>
-          </ac:spMkLst>
-        </pc:spChg>
-        <pc:spChg chg="add mod">
-          <ac:chgData name="Benjamin Robert" userId="bdf697ffd98a8826" providerId="LiveId" clId="{606CDD9B-9A2D-4C79-85CC-421D0917595E}" dt="2023-11-07T21:14:47.107" v="1686"/>
-          <ac:spMkLst>
-            <pc:docMk/>
-            <pc:sldMk cId="682175586" sldId="272"/>
-            <ac:spMk id="7" creationId="{27D3A912-AE3E-193B-9F7B-C990C16076F2}"/>
-          </ac:spMkLst>
-        </pc:spChg>
-        <pc:spChg chg="mod">
-          <ac:chgData name="Benjamin Robert" userId="bdf697ffd98a8826" providerId="LiveId" clId="{606CDD9B-9A2D-4C79-85CC-421D0917595E}" dt="2023-11-07T21:07:22.738" v="1558" actId="207"/>
-          <ac:spMkLst>
-            <pc:docMk/>
-            <pc:sldMk cId="682175586" sldId="272"/>
-            <ac:spMk id="16" creationId="{1B272393-169C-803F-3769-058BFC3CA7D1}"/>
-          </ac:spMkLst>
-        </pc:spChg>
-        <pc:spChg chg="del">
-          <ac:chgData name="Benjamin Robert" userId="bdf697ffd98a8826" providerId="LiveId" clId="{606CDD9B-9A2D-4C79-85CC-421D0917595E}" dt="2023-11-07T21:14:46.994" v="1685" actId="478"/>
-          <ac:spMkLst>
-            <pc:docMk/>
-            <pc:sldMk cId="682175586" sldId="272"/>
-            <ac:spMk id="21" creationId="{6B774934-77CB-B3EB-9232-946443BE7DCD}"/>
-          </ac:spMkLst>
-        </pc:spChg>
-        <pc:spChg chg="del">
-          <ac:chgData name="Benjamin Robert" userId="bdf697ffd98a8826" providerId="LiveId" clId="{606CDD9B-9A2D-4C79-85CC-421D0917595E}" dt="2023-11-07T21:04:46.999" v="1482" actId="478"/>
-          <ac:spMkLst>
-            <pc:docMk/>
-            <pc:sldMk cId="682175586" sldId="272"/>
-            <ac:spMk id="28" creationId="{5A823AEF-B605-03E2-956E-C6AB2A66E601}"/>
-          </ac:spMkLst>
-        </pc:spChg>
-        <pc:spChg chg="del">
-          <ac:chgData name="Benjamin Robert" userId="bdf697ffd98a8826" providerId="LiveId" clId="{606CDD9B-9A2D-4C79-85CC-421D0917595E}" dt="2023-11-07T21:04:45.638" v="1481" actId="478"/>
-          <ac:spMkLst>
-            <pc:docMk/>
-            <pc:sldMk cId="682175586" sldId="272"/>
-            <ac:spMk id="30" creationId="{F8086772-ED7B-4F5E-F93B-F9148DCCFBF1}"/>
-          </ac:spMkLst>
-        </pc:spChg>
-        <pc:picChg chg="add mod">
-          <ac:chgData name="Benjamin Robert" userId="bdf697ffd98a8826" providerId="LiveId" clId="{606CDD9B-9A2D-4C79-85CC-421D0917595E}" dt="2023-11-07T21:14:47.107" v="1686"/>
-          <ac:picMkLst>
-            <pc:docMk/>
-            <pc:sldMk cId="682175586" sldId="272"/>
-            <ac:picMk id="8" creationId="{B5C0BC09-9CAF-60FD-DD14-CC27304BA54D}"/>
-          </ac:picMkLst>
-        </pc:picChg>
-        <pc:picChg chg="add del mod">
-          <ac:chgData name="Benjamin Robert" userId="bdf697ffd98a8826" providerId="LiveId" clId="{606CDD9B-9A2D-4C79-85CC-421D0917595E}" dt="2023-11-07T21:16:48.237" v="1701" actId="478"/>
-          <ac:picMkLst>
-            <pc:docMk/>
-            <pc:sldMk cId="682175586" sldId="272"/>
-            <ac:picMk id="9" creationId="{E9B98A92-2297-232A-8D4A-052B2B560E79}"/>
-          </ac:picMkLst>
-        </pc:picChg>
-        <pc:picChg chg="add mod">
-          <ac:chgData name="Benjamin Robert" userId="bdf697ffd98a8826" providerId="LiveId" clId="{606CDD9B-9A2D-4C79-85CC-421D0917595E}" dt="2023-11-07T21:16:48.417" v="1702"/>
-          <ac:picMkLst>
-            <pc:docMk/>
-            <pc:sldMk cId="682175586" sldId="272"/>
-            <ac:picMk id="10" creationId="{2A4AA352-E520-3522-82AD-EE790467F947}"/>
-          </ac:picMkLst>
-        </pc:picChg>
-        <pc:picChg chg="del">
-          <ac:chgData name="Benjamin Robert" userId="bdf697ffd98a8826" providerId="LiveId" clId="{606CDD9B-9A2D-4C79-85CC-421D0917595E}" dt="2023-11-07T21:05:19.279" v="1494" actId="478"/>
-          <ac:picMkLst>
-            <pc:docMk/>
-            <pc:sldMk cId="682175586" sldId="272"/>
-            <ac:picMk id="14" creationId="{0BD690AC-8769-DB6F-46E9-1B1A6A2CBCA4}"/>
-          </ac:picMkLst>
-        </pc:picChg>
-        <pc:picChg chg="del">
-          <ac:chgData name="Benjamin Robert" userId="bdf697ffd98a8826" providerId="LiveId" clId="{606CDD9B-9A2D-4C79-85CC-421D0917595E}" dt="2023-11-07T21:05:20.222" v="1495" actId="478"/>
-          <ac:picMkLst>
-            <pc:docMk/>
-            <pc:sldMk cId="682175586" sldId="272"/>
-            <ac:picMk id="15" creationId="{D69D9FD6-80ED-1ACB-4640-7141C61E46ED}"/>
-          </ac:picMkLst>
-        </pc:picChg>
-        <pc:picChg chg="del">
-          <ac:chgData name="Benjamin Robert" userId="bdf697ffd98a8826" providerId="LiveId" clId="{606CDD9B-9A2D-4C79-85CC-421D0917595E}" dt="2023-11-07T21:14:46.994" v="1685" actId="478"/>
-          <ac:picMkLst>
-            <pc:docMk/>
-            <pc:sldMk cId="682175586" sldId="272"/>
-            <ac:picMk id="26" creationId="{F4123D93-8EF6-5AE4-8E3A-CE418D978403}"/>
-          </ac:picMkLst>
-        </pc:picChg>
-        <pc:picChg chg="del">
-          <ac:chgData name="Benjamin Robert" userId="bdf697ffd98a8826" providerId="LiveId" clId="{606CDD9B-9A2D-4C79-85CC-421D0917595E}" dt="2023-11-07T21:14:46.994" v="1685" actId="478"/>
-          <ac:picMkLst>
-            <pc:docMk/>
-            <pc:sldMk cId="682175586" sldId="272"/>
-            <ac:picMk id="27" creationId="{FBF209B8-4A62-A1DA-7EE8-81B077F6ECF3}"/>
-          </ac:picMkLst>
-        </pc:picChg>
       </pc:sldChg>
       <pc:sldChg chg="addSp delSp modSp add mod modTransition">
         <pc:chgData name="Benjamin Robert" userId="bdf697ffd98a8826" providerId="LiveId" clId="{606CDD9B-9A2D-4C79-85CC-421D0917595E}" dt="2023-11-07T21:16:45.680" v="1700"/>
@@ -1758,126 +587,6 @@
           <pc:docMk/>
           <pc:sldMk cId="1851036196" sldId="273"/>
         </pc:sldMkLst>
-        <pc:spChg chg="mod">
-          <ac:chgData name="Benjamin Robert" userId="bdf697ffd98a8826" providerId="LiveId" clId="{606CDD9B-9A2D-4C79-85CC-421D0917595E}" dt="2023-11-07T21:09:24.709" v="1599" actId="20577"/>
-          <ac:spMkLst>
-            <pc:docMk/>
-            <pc:sldMk cId="1851036196" sldId="273"/>
-            <ac:spMk id="3" creationId="{43738024-424D-D866-7693-2A9727A996F2}"/>
-          </ac:spMkLst>
-        </pc:spChg>
-        <pc:spChg chg="add mod">
-          <ac:chgData name="Benjamin Robert" userId="bdf697ffd98a8826" providerId="LiveId" clId="{606CDD9B-9A2D-4C79-85CC-421D0917595E}" dt="2023-11-07T21:09:31.113" v="1601" actId="1076"/>
-          <ac:spMkLst>
-            <pc:docMk/>
-            <pc:sldMk cId="1851036196" sldId="273"/>
-            <ac:spMk id="7" creationId="{071A91B2-71AC-D531-934A-6C8C498F67BB}"/>
-          </ac:spMkLst>
-        </pc:spChg>
-        <pc:spChg chg="add mod">
-          <ac:chgData name="Benjamin Robert" userId="bdf697ffd98a8826" providerId="LiveId" clId="{606CDD9B-9A2D-4C79-85CC-421D0917595E}" dt="2023-11-07T21:11:36.277" v="1663" actId="1035"/>
-          <ac:spMkLst>
-            <pc:docMk/>
-            <pc:sldMk cId="1851036196" sldId="273"/>
-            <ac:spMk id="8" creationId="{05AF71DE-3E51-2A27-26F2-D543079C884F}"/>
-          </ac:spMkLst>
-        </pc:spChg>
-        <pc:spChg chg="add mod">
-          <ac:chgData name="Benjamin Robert" userId="bdf697ffd98a8826" providerId="LiveId" clId="{606CDD9B-9A2D-4C79-85CC-421D0917595E}" dt="2023-11-07T21:14:43.911" v="1684"/>
-          <ac:spMkLst>
-            <pc:docMk/>
-            <pc:sldMk cId="1851036196" sldId="273"/>
-            <ac:spMk id="11" creationId="{74FC2683-62F0-61F3-F1B0-33A152A9FFB3}"/>
-          </ac:spMkLst>
-        </pc:spChg>
-        <pc:spChg chg="del">
-          <ac:chgData name="Benjamin Robert" userId="bdf697ffd98a8826" providerId="LiveId" clId="{606CDD9B-9A2D-4C79-85CC-421D0917595E}" dt="2023-11-07T21:14:43.748" v="1683" actId="478"/>
-          <ac:spMkLst>
-            <pc:docMk/>
-            <pc:sldMk cId="1851036196" sldId="273"/>
-            <ac:spMk id="21" creationId="{6B774934-77CB-B3EB-9232-946443BE7DCD}"/>
-          </ac:spMkLst>
-        </pc:spChg>
-        <pc:picChg chg="add mod">
-          <ac:chgData name="Benjamin Robert" userId="bdf697ffd98a8826" providerId="LiveId" clId="{606CDD9B-9A2D-4C79-85CC-421D0917595E}" dt="2023-11-07T21:11:36.277" v="1663" actId="1035"/>
-          <ac:picMkLst>
-            <pc:docMk/>
-            <pc:sldMk cId="1851036196" sldId="273"/>
-            <ac:picMk id="9" creationId="{156C9EF8-DA6A-FD12-11DE-BBCBDD68AD2D}"/>
-          </ac:picMkLst>
-        </pc:picChg>
-        <pc:picChg chg="add mod">
-          <ac:chgData name="Benjamin Robert" userId="bdf697ffd98a8826" providerId="LiveId" clId="{606CDD9B-9A2D-4C79-85CC-421D0917595E}" dt="2023-11-07T21:11:36.277" v="1663" actId="1035"/>
-          <ac:picMkLst>
-            <pc:docMk/>
-            <pc:sldMk cId="1851036196" sldId="273"/>
-            <ac:picMk id="10" creationId="{43B79A60-4F83-A9EE-3418-11436579E590}"/>
-          </ac:picMkLst>
-        </pc:picChg>
-        <pc:picChg chg="add mod">
-          <ac:chgData name="Benjamin Robert" userId="bdf697ffd98a8826" providerId="LiveId" clId="{606CDD9B-9A2D-4C79-85CC-421D0917595E}" dt="2023-11-07T21:14:43.911" v="1684"/>
-          <ac:picMkLst>
-            <pc:docMk/>
-            <pc:sldMk cId="1851036196" sldId="273"/>
-            <ac:picMk id="12" creationId="{24193336-1F64-08F1-BFCB-627D6776FB05}"/>
-          </ac:picMkLst>
-        </pc:picChg>
-        <pc:picChg chg="add del mod">
-          <ac:chgData name="Benjamin Robert" userId="bdf697ffd98a8826" providerId="LiveId" clId="{606CDD9B-9A2D-4C79-85CC-421D0917595E}" dt="2023-11-07T21:16:45.284" v="1699" actId="478"/>
-          <ac:picMkLst>
-            <pc:docMk/>
-            <pc:sldMk cId="1851036196" sldId="273"/>
-            <ac:picMk id="13" creationId="{3412D26B-D816-83D9-C213-46D4D3C77DAC}"/>
-          </ac:picMkLst>
-        </pc:picChg>
-        <pc:picChg chg="add mod">
-          <ac:chgData name="Benjamin Robert" userId="bdf697ffd98a8826" providerId="LiveId" clId="{606CDD9B-9A2D-4C79-85CC-421D0917595E}" dt="2023-11-07T21:16:45.680" v="1700"/>
-          <ac:picMkLst>
-            <pc:docMk/>
-            <pc:sldMk cId="1851036196" sldId="273"/>
-            <ac:picMk id="14" creationId="{C9CC4DC9-23B8-9B69-A26F-E6E87621440B}"/>
-          </ac:picMkLst>
-        </pc:picChg>
-        <pc:picChg chg="del">
-          <ac:chgData name="Benjamin Robert" userId="bdf697ffd98a8826" providerId="LiveId" clId="{606CDD9B-9A2D-4C79-85CC-421D0917595E}" dt="2023-11-07T21:10:47.001" v="1646" actId="478"/>
-          <ac:picMkLst>
-            <pc:docMk/>
-            <pc:sldMk cId="1851036196" sldId="273"/>
-            <ac:picMk id="22" creationId="{221ADC90-A42B-334B-2BD1-0508F27C14AE}"/>
-          </ac:picMkLst>
-        </pc:picChg>
-        <pc:picChg chg="del">
-          <ac:chgData name="Benjamin Robert" userId="bdf697ffd98a8826" providerId="LiveId" clId="{606CDD9B-9A2D-4C79-85CC-421D0917595E}" dt="2023-11-07T21:10:47.941" v="1647" actId="478"/>
-          <ac:picMkLst>
-            <pc:docMk/>
-            <pc:sldMk cId="1851036196" sldId="273"/>
-            <ac:picMk id="23" creationId="{06189D59-9253-3232-284F-C15E51024792}"/>
-          </ac:picMkLst>
-        </pc:picChg>
-        <pc:picChg chg="del">
-          <ac:chgData name="Benjamin Robert" userId="bdf697ffd98a8826" providerId="LiveId" clId="{606CDD9B-9A2D-4C79-85CC-421D0917595E}" dt="2023-11-07T21:14:43.748" v="1683" actId="478"/>
-          <ac:picMkLst>
-            <pc:docMk/>
-            <pc:sldMk cId="1851036196" sldId="273"/>
-            <ac:picMk id="26" creationId="{F4123D93-8EF6-5AE4-8E3A-CE418D978403}"/>
-          </ac:picMkLst>
-        </pc:picChg>
-        <pc:picChg chg="del">
-          <ac:chgData name="Benjamin Robert" userId="bdf697ffd98a8826" providerId="LiveId" clId="{606CDD9B-9A2D-4C79-85CC-421D0917595E}" dt="2023-11-07T21:14:43.748" v="1683" actId="478"/>
-          <ac:picMkLst>
-            <pc:docMk/>
-            <pc:sldMk cId="1851036196" sldId="273"/>
-            <ac:picMk id="27" creationId="{FBF209B8-4A62-A1DA-7EE8-81B077F6ECF3}"/>
-          </ac:picMkLst>
-        </pc:picChg>
-        <pc:cxnChg chg="add mod">
-          <ac:chgData name="Benjamin Robert" userId="bdf697ffd98a8826" providerId="LiveId" clId="{606CDD9B-9A2D-4C79-85CC-421D0917595E}" dt="2023-11-07T21:08:51.199" v="1586" actId="1076"/>
-          <ac:cxnSpMkLst>
-            <pc:docMk/>
-            <pc:sldMk cId="1851036196" sldId="273"/>
-            <ac:cxnSpMk id="5" creationId="{1C7D4841-BDDF-0B6A-07DC-4C120B6960C8}"/>
-          </ac:cxnSpMkLst>
-        </pc:cxnChg>
       </pc:sldChg>
       <pc:sldChg chg="add del">
         <pc:chgData name="Benjamin Robert" userId="bdf697ffd98a8826" providerId="LiveId" clId="{606CDD9B-9A2D-4C79-85CC-421D0917595E}" dt="2023-11-07T21:05:34.187" v="1497" actId="47"/>
@@ -1899,102 +608,6 @@
           <pc:docMk/>
           <pc:sldMk cId="2610226880" sldId="274"/>
         </pc:sldMkLst>
-        <pc:spChg chg="add del mod">
-          <ac:chgData name="Benjamin Robert" userId="bdf697ffd98a8826" providerId="LiveId" clId="{606CDD9B-9A2D-4C79-85CC-421D0917595E}" dt="2023-11-07T21:14:18.796" v="1677" actId="478"/>
-          <ac:spMkLst>
-            <pc:docMk/>
-            <pc:sldMk cId="2610226880" sldId="274"/>
-            <ac:spMk id="11" creationId="{7B8BB0CB-8C1C-D5AA-6A95-96C5C17B07C2}"/>
-          </ac:spMkLst>
-        </pc:spChg>
-        <pc:spChg chg="add del mod">
-          <ac:chgData name="Benjamin Robert" userId="bdf697ffd98a8826" providerId="LiveId" clId="{606CDD9B-9A2D-4C79-85CC-421D0917595E}" dt="2023-11-07T21:14:18.796" v="1677" actId="478"/>
-          <ac:spMkLst>
-            <pc:docMk/>
-            <pc:sldMk cId="2610226880" sldId="274"/>
-            <ac:spMk id="12" creationId="{1C077680-93C3-6F8F-CF13-5B7C56CC72B8}"/>
-          </ac:spMkLst>
-        </pc:spChg>
-        <pc:spChg chg="add mod">
-          <ac:chgData name="Benjamin Robert" userId="bdf697ffd98a8826" providerId="LiveId" clId="{606CDD9B-9A2D-4C79-85CC-421D0917595E}" dt="2023-11-07T21:14:19.450" v="1678"/>
-          <ac:spMkLst>
-            <pc:docMk/>
-            <pc:sldMk cId="2610226880" sldId="274"/>
-            <ac:spMk id="13" creationId="{A7BD8B3C-CD00-496D-A9DE-D954D33E8029}"/>
-          </ac:spMkLst>
-        </pc:spChg>
-        <pc:spChg chg="del">
-          <ac:chgData name="Benjamin Robert" userId="bdf697ffd98a8826" providerId="LiveId" clId="{606CDD9B-9A2D-4C79-85CC-421D0917595E}" dt="2023-11-07T21:14:18.796" v="1677" actId="478"/>
-          <ac:spMkLst>
-            <pc:docMk/>
-            <pc:sldMk cId="2610226880" sldId="274"/>
-            <ac:spMk id="21" creationId="{6B774934-77CB-B3EB-9232-946443BE7DCD}"/>
-          </ac:spMkLst>
-        </pc:spChg>
-        <pc:spChg chg="add del mod">
-          <ac:chgData name="Benjamin Robert" userId="bdf697ffd98a8826" providerId="LiveId" clId="{606CDD9B-9A2D-4C79-85CC-421D0917595E}" dt="2023-11-07T21:16:06.545" v="1692" actId="478"/>
-          <ac:spMkLst>
-            <pc:docMk/>
-            <pc:sldMk cId="2610226880" sldId="274"/>
-            <ac:spMk id="23" creationId="{85579124-F3BB-FBE7-55B5-01135C22506A}"/>
-          </ac:spMkLst>
-        </pc:spChg>
-        <pc:spChg chg="add del mod">
-          <ac:chgData name="Benjamin Robert" userId="bdf697ffd98a8826" providerId="LiveId" clId="{606CDD9B-9A2D-4C79-85CC-421D0917595E}" dt="2023-11-07T21:16:07.869" v="1694" actId="478"/>
-          <ac:spMkLst>
-            <pc:docMk/>
-            <pc:sldMk cId="2610226880" sldId="274"/>
-            <ac:spMk id="24" creationId="{1449B811-619A-F545-8082-E8F97AE01EED}"/>
-          </ac:spMkLst>
-        </pc:spChg>
-        <pc:picChg chg="add mod">
-          <ac:chgData name="Benjamin Robert" userId="bdf697ffd98a8826" providerId="LiveId" clId="{606CDD9B-9A2D-4C79-85CC-421D0917595E}" dt="2023-11-07T21:14:19.450" v="1678"/>
-          <ac:picMkLst>
-            <pc:docMk/>
-            <pc:sldMk cId="2610226880" sldId="274"/>
-            <ac:picMk id="14" creationId="{4C08D480-D0FD-C00D-F337-3C53F3E945B0}"/>
-          </ac:picMkLst>
-        </pc:picChg>
-        <pc:picChg chg="add del mod">
-          <ac:chgData name="Benjamin Robert" userId="bdf697ffd98a8826" providerId="LiveId" clId="{606CDD9B-9A2D-4C79-85CC-421D0917595E}" dt="2023-11-07T21:14:27.188" v="1681" actId="478"/>
-          <ac:picMkLst>
-            <pc:docMk/>
-            <pc:sldMk cId="2610226880" sldId="274"/>
-            <ac:picMk id="15" creationId="{C5450EC5-0217-84F1-E0F7-95DB3E68136E}"/>
-          </ac:picMkLst>
-        </pc:picChg>
-        <pc:picChg chg="add del mod">
-          <ac:chgData name="Benjamin Robert" userId="bdf697ffd98a8826" providerId="LiveId" clId="{606CDD9B-9A2D-4C79-85CC-421D0917595E}" dt="2023-11-07T21:14:24.798" v="1679" actId="478"/>
-          <ac:picMkLst>
-            <pc:docMk/>
-            <pc:sldMk cId="2610226880" sldId="274"/>
-            <ac:picMk id="18" creationId="{88B6F9B0-7E03-FD84-6354-90DF90E32669}"/>
-          </ac:picMkLst>
-        </pc:picChg>
-        <pc:picChg chg="add del mod">
-          <ac:chgData name="Benjamin Robert" userId="bdf697ffd98a8826" providerId="LiveId" clId="{606CDD9B-9A2D-4C79-85CC-421D0917595E}" dt="2023-11-07T21:14:28.807" v="1682" actId="478"/>
-          <ac:picMkLst>
-            <pc:docMk/>
-            <pc:sldMk cId="2610226880" sldId="274"/>
-            <ac:picMk id="22" creationId="{A0F17E43-A927-32A6-8A7A-81847FBEB702}"/>
-          </ac:picMkLst>
-        </pc:picChg>
-        <pc:picChg chg="del">
-          <ac:chgData name="Benjamin Robert" userId="bdf697ffd98a8826" providerId="LiveId" clId="{606CDD9B-9A2D-4C79-85CC-421D0917595E}" dt="2023-11-07T21:14:18.796" v="1677" actId="478"/>
-          <ac:picMkLst>
-            <pc:docMk/>
-            <pc:sldMk cId="2610226880" sldId="274"/>
-            <ac:picMk id="26" creationId="{F4123D93-8EF6-5AE4-8E3A-CE418D978403}"/>
-          </ac:picMkLst>
-        </pc:picChg>
-        <pc:picChg chg="del">
-          <ac:chgData name="Benjamin Robert" userId="bdf697ffd98a8826" providerId="LiveId" clId="{606CDD9B-9A2D-4C79-85CC-421D0917595E}" dt="2023-11-07T21:14:18.796" v="1677" actId="478"/>
-          <ac:picMkLst>
-            <pc:docMk/>
-            <pc:sldMk cId="2610226880" sldId="274"/>
-            <ac:picMk id="27" creationId="{FBF209B8-4A62-A1DA-7EE8-81B077F6ECF3}"/>
-          </ac:picMkLst>
-        </pc:picChg>
       </pc:sldChg>
       <pc:sldChg chg="modSp add mod modTransition">
         <pc:chgData name="Benjamin Robert" userId="bdf697ffd98a8826" providerId="LiveId" clId="{606CDD9B-9A2D-4C79-85CC-421D0917595E}" dt="2023-11-07T21:16:40.206" v="1698" actId="1076"/>
@@ -2002,62 +615,6 @@
           <pc:docMk/>
           <pc:sldMk cId="2430480307" sldId="275"/>
         </pc:sldMkLst>
-        <pc:spChg chg="mod">
-          <ac:chgData name="Benjamin Robert" userId="bdf697ffd98a8826" providerId="LiveId" clId="{606CDD9B-9A2D-4C79-85CC-421D0917595E}" dt="2023-11-07T21:14:07.033" v="1676" actId="1076"/>
-          <ac:spMkLst>
-            <pc:docMk/>
-            <pc:sldMk cId="2430480307" sldId="275"/>
-            <ac:spMk id="11" creationId="{7B8BB0CB-8C1C-D5AA-6A95-96C5C17B07C2}"/>
-          </ac:spMkLst>
-        </pc:spChg>
-        <pc:spChg chg="mod">
-          <ac:chgData name="Benjamin Robert" userId="bdf697ffd98a8826" providerId="LiveId" clId="{606CDD9B-9A2D-4C79-85CC-421D0917595E}" dt="2023-11-07T21:14:07.033" v="1676" actId="1076"/>
-          <ac:spMkLst>
-            <pc:docMk/>
-            <pc:sldMk cId="2430480307" sldId="275"/>
-            <ac:spMk id="12" creationId="{1C077680-93C3-6F8F-CF13-5B7C56CC72B8}"/>
-          </ac:spMkLst>
-        </pc:spChg>
-        <pc:spChg chg="mod">
-          <ac:chgData name="Benjamin Robert" userId="bdf697ffd98a8826" providerId="LiveId" clId="{606CDD9B-9A2D-4C79-85CC-421D0917595E}" dt="2023-11-07T21:14:07.033" v="1676" actId="1076"/>
-          <ac:spMkLst>
-            <pc:docMk/>
-            <pc:sldMk cId="2430480307" sldId="275"/>
-            <ac:spMk id="21" creationId="{6B774934-77CB-B3EB-9232-946443BE7DCD}"/>
-          </ac:spMkLst>
-        </pc:spChg>
-        <pc:picChg chg="mod">
-          <ac:chgData name="Benjamin Robert" userId="bdf697ffd98a8826" providerId="LiveId" clId="{606CDD9B-9A2D-4C79-85CC-421D0917595E}" dt="2023-11-07T21:16:29.108" v="1697" actId="1076"/>
-          <ac:picMkLst>
-            <pc:docMk/>
-            <pc:sldMk cId="2430480307" sldId="275"/>
-            <ac:picMk id="9" creationId="{156C9EF8-DA6A-FD12-11DE-BBCBDD68AD2D}"/>
-          </ac:picMkLst>
-        </pc:picChg>
-        <pc:picChg chg="mod">
-          <ac:chgData name="Benjamin Robert" userId="bdf697ffd98a8826" providerId="LiveId" clId="{606CDD9B-9A2D-4C79-85CC-421D0917595E}" dt="2023-11-07T21:14:07.033" v="1676" actId="1076"/>
-          <ac:picMkLst>
-            <pc:docMk/>
-            <pc:sldMk cId="2430480307" sldId="275"/>
-            <ac:picMk id="10" creationId="{43B79A60-4F83-A9EE-3418-11436579E590}"/>
-          </ac:picMkLst>
-        </pc:picChg>
-        <pc:picChg chg="mod">
-          <ac:chgData name="Benjamin Robert" userId="bdf697ffd98a8826" providerId="LiveId" clId="{606CDD9B-9A2D-4C79-85CC-421D0917595E}" dt="2023-11-07T21:14:07.033" v="1676" actId="1076"/>
-          <ac:picMkLst>
-            <pc:docMk/>
-            <pc:sldMk cId="2430480307" sldId="275"/>
-            <ac:picMk id="26" creationId="{F4123D93-8EF6-5AE4-8E3A-CE418D978403}"/>
-          </ac:picMkLst>
-        </pc:picChg>
-        <pc:picChg chg="mod">
-          <ac:chgData name="Benjamin Robert" userId="bdf697ffd98a8826" providerId="LiveId" clId="{606CDD9B-9A2D-4C79-85CC-421D0917595E}" dt="2023-11-07T21:16:40.206" v="1698" actId="1076"/>
-          <ac:picMkLst>
-            <pc:docMk/>
-            <pc:sldMk cId="2430480307" sldId="275"/>
-            <ac:picMk id="27" creationId="{FBF209B8-4A62-A1DA-7EE8-81B077F6ECF3}"/>
-          </ac:picMkLst>
-        </pc:picChg>
       </pc:sldChg>
       <pc:sldChg chg="addSp delSp modSp add mod modTransition">
         <pc:chgData name="Benjamin Robert" userId="bdf697ffd98a8826" providerId="LiveId" clId="{606CDD9B-9A2D-4C79-85CC-421D0917595E}" dt="2023-11-07T21:27:39.586" v="1995"/>
@@ -2065,174 +622,6 @@
           <pc:docMk/>
           <pc:sldMk cId="2614231075" sldId="276"/>
         </pc:sldMkLst>
-        <pc:spChg chg="del">
-          <ac:chgData name="Benjamin Robert" userId="bdf697ffd98a8826" providerId="LiveId" clId="{606CDD9B-9A2D-4C79-85CC-421D0917595E}" dt="2023-11-07T21:19:00.786" v="1709" actId="478"/>
-          <ac:spMkLst>
-            <pc:docMk/>
-            <pc:sldMk cId="2614231075" sldId="276"/>
-            <ac:spMk id="2" creationId="{7CF0D219-B2DD-59F5-660F-104CD4EB30F2}"/>
-          </ac:spMkLst>
-        </pc:spChg>
-        <pc:spChg chg="mod">
-          <ac:chgData name="Benjamin Robert" userId="bdf697ffd98a8826" providerId="LiveId" clId="{606CDD9B-9A2D-4C79-85CC-421D0917595E}" dt="2023-11-07T21:26:40.396" v="1994" actId="1076"/>
-          <ac:spMkLst>
-            <pc:docMk/>
-            <pc:sldMk cId="2614231075" sldId="276"/>
-            <ac:spMk id="3" creationId="{43738024-424D-D866-7693-2A9727A996F2}"/>
-          </ac:spMkLst>
-        </pc:spChg>
-        <pc:spChg chg="mod">
-          <ac:chgData name="Benjamin Robert" userId="bdf697ffd98a8826" providerId="LiveId" clId="{606CDD9B-9A2D-4C79-85CC-421D0917595E}" dt="2023-11-07T21:26:40.396" v="1994" actId="1076"/>
-          <ac:spMkLst>
-            <pc:docMk/>
-            <pc:sldMk cId="2614231075" sldId="276"/>
-            <ac:spMk id="4" creationId="{AF334D85-B582-24A1-A361-04AB87600F38}"/>
-          </ac:spMkLst>
-        </pc:spChg>
-        <pc:spChg chg="mod">
-          <ac:chgData name="Benjamin Robert" userId="bdf697ffd98a8826" providerId="LiveId" clId="{606CDD9B-9A2D-4C79-85CC-421D0917595E}" dt="2023-11-07T21:26:40.396" v="1994" actId="1076"/>
-          <ac:spMkLst>
-            <pc:docMk/>
-            <pc:sldMk cId="2614231075" sldId="276"/>
-            <ac:spMk id="6" creationId="{D3DECD20-451B-E747-22D6-48E945FF5C08}"/>
-          </ac:spMkLst>
-        </pc:spChg>
-        <pc:spChg chg="mod">
-          <ac:chgData name="Benjamin Robert" userId="bdf697ffd98a8826" providerId="LiveId" clId="{606CDD9B-9A2D-4C79-85CC-421D0917595E}" dt="2023-11-07T21:26:40.396" v="1994" actId="1076"/>
-          <ac:spMkLst>
-            <pc:docMk/>
-            <pc:sldMk cId="2614231075" sldId="276"/>
-            <ac:spMk id="7" creationId="{071A91B2-71AC-D531-934A-6C8C498F67BB}"/>
-          </ac:spMkLst>
-        </pc:spChg>
-        <pc:spChg chg="mod">
-          <ac:chgData name="Benjamin Robert" userId="bdf697ffd98a8826" providerId="LiveId" clId="{606CDD9B-9A2D-4C79-85CC-421D0917595E}" dt="2023-11-07T21:26:40.396" v="1994" actId="1076"/>
-          <ac:spMkLst>
-            <pc:docMk/>
-            <pc:sldMk cId="2614231075" sldId="276"/>
-            <ac:spMk id="8" creationId="{05AF71DE-3E51-2A27-26F2-D543079C884F}"/>
-          </ac:spMkLst>
-        </pc:spChg>
-        <pc:spChg chg="mod">
-          <ac:chgData name="Benjamin Robert" userId="bdf697ffd98a8826" providerId="LiveId" clId="{606CDD9B-9A2D-4C79-85CC-421D0917595E}" dt="2023-11-07T21:26:40.396" v="1994" actId="1076"/>
-          <ac:spMkLst>
-            <pc:docMk/>
-            <pc:sldMk cId="2614231075" sldId="276"/>
-            <ac:spMk id="11" creationId="{7B8BB0CB-8C1C-D5AA-6A95-96C5C17B07C2}"/>
-          </ac:spMkLst>
-        </pc:spChg>
-        <pc:spChg chg="mod">
-          <ac:chgData name="Benjamin Robert" userId="bdf697ffd98a8826" providerId="LiveId" clId="{606CDD9B-9A2D-4C79-85CC-421D0917595E}" dt="2023-11-07T21:26:40.396" v="1994" actId="1076"/>
-          <ac:spMkLst>
-            <pc:docMk/>
-            <pc:sldMk cId="2614231075" sldId="276"/>
-            <ac:spMk id="12" creationId="{1C077680-93C3-6F8F-CF13-5B7C56CC72B8}"/>
-          </ac:spMkLst>
-        </pc:spChg>
-        <pc:spChg chg="add del mod">
-          <ac:chgData name="Benjamin Robert" userId="bdf697ffd98a8826" providerId="LiveId" clId="{606CDD9B-9A2D-4C79-85CC-421D0917595E}" dt="2023-11-07T21:19:02.188" v="1710" actId="478"/>
-          <ac:spMkLst>
-            <pc:docMk/>
-            <pc:sldMk cId="2614231075" sldId="276"/>
-            <ac:spMk id="14" creationId="{E30EED1D-DB66-9FD0-63DE-40A15DA6051F}"/>
-          </ac:spMkLst>
-        </pc:spChg>
-        <pc:spChg chg="mod">
-          <ac:chgData name="Benjamin Robert" userId="bdf697ffd98a8826" providerId="LiveId" clId="{606CDD9B-9A2D-4C79-85CC-421D0917595E}" dt="2023-11-07T21:26:40.396" v="1994" actId="1076"/>
-          <ac:spMkLst>
-            <pc:docMk/>
-            <pc:sldMk cId="2614231075" sldId="276"/>
-            <ac:spMk id="16" creationId="{1B272393-169C-803F-3769-058BFC3CA7D1}"/>
-          </ac:spMkLst>
-        </pc:spChg>
-        <pc:spChg chg="mod">
-          <ac:chgData name="Benjamin Robert" userId="bdf697ffd98a8826" providerId="LiveId" clId="{606CDD9B-9A2D-4C79-85CC-421D0917595E}" dt="2023-11-07T21:26:40.396" v="1994" actId="1076"/>
-          <ac:spMkLst>
-            <pc:docMk/>
-            <pc:sldMk cId="2614231075" sldId="276"/>
-            <ac:spMk id="19" creationId="{28AEF5A1-791E-64A9-3C7B-5F474844E604}"/>
-          </ac:spMkLst>
-        </pc:spChg>
-        <pc:spChg chg="mod">
-          <ac:chgData name="Benjamin Robert" userId="bdf697ffd98a8826" providerId="LiveId" clId="{606CDD9B-9A2D-4C79-85CC-421D0917595E}" dt="2023-11-07T21:26:40.396" v="1994" actId="1076"/>
-          <ac:spMkLst>
-            <pc:docMk/>
-            <pc:sldMk cId="2614231075" sldId="276"/>
-            <ac:spMk id="21" creationId="{6B774934-77CB-B3EB-9232-946443BE7DCD}"/>
-          </ac:spMkLst>
-        </pc:spChg>
-        <pc:spChg chg="add mod">
-          <ac:chgData name="Benjamin Robert" userId="bdf697ffd98a8826" providerId="LiveId" clId="{606CDD9B-9A2D-4C79-85CC-421D0917595E}" dt="2023-11-07T21:26:30.059" v="1992" actId="1076"/>
-          <ac:spMkLst>
-            <pc:docMk/>
-            <pc:sldMk cId="2614231075" sldId="276"/>
-            <ac:spMk id="23" creationId="{C2150B97-9D28-5984-16CF-3F37F7C9AB3C}"/>
-          </ac:spMkLst>
-        </pc:spChg>
-        <pc:grpChg chg="add mod">
-          <ac:chgData name="Benjamin Robert" userId="bdf697ffd98a8826" providerId="LiveId" clId="{606CDD9B-9A2D-4C79-85CC-421D0917595E}" dt="2023-11-07T21:26:40.396" v="1994" actId="1076"/>
-          <ac:grpSpMkLst>
-            <pc:docMk/>
-            <pc:sldMk cId="2614231075" sldId="276"/>
-            <ac:grpSpMk id="22" creationId="{12F3C582-767A-340F-2ACB-ED42FAB0B55B}"/>
-          </ac:grpSpMkLst>
-        </pc:grpChg>
-        <pc:picChg chg="mod">
-          <ac:chgData name="Benjamin Robert" userId="bdf697ffd98a8826" providerId="LiveId" clId="{606CDD9B-9A2D-4C79-85CC-421D0917595E}" dt="2023-11-07T21:26:40.396" v="1994" actId="1076"/>
-          <ac:picMkLst>
-            <pc:docMk/>
-            <pc:sldMk cId="2614231075" sldId="276"/>
-            <ac:picMk id="9" creationId="{156C9EF8-DA6A-FD12-11DE-BBCBDD68AD2D}"/>
-          </ac:picMkLst>
-        </pc:picChg>
-        <pc:picChg chg="mod">
-          <ac:chgData name="Benjamin Robert" userId="bdf697ffd98a8826" providerId="LiveId" clId="{606CDD9B-9A2D-4C79-85CC-421D0917595E}" dt="2023-11-07T21:26:40.396" v="1994" actId="1076"/>
-          <ac:picMkLst>
-            <pc:docMk/>
-            <pc:sldMk cId="2614231075" sldId="276"/>
-            <ac:picMk id="10" creationId="{43B79A60-4F83-A9EE-3418-11436579E590}"/>
-          </ac:picMkLst>
-        </pc:picChg>
-        <pc:picChg chg="del mod">
-          <ac:chgData name="Benjamin Robert" userId="bdf697ffd98a8826" providerId="LiveId" clId="{606CDD9B-9A2D-4C79-85CC-421D0917595E}" dt="2023-11-07T21:26:35.770" v="1993" actId="478"/>
-          <ac:picMkLst>
-            <pc:docMk/>
-            <pc:sldMk cId="2614231075" sldId="276"/>
-            <ac:picMk id="17" creationId="{6D8B022C-7177-F0C9-9484-4B88B632A88B}"/>
-          </ac:picMkLst>
-        </pc:picChg>
-        <pc:picChg chg="mod">
-          <ac:chgData name="Benjamin Robert" userId="bdf697ffd98a8826" providerId="LiveId" clId="{606CDD9B-9A2D-4C79-85CC-421D0917595E}" dt="2023-11-07T21:26:40.396" v="1994" actId="1076"/>
-          <ac:picMkLst>
-            <pc:docMk/>
-            <pc:sldMk cId="2614231075" sldId="276"/>
-            <ac:picMk id="26" creationId="{F4123D93-8EF6-5AE4-8E3A-CE418D978403}"/>
-          </ac:picMkLst>
-        </pc:picChg>
-        <pc:picChg chg="mod">
-          <ac:chgData name="Benjamin Robert" userId="bdf697ffd98a8826" providerId="LiveId" clId="{606CDD9B-9A2D-4C79-85CC-421D0917595E}" dt="2023-11-07T21:26:40.396" v="1994" actId="1076"/>
-          <ac:picMkLst>
-            <pc:docMk/>
-            <pc:sldMk cId="2614231075" sldId="276"/>
-            <ac:picMk id="27" creationId="{FBF209B8-4A62-A1DA-7EE8-81B077F6ECF3}"/>
-          </ac:picMkLst>
-        </pc:picChg>
-        <pc:cxnChg chg="mod">
-          <ac:chgData name="Benjamin Robert" userId="bdf697ffd98a8826" providerId="LiveId" clId="{606CDD9B-9A2D-4C79-85CC-421D0917595E}" dt="2023-11-07T21:26:40.396" v="1994" actId="1076"/>
-          <ac:cxnSpMkLst>
-            <pc:docMk/>
-            <pc:sldMk cId="2614231075" sldId="276"/>
-            <ac:cxnSpMk id="5" creationId="{1C7D4841-BDDF-0B6A-07DC-4C120B6960C8}"/>
-          </ac:cxnSpMkLst>
-        </pc:cxnChg>
-        <pc:cxnChg chg="mod">
-          <ac:chgData name="Benjamin Robert" userId="bdf697ffd98a8826" providerId="LiveId" clId="{606CDD9B-9A2D-4C79-85CC-421D0917595E}" dt="2023-11-07T21:26:40.396" v="1994" actId="1076"/>
-          <ac:cxnSpMkLst>
-            <pc:docMk/>
-            <pc:sldMk cId="2614231075" sldId="276"/>
-            <ac:cxnSpMk id="20" creationId="{819A47BC-731D-3B9C-6CF3-3B8D825F59DC}"/>
-          </ac:cxnSpMkLst>
-        </pc:cxnChg>
       </pc:sldChg>
       <pc:sldChg chg="delSp modSp add mod modTransition">
         <pc:chgData name="Benjamin Robert" userId="bdf697ffd98a8826" providerId="LiveId" clId="{606CDD9B-9A2D-4C79-85CC-421D0917595E}" dt="2023-11-07T22:15:42.453" v="2371"/>
@@ -2240,38 +629,6 @@
           <pc:docMk/>
           <pc:sldMk cId="4134639321" sldId="277"/>
         </pc:sldMkLst>
-        <pc:spChg chg="mod">
-          <ac:chgData name="Benjamin Robert" userId="bdf697ffd98a8826" providerId="LiveId" clId="{606CDD9B-9A2D-4C79-85CC-421D0917595E}" dt="2023-11-07T22:15:42.453" v="2371"/>
-          <ac:spMkLst>
-            <pc:docMk/>
-            <pc:sldMk cId="4134639321" sldId="277"/>
-            <ac:spMk id="2" creationId="{612875D5-B44C-A5DC-90F7-96A4F2D90F23}"/>
-          </ac:spMkLst>
-        </pc:spChg>
-        <pc:spChg chg="del">
-          <ac:chgData name="Benjamin Robert" userId="bdf697ffd98a8826" providerId="LiveId" clId="{606CDD9B-9A2D-4C79-85CC-421D0917595E}" dt="2023-11-07T21:47:27.770" v="2006" actId="478"/>
-          <ac:spMkLst>
-            <pc:docMk/>
-            <pc:sldMk cId="4134639321" sldId="277"/>
-            <ac:spMk id="10" creationId="{D9A3E253-4FFF-C519-3CC5-94A034506966}"/>
-          </ac:spMkLst>
-        </pc:spChg>
-        <pc:spChg chg="del">
-          <ac:chgData name="Benjamin Robert" userId="bdf697ffd98a8826" providerId="LiveId" clId="{606CDD9B-9A2D-4C79-85CC-421D0917595E}" dt="2023-11-07T21:47:29.536" v="2007" actId="478"/>
-          <ac:spMkLst>
-            <pc:docMk/>
-            <pc:sldMk cId="4134639321" sldId="277"/>
-            <ac:spMk id="13" creationId="{7D5BD058-B701-C6CE-17E2-8C0F063B01E9}"/>
-          </ac:spMkLst>
-        </pc:spChg>
-        <pc:cxnChg chg="mod">
-          <ac:chgData name="Benjamin Robert" userId="bdf697ffd98a8826" providerId="LiveId" clId="{606CDD9B-9A2D-4C79-85CC-421D0917595E}" dt="2023-11-07T21:47:31.648" v="2008" actId="14100"/>
-          <ac:cxnSpMkLst>
-            <pc:docMk/>
-            <pc:sldMk cId="4134639321" sldId="277"/>
-            <ac:cxnSpMk id="7" creationId="{F413FE76-84EC-F7B2-4D63-F3AFF6677F9D}"/>
-          </ac:cxnSpMkLst>
-        </pc:cxnChg>
       </pc:sldChg>
       <pc:sldChg chg="modSp add mod modTransition">
         <pc:chgData name="Benjamin Robert" userId="bdf697ffd98a8826" providerId="LiveId" clId="{606CDD9B-9A2D-4C79-85CC-421D0917595E}" dt="2023-11-07T22:15:42.453" v="2371"/>
@@ -2279,14 +636,6 @@
           <pc:docMk/>
           <pc:sldMk cId="1637523650" sldId="278"/>
         </pc:sldMkLst>
-        <pc:spChg chg="mod">
-          <ac:chgData name="Benjamin Robert" userId="bdf697ffd98a8826" providerId="LiveId" clId="{606CDD9B-9A2D-4C79-85CC-421D0917595E}" dt="2023-11-07T22:15:42.453" v="2371"/>
-          <ac:spMkLst>
-            <pc:docMk/>
-            <pc:sldMk cId="1637523650" sldId="278"/>
-            <ac:spMk id="2" creationId="{612875D5-B44C-A5DC-90F7-96A4F2D90F23}"/>
-          </ac:spMkLst>
-        </pc:spChg>
       </pc:sldChg>
       <pc:sldChg chg="addSp delSp add del mod">
         <pc:chgData name="Benjamin Robert" userId="bdf697ffd98a8826" providerId="LiveId" clId="{606CDD9B-9A2D-4C79-85CC-421D0917595E}" dt="2023-11-07T21:54:42.927" v="2098" actId="47"/>
@@ -2294,30 +643,6 @@
           <pc:docMk/>
           <pc:sldMk cId="3328692098" sldId="279"/>
         </pc:sldMkLst>
-        <pc:spChg chg="add">
-          <ac:chgData name="Benjamin Robert" userId="bdf697ffd98a8826" providerId="LiveId" clId="{606CDD9B-9A2D-4C79-85CC-421D0917595E}" dt="2023-11-07T21:52:09.801" v="2022" actId="22"/>
-          <ac:spMkLst>
-            <pc:docMk/>
-            <pc:sldMk cId="3328692098" sldId="279"/>
-            <ac:spMk id="13" creationId="{84C00803-99E1-C55D-9B2A-16E6534A9386}"/>
-          </ac:spMkLst>
-        </pc:spChg>
-        <pc:spChg chg="del">
-          <ac:chgData name="Benjamin Robert" userId="bdf697ffd98a8826" providerId="LiveId" clId="{606CDD9B-9A2D-4C79-85CC-421D0917595E}" dt="2023-11-07T21:50:43.807" v="2020" actId="478"/>
-          <ac:spMkLst>
-            <pc:docMk/>
-            <pc:sldMk cId="3328692098" sldId="279"/>
-            <ac:spMk id="23" creationId="{C2150B97-9D28-5984-16CF-3F37F7C9AB3C}"/>
-          </ac:spMkLst>
-        </pc:spChg>
-        <pc:grpChg chg="del">
-          <ac:chgData name="Benjamin Robert" userId="bdf697ffd98a8826" providerId="LiveId" clId="{606CDD9B-9A2D-4C79-85CC-421D0917595E}" dt="2023-11-07T21:50:45.333" v="2021" actId="478"/>
-          <ac:grpSpMkLst>
-            <pc:docMk/>
-            <pc:sldMk cId="3328692098" sldId="279"/>
-            <ac:grpSpMk id="22" creationId="{12F3C582-767A-340F-2ACB-ED42FAB0B55B}"/>
-          </ac:grpSpMkLst>
-        </pc:grpChg>
       </pc:sldChg>
       <pc:sldChg chg="addSp delSp modSp new mod">
         <pc:chgData name="Benjamin Robert" userId="bdf697ffd98a8826" providerId="LiveId" clId="{606CDD9B-9A2D-4C79-85CC-421D0917595E}" dt="2023-11-07T22:15:42.453" v="2371"/>
@@ -2325,78 +650,6 @@
           <pc:docMk/>
           <pc:sldMk cId="44179626" sldId="280"/>
         </pc:sldMkLst>
-        <pc:spChg chg="mod">
-          <ac:chgData name="Benjamin Robert" userId="bdf697ffd98a8826" providerId="LiveId" clId="{606CDD9B-9A2D-4C79-85CC-421D0917595E}" dt="2023-11-07T22:15:42.453" v="2371"/>
-          <ac:spMkLst>
-            <pc:docMk/>
-            <pc:sldMk cId="44179626" sldId="280"/>
-            <ac:spMk id="2" creationId="{D56975EA-2079-C736-5F92-CF02A602BE90}"/>
-          </ac:spMkLst>
-        </pc:spChg>
-        <pc:spChg chg="del">
-          <ac:chgData name="Benjamin Robert" userId="bdf697ffd98a8826" providerId="LiveId" clId="{606CDD9B-9A2D-4C79-85CC-421D0917595E}" dt="2023-11-07T21:52:31.501" v="2024" actId="478"/>
-          <ac:spMkLst>
-            <pc:docMk/>
-            <pc:sldMk cId="44179626" sldId="280"/>
-            <ac:spMk id="3" creationId="{D846264B-C331-9F46-EA32-A224B60ABDF6}"/>
-          </ac:spMkLst>
-        </pc:spChg>
-        <pc:spChg chg="add mod">
-          <ac:chgData name="Benjamin Robert" userId="bdf697ffd98a8826" providerId="LiveId" clId="{606CDD9B-9A2D-4C79-85CC-421D0917595E}" dt="2023-11-07T21:54:36.535" v="2097" actId="12"/>
-          <ac:spMkLst>
-            <pc:docMk/>
-            <pc:sldMk cId="44179626" sldId="280"/>
-            <ac:spMk id="4" creationId="{BBDE0A0B-8BD7-C07E-8275-0D9870C2029B}"/>
-          </ac:spMkLst>
-        </pc:spChg>
-        <pc:spChg chg="add del mod">
-          <ac:chgData name="Benjamin Robert" userId="bdf697ffd98a8826" providerId="LiveId" clId="{606CDD9B-9A2D-4C79-85CC-421D0917595E}" dt="2023-11-07T21:54:27.853" v="2092" actId="478"/>
-          <ac:spMkLst>
-            <pc:docMk/>
-            <pc:sldMk cId="44179626" sldId="280"/>
-            <ac:spMk id="5" creationId="{7B9654E4-941E-B0DD-A80A-CD993A918D3B}"/>
-          </ac:spMkLst>
-        </pc:spChg>
-        <pc:spChg chg="add del mod">
-          <ac:chgData name="Benjamin Robert" userId="bdf697ffd98a8826" providerId="LiveId" clId="{606CDD9B-9A2D-4C79-85CC-421D0917595E}" dt="2023-11-07T21:54:28.645" v="2093" actId="478"/>
-          <ac:spMkLst>
-            <pc:docMk/>
-            <pc:sldMk cId="44179626" sldId="280"/>
-            <ac:spMk id="6" creationId="{19D67686-1854-EDFA-A5CF-61F6B4E3964B}"/>
-          </ac:spMkLst>
-        </pc:spChg>
-        <pc:spChg chg="add del mod">
-          <ac:chgData name="Benjamin Robert" userId="bdf697ffd98a8826" providerId="LiveId" clId="{606CDD9B-9A2D-4C79-85CC-421D0917595E}" dt="2023-11-07T21:54:29.924" v="2094" actId="478"/>
-          <ac:spMkLst>
-            <pc:docMk/>
-            <pc:sldMk cId="44179626" sldId="280"/>
-            <ac:spMk id="7" creationId="{C679C538-E4A3-B84B-436B-F07540FEC8E9}"/>
-          </ac:spMkLst>
-        </pc:spChg>
-        <pc:spChg chg="add del mod">
-          <ac:chgData name="Benjamin Robert" userId="bdf697ffd98a8826" providerId="LiveId" clId="{606CDD9B-9A2D-4C79-85CC-421D0917595E}" dt="2023-11-07T21:54:30.461" v="2095" actId="478"/>
-          <ac:spMkLst>
-            <pc:docMk/>
-            <pc:sldMk cId="44179626" sldId="280"/>
-            <ac:spMk id="8" creationId="{69006146-B7DB-F4B3-EA4C-BE64DEFD08EC}"/>
-          </ac:spMkLst>
-        </pc:spChg>
-        <pc:spChg chg="add del mod">
-          <ac:chgData name="Benjamin Robert" userId="bdf697ffd98a8826" providerId="LiveId" clId="{606CDD9B-9A2D-4C79-85CC-421D0917595E}" dt="2023-11-07T21:53:52.572" v="2088" actId="478"/>
-          <ac:spMkLst>
-            <pc:docMk/>
-            <pc:sldMk cId="44179626" sldId="280"/>
-            <ac:spMk id="9" creationId="{EA97DA34-D892-0A6C-ADE7-C865AF1C9025}"/>
-          </ac:spMkLst>
-        </pc:spChg>
-        <pc:spChg chg="add del mod">
-          <ac:chgData name="Benjamin Robert" userId="bdf697ffd98a8826" providerId="LiveId" clId="{606CDD9B-9A2D-4C79-85CC-421D0917595E}" dt="2023-11-07T21:54:31.118" v="2096" actId="478"/>
-          <ac:spMkLst>
-            <pc:docMk/>
-            <pc:sldMk cId="44179626" sldId="280"/>
-            <ac:spMk id="10" creationId="{6B8A0B39-5C2C-6A11-DCE0-320CE21FABC2}"/>
-          </ac:spMkLst>
-        </pc:spChg>
       </pc:sldChg>
       <pc:sldChg chg="add del">
         <pc:chgData name="Benjamin Robert" userId="bdf697ffd98a8826" providerId="LiveId" clId="{606CDD9B-9A2D-4C79-85CC-421D0917595E}" dt="2023-11-07T21:53:12.977" v="2074" actId="47"/>
@@ -2411,22 +664,6 @@
           <pc:docMk/>
           <pc:sldMk cId="3554028605" sldId="281"/>
         </pc:sldMkLst>
-        <pc:spChg chg="mod">
-          <ac:chgData name="Benjamin Robert" userId="bdf697ffd98a8826" providerId="LiveId" clId="{606CDD9B-9A2D-4C79-85CC-421D0917595E}" dt="2023-11-07T22:15:42.453" v="2371"/>
-          <ac:spMkLst>
-            <pc:docMk/>
-            <pc:sldMk cId="3554028605" sldId="281"/>
-            <ac:spMk id="2" creationId="{D56975EA-2079-C736-5F92-CF02A602BE90}"/>
-          </ac:spMkLst>
-        </pc:spChg>
-        <pc:spChg chg="mod">
-          <ac:chgData name="Benjamin Robert" userId="bdf697ffd98a8826" providerId="LiveId" clId="{606CDD9B-9A2D-4C79-85CC-421D0917595E}" dt="2023-11-07T21:55:45.749" v="2106" actId="400"/>
-          <ac:spMkLst>
-            <pc:docMk/>
-            <pc:sldMk cId="3554028605" sldId="281"/>
-            <ac:spMk id="4" creationId="{BBDE0A0B-8BD7-C07E-8275-0D9870C2029B}"/>
-          </ac:spMkLst>
-        </pc:spChg>
       </pc:sldChg>
       <pc:sldChg chg="addSp delSp modSp add mod">
         <pc:chgData name="Benjamin Robert" userId="bdf697ffd98a8826" providerId="LiveId" clId="{606CDD9B-9A2D-4C79-85CC-421D0917595E}" dt="2023-11-07T22:15:42.453" v="2371"/>
@@ -2434,30 +671,6 @@
           <pc:docMk/>
           <pc:sldMk cId="1567615400" sldId="282"/>
         </pc:sldMkLst>
-        <pc:spChg chg="mod">
-          <ac:chgData name="Benjamin Robert" userId="bdf697ffd98a8826" providerId="LiveId" clId="{606CDD9B-9A2D-4C79-85CC-421D0917595E}" dt="2023-11-07T22:15:42.453" v="2371"/>
-          <ac:spMkLst>
-            <pc:docMk/>
-            <pc:sldMk cId="1567615400" sldId="282"/>
-            <ac:spMk id="2" creationId="{D56975EA-2079-C736-5F92-CF02A602BE90}"/>
-          </ac:spMkLst>
-        </pc:spChg>
-        <pc:spChg chg="del">
-          <ac:chgData name="Benjamin Robert" userId="bdf697ffd98a8826" providerId="LiveId" clId="{606CDD9B-9A2D-4C79-85CC-421D0917595E}" dt="2023-11-07T21:56:10.907" v="2108" actId="478"/>
-          <ac:spMkLst>
-            <pc:docMk/>
-            <pc:sldMk cId="1567615400" sldId="282"/>
-            <ac:spMk id="4" creationId="{BBDE0A0B-8BD7-C07E-8275-0D9870C2029B}"/>
-          </ac:spMkLst>
-        </pc:spChg>
-        <pc:spChg chg="add mod">
-          <ac:chgData name="Benjamin Robert" userId="bdf697ffd98a8826" providerId="LiveId" clId="{606CDD9B-9A2D-4C79-85CC-421D0917595E}" dt="2023-11-07T21:56:27.655" v="2111" actId="1076"/>
-          <ac:spMkLst>
-            <pc:docMk/>
-            <pc:sldMk cId="1567615400" sldId="282"/>
-            <ac:spMk id="5" creationId="{8BF7A9D7-97DA-E3BD-BBD6-1F3A7205322E}"/>
-          </ac:spMkLst>
-        </pc:spChg>
       </pc:sldChg>
       <pc:sldChg chg="modSp add mod">
         <pc:chgData name="Benjamin Robert" userId="bdf697ffd98a8826" providerId="LiveId" clId="{606CDD9B-9A2D-4C79-85CC-421D0917595E}" dt="2023-11-07T22:15:42.453" v="2371"/>
@@ -2465,22 +678,6 @@
           <pc:docMk/>
           <pc:sldMk cId="1310656602" sldId="283"/>
         </pc:sldMkLst>
-        <pc:spChg chg="mod">
-          <ac:chgData name="Benjamin Robert" userId="bdf697ffd98a8826" providerId="LiveId" clId="{606CDD9B-9A2D-4C79-85CC-421D0917595E}" dt="2023-11-07T22:15:42.453" v="2371"/>
-          <ac:spMkLst>
-            <pc:docMk/>
-            <pc:sldMk cId="1310656602" sldId="283"/>
-            <ac:spMk id="2" creationId="{D56975EA-2079-C736-5F92-CF02A602BE90}"/>
-          </ac:spMkLst>
-        </pc:spChg>
-        <pc:spChg chg="mod">
-          <ac:chgData name="Benjamin Robert" userId="bdf697ffd98a8826" providerId="LiveId" clId="{606CDD9B-9A2D-4C79-85CC-421D0917595E}" dt="2023-11-07T21:56:57.089" v="2115" actId="400"/>
-          <ac:spMkLst>
-            <pc:docMk/>
-            <pc:sldMk cId="1310656602" sldId="283"/>
-            <ac:spMk id="5" creationId="{8BF7A9D7-97DA-E3BD-BBD6-1F3A7205322E}"/>
-          </ac:spMkLst>
-        </pc:spChg>
       </pc:sldChg>
       <pc:sldChg chg="addSp delSp modSp add mod">
         <pc:chgData name="Benjamin Robert" userId="bdf697ffd98a8826" providerId="LiveId" clId="{606CDD9B-9A2D-4C79-85CC-421D0917595E}" dt="2023-11-07T22:15:42.453" v="2371"/>
@@ -2488,30 +685,6 @@
           <pc:docMk/>
           <pc:sldMk cId="3429787734" sldId="284"/>
         </pc:sldMkLst>
-        <pc:spChg chg="mod">
-          <ac:chgData name="Benjamin Robert" userId="bdf697ffd98a8826" providerId="LiveId" clId="{606CDD9B-9A2D-4C79-85CC-421D0917595E}" dt="2023-11-07T22:15:42.453" v="2371"/>
-          <ac:spMkLst>
-            <pc:docMk/>
-            <pc:sldMk cId="3429787734" sldId="284"/>
-            <ac:spMk id="2" creationId="{D56975EA-2079-C736-5F92-CF02A602BE90}"/>
-          </ac:spMkLst>
-        </pc:spChg>
-        <pc:spChg chg="add mod">
-          <ac:chgData name="Benjamin Robert" userId="bdf697ffd98a8826" providerId="LiveId" clId="{606CDD9B-9A2D-4C79-85CC-421D0917595E}" dt="2023-11-07T21:57:33.679" v="2119" actId="12"/>
-          <ac:spMkLst>
-            <pc:docMk/>
-            <pc:sldMk cId="3429787734" sldId="284"/>
-            <ac:spMk id="4" creationId="{A7A667CD-E7BF-FF45-35C9-85484A697F80}"/>
-          </ac:spMkLst>
-        </pc:spChg>
-        <pc:spChg chg="del">
-          <ac:chgData name="Benjamin Robert" userId="bdf697ffd98a8826" providerId="LiveId" clId="{606CDD9B-9A2D-4C79-85CC-421D0917595E}" dt="2023-11-07T21:57:20.185" v="2117" actId="478"/>
-          <ac:spMkLst>
-            <pc:docMk/>
-            <pc:sldMk cId="3429787734" sldId="284"/>
-            <ac:spMk id="5" creationId="{8BF7A9D7-97DA-E3BD-BBD6-1F3A7205322E}"/>
-          </ac:spMkLst>
-        </pc:spChg>
       </pc:sldChg>
       <pc:sldChg chg="addSp delSp modSp add del mod">
         <pc:chgData name="Benjamin Robert" userId="bdf697ffd98a8826" providerId="LiveId" clId="{606CDD9B-9A2D-4C79-85CC-421D0917595E}" dt="2023-11-07T22:15:42.453" v="2371"/>
@@ -2519,46 +692,6 @@
           <pc:docMk/>
           <pc:sldMk cId="1059915770" sldId="285"/>
         </pc:sldMkLst>
-        <pc:spChg chg="mod">
-          <ac:chgData name="Benjamin Robert" userId="bdf697ffd98a8826" providerId="LiveId" clId="{606CDD9B-9A2D-4C79-85CC-421D0917595E}" dt="2023-11-07T22:15:42.453" v="2371"/>
-          <ac:spMkLst>
-            <pc:docMk/>
-            <pc:sldMk cId="1059915770" sldId="285"/>
-            <ac:spMk id="2" creationId="{D56975EA-2079-C736-5F92-CF02A602BE90}"/>
-          </ac:spMkLst>
-        </pc:spChg>
-        <pc:spChg chg="mod">
-          <ac:chgData name="Benjamin Robert" userId="bdf697ffd98a8826" providerId="LiveId" clId="{606CDD9B-9A2D-4C79-85CC-421D0917595E}" dt="2023-11-07T22:00:20.492" v="2144" actId="400"/>
-          <ac:spMkLst>
-            <pc:docMk/>
-            <pc:sldMk cId="1059915770" sldId="285"/>
-            <ac:spMk id="4" creationId="{A7A667CD-E7BF-FF45-35C9-85484A697F80}"/>
-          </ac:spMkLst>
-        </pc:spChg>
-        <pc:spChg chg="add mod">
-          <ac:chgData name="Benjamin Robert" userId="bdf697ffd98a8826" providerId="LiveId" clId="{606CDD9B-9A2D-4C79-85CC-421D0917595E}" dt="2023-11-07T21:58:30.136" v="2126" actId="1076"/>
-          <ac:spMkLst>
-            <pc:docMk/>
-            <pc:sldMk cId="1059915770" sldId="285"/>
-            <ac:spMk id="5" creationId="{546D3B90-DFA1-A9FC-2876-B2BAFBEECD2E}"/>
-          </ac:spMkLst>
-        </pc:spChg>
-        <pc:spChg chg="add del">
-          <ac:chgData name="Benjamin Robert" userId="bdf697ffd98a8826" providerId="LiveId" clId="{606CDD9B-9A2D-4C79-85CC-421D0917595E}" dt="2023-11-07T21:59:09.472" v="2133" actId="22"/>
-          <ac:spMkLst>
-            <pc:docMk/>
-            <pc:sldMk cId="1059915770" sldId="285"/>
-            <ac:spMk id="7" creationId="{BAEEBD62-25A9-586F-DBB2-15D02A595075}"/>
-          </ac:spMkLst>
-        </pc:spChg>
-        <pc:spChg chg="add del">
-          <ac:chgData name="Benjamin Robert" userId="bdf697ffd98a8826" providerId="LiveId" clId="{606CDD9B-9A2D-4C79-85CC-421D0917595E}" dt="2023-11-07T21:59:08.632" v="2132" actId="22"/>
-          <ac:spMkLst>
-            <pc:docMk/>
-            <pc:sldMk cId="1059915770" sldId="285"/>
-            <ac:spMk id="9" creationId="{7C2B0011-BD55-4CBF-3A00-0C33816B10EF}"/>
-          </ac:spMkLst>
-        </pc:spChg>
       </pc:sldChg>
       <pc:sldChg chg="addSp delSp modSp add mod">
         <pc:chgData name="Benjamin Robert" userId="bdf697ffd98a8826" providerId="LiveId" clId="{606CDD9B-9A2D-4C79-85CC-421D0917595E}" dt="2023-11-07T22:15:42.453" v="2371"/>
@@ -2566,38 +699,6 @@
           <pc:docMk/>
           <pc:sldMk cId="217961152" sldId="286"/>
         </pc:sldMkLst>
-        <pc:spChg chg="mod">
-          <ac:chgData name="Benjamin Robert" userId="bdf697ffd98a8826" providerId="LiveId" clId="{606CDD9B-9A2D-4C79-85CC-421D0917595E}" dt="2023-11-07T22:15:42.453" v="2371"/>
-          <ac:spMkLst>
-            <pc:docMk/>
-            <pc:sldMk cId="217961152" sldId="286"/>
-            <ac:spMk id="2" creationId="{D56975EA-2079-C736-5F92-CF02A602BE90}"/>
-          </ac:spMkLst>
-        </pc:spChg>
-        <pc:spChg chg="del">
-          <ac:chgData name="Benjamin Robert" userId="bdf697ffd98a8826" providerId="LiveId" clId="{606CDD9B-9A2D-4C79-85CC-421D0917595E}" dt="2023-11-07T21:59:20.637" v="2136" actId="478"/>
-          <ac:spMkLst>
-            <pc:docMk/>
-            <pc:sldMk cId="217961152" sldId="286"/>
-            <ac:spMk id="4" creationId="{A7A667CD-E7BF-FF45-35C9-85484A697F80}"/>
-          </ac:spMkLst>
-        </pc:spChg>
-        <pc:spChg chg="del">
-          <ac:chgData name="Benjamin Robert" userId="bdf697ffd98a8826" providerId="LiveId" clId="{606CDD9B-9A2D-4C79-85CC-421D0917595E}" dt="2023-11-07T21:59:19.519" v="2135" actId="478"/>
-          <ac:spMkLst>
-            <pc:docMk/>
-            <pc:sldMk cId="217961152" sldId="286"/>
-            <ac:spMk id="5" creationId="{546D3B90-DFA1-A9FC-2876-B2BAFBEECD2E}"/>
-          </ac:spMkLst>
-        </pc:spChg>
-        <pc:spChg chg="add mod">
-          <ac:chgData name="Benjamin Robert" userId="bdf697ffd98a8826" providerId="LiveId" clId="{606CDD9B-9A2D-4C79-85CC-421D0917595E}" dt="2023-11-07T21:59:49.678" v="2141" actId="1076"/>
-          <ac:spMkLst>
-            <pc:docMk/>
-            <pc:sldMk cId="217961152" sldId="286"/>
-            <ac:spMk id="6" creationId="{8A7BCEF6-DF90-F0F2-A81A-3176796A292E}"/>
-          </ac:spMkLst>
-        </pc:spChg>
       </pc:sldChg>
       <pc:sldChg chg="modSp add mod">
         <pc:chgData name="Benjamin Robert" userId="bdf697ffd98a8826" providerId="LiveId" clId="{606CDD9B-9A2D-4C79-85CC-421D0917595E}" dt="2023-11-07T22:15:42.453" v="2371"/>
@@ -2605,22 +706,6 @@
           <pc:docMk/>
           <pc:sldMk cId="312977419" sldId="287"/>
         </pc:sldMkLst>
-        <pc:spChg chg="mod">
-          <ac:chgData name="Benjamin Robert" userId="bdf697ffd98a8826" providerId="LiveId" clId="{606CDD9B-9A2D-4C79-85CC-421D0917595E}" dt="2023-11-07T22:15:42.453" v="2371"/>
-          <ac:spMkLst>
-            <pc:docMk/>
-            <pc:sldMk cId="312977419" sldId="287"/>
-            <ac:spMk id="2" creationId="{D56975EA-2079-C736-5F92-CF02A602BE90}"/>
-          </ac:spMkLst>
-        </pc:spChg>
-        <pc:spChg chg="mod">
-          <ac:chgData name="Benjamin Robert" userId="bdf697ffd98a8826" providerId="LiveId" clId="{606CDD9B-9A2D-4C79-85CC-421D0917595E}" dt="2023-11-07T22:00:25.660" v="2145" actId="400"/>
-          <ac:spMkLst>
-            <pc:docMk/>
-            <pc:sldMk cId="312977419" sldId="287"/>
-            <ac:spMk id="6" creationId="{8A7BCEF6-DF90-F0F2-A81A-3176796A292E}"/>
-          </ac:spMkLst>
-        </pc:spChg>
       </pc:sldChg>
       <pc:sldChg chg="addSp delSp modSp add mod">
         <pc:chgData name="Benjamin Robert" userId="bdf697ffd98a8826" providerId="LiveId" clId="{606CDD9B-9A2D-4C79-85CC-421D0917595E}" dt="2023-11-07T22:15:42.453" v="2371"/>
@@ -2628,30 +713,6 @@
           <pc:docMk/>
           <pc:sldMk cId="959204435" sldId="288"/>
         </pc:sldMkLst>
-        <pc:spChg chg="mod">
-          <ac:chgData name="Benjamin Robert" userId="bdf697ffd98a8826" providerId="LiveId" clId="{606CDD9B-9A2D-4C79-85CC-421D0917595E}" dt="2023-11-07T22:15:42.453" v="2371"/>
-          <ac:spMkLst>
-            <pc:docMk/>
-            <pc:sldMk cId="959204435" sldId="288"/>
-            <ac:spMk id="2" creationId="{D56975EA-2079-C736-5F92-CF02A602BE90}"/>
-          </ac:spMkLst>
-        </pc:spChg>
-        <pc:spChg chg="add mod">
-          <ac:chgData name="Benjamin Robert" userId="bdf697ffd98a8826" providerId="LiveId" clId="{606CDD9B-9A2D-4C79-85CC-421D0917595E}" dt="2023-11-07T22:01:40.568" v="2149" actId="12"/>
-          <ac:spMkLst>
-            <pc:docMk/>
-            <pc:sldMk cId="959204435" sldId="288"/>
-            <ac:spMk id="4" creationId="{598794CD-F134-978A-982A-F62BA2E383E8}"/>
-          </ac:spMkLst>
-        </pc:spChg>
-        <pc:spChg chg="del">
-          <ac:chgData name="Benjamin Robert" userId="bdf697ffd98a8826" providerId="LiveId" clId="{606CDD9B-9A2D-4C79-85CC-421D0917595E}" dt="2023-11-07T22:01:24.864" v="2147" actId="478"/>
-          <ac:spMkLst>
-            <pc:docMk/>
-            <pc:sldMk cId="959204435" sldId="288"/>
-            <ac:spMk id="6" creationId="{8A7BCEF6-DF90-F0F2-A81A-3176796A292E}"/>
-          </ac:spMkLst>
-        </pc:spChg>
       </pc:sldChg>
       <pc:sldChg chg="modSp add mod">
         <pc:chgData name="Benjamin Robert" userId="bdf697ffd98a8826" providerId="LiveId" clId="{606CDD9B-9A2D-4C79-85CC-421D0917595E}" dt="2023-11-07T22:15:42.453" v="2371"/>
@@ -2659,22 +720,6 @@
           <pc:docMk/>
           <pc:sldMk cId="2733626490" sldId="289"/>
         </pc:sldMkLst>
-        <pc:spChg chg="mod">
-          <ac:chgData name="Benjamin Robert" userId="bdf697ffd98a8826" providerId="LiveId" clId="{606CDD9B-9A2D-4C79-85CC-421D0917595E}" dt="2023-11-07T22:15:42.453" v="2371"/>
-          <ac:spMkLst>
-            <pc:docMk/>
-            <pc:sldMk cId="2733626490" sldId="289"/>
-            <ac:spMk id="2" creationId="{D56975EA-2079-C736-5F92-CF02A602BE90}"/>
-          </ac:spMkLst>
-        </pc:spChg>
-        <pc:spChg chg="mod">
-          <ac:chgData name="Benjamin Robert" userId="bdf697ffd98a8826" providerId="LiveId" clId="{606CDD9B-9A2D-4C79-85CC-421D0917595E}" dt="2023-11-07T22:02:51.699" v="2152" actId="400"/>
-          <ac:spMkLst>
-            <pc:docMk/>
-            <pc:sldMk cId="2733626490" sldId="289"/>
-            <ac:spMk id="4" creationId="{598794CD-F134-978A-982A-F62BA2E383E8}"/>
-          </ac:spMkLst>
-        </pc:spChg>
       </pc:sldChg>
       <pc:sldChg chg="addSp delSp modSp add mod">
         <pc:chgData name="Benjamin Robert" userId="bdf697ffd98a8826" providerId="LiveId" clId="{606CDD9B-9A2D-4C79-85CC-421D0917595E}" dt="2023-11-07T22:15:42.453" v="2371"/>
@@ -2682,30 +727,6 @@
           <pc:docMk/>
           <pc:sldMk cId="1182391076" sldId="290"/>
         </pc:sldMkLst>
-        <pc:spChg chg="mod">
-          <ac:chgData name="Benjamin Robert" userId="bdf697ffd98a8826" providerId="LiveId" clId="{606CDD9B-9A2D-4C79-85CC-421D0917595E}" dt="2023-11-07T22:15:42.453" v="2371"/>
-          <ac:spMkLst>
-            <pc:docMk/>
-            <pc:sldMk cId="1182391076" sldId="290"/>
-            <ac:spMk id="2" creationId="{D56975EA-2079-C736-5F92-CF02A602BE90}"/>
-          </ac:spMkLst>
-        </pc:spChg>
-        <pc:spChg chg="del">
-          <ac:chgData name="Benjamin Robert" userId="bdf697ffd98a8826" providerId="LiveId" clId="{606CDD9B-9A2D-4C79-85CC-421D0917595E}" dt="2023-11-07T22:03:39.783" v="2154" actId="478"/>
-          <ac:spMkLst>
-            <pc:docMk/>
-            <pc:sldMk cId="1182391076" sldId="290"/>
-            <ac:spMk id="4" creationId="{598794CD-F134-978A-982A-F62BA2E383E8}"/>
-          </ac:spMkLst>
-        </pc:spChg>
-        <pc:spChg chg="add mod">
-          <ac:chgData name="Benjamin Robert" userId="bdf697ffd98a8826" providerId="LiveId" clId="{606CDD9B-9A2D-4C79-85CC-421D0917595E}" dt="2023-11-07T22:04:05.777" v="2164" actId="12"/>
-          <ac:spMkLst>
-            <pc:docMk/>
-            <pc:sldMk cId="1182391076" sldId="290"/>
-            <ac:spMk id="5" creationId="{E8365F1C-14D0-C5D1-09C0-E203849ECF33}"/>
-          </ac:spMkLst>
-        </pc:spChg>
       </pc:sldChg>
       <pc:sldChg chg="addSp modSp add mod">
         <pc:chgData name="Benjamin Robert" userId="bdf697ffd98a8826" providerId="LiveId" clId="{606CDD9B-9A2D-4C79-85CC-421D0917595E}" dt="2023-11-07T22:15:42.453" v="2371"/>
@@ -2713,22 +734,6 @@
           <pc:docMk/>
           <pc:sldMk cId="32960323" sldId="291"/>
         </pc:sldMkLst>
-        <pc:spChg chg="mod">
-          <ac:chgData name="Benjamin Robert" userId="bdf697ffd98a8826" providerId="LiveId" clId="{606CDD9B-9A2D-4C79-85CC-421D0917595E}" dt="2023-11-07T22:15:42.453" v="2371"/>
-          <ac:spMkLst>
-            <pc:docMk/>
-            <pc:sldMk cId="32960323" sldId="291"/>
-            <ac:spMk id="2" creationId="{D56975EA-2079-C736-5F92-CF02A602BE90}"/>
-          </ac:spMkLst>
-        </pc:spChg>
-        <pc:spChg chg="add mod">
-          <ac:chgData name="Benjamin Robert" userId="bdf697ffd98a8826" providerId="LiveId" clId="{606CDD9B-9A2D-4C79-85CC-421D0917595E}" dt="2023-11-07T22:04:36.839" v="2167" actId="400"/>
-          <ac:spMkLst>
-            <pc:docMk/>
-            <pc:sldMk cId="32960323" sldId="291"/>
-            <ac:spMk id="3" creationId="{409A7357-D05F-09F5-834B-7614F3A37E7E}"/>
-          </ac:spMkLst>
-        </pc:spChg>
       </pc:sldChg>
       <pc:sldChg chg="addSp modSp add mod">
         <pc:chgData name="Benjamin Robert" userId="bdf697ffd98a8826" providerId="LiveId" clId="{606CDD9B-9A2D-4C79-85CC-421D0917595E}" dt="2023-11-07T22:15:42.453" v="2371"/>
@@ -2736,22 +741,6 @@
           <pc:docMk/>
           <pc:sldMk cId="3543290598" sldId="292"/>
         </pc:sldMkLst>
-        <pc:spChg chg="mod">
-          <ac:chgData name="Benjamin Robert" userId="bdf697ffd98a8826" providerId="LiveId" clId="{606CDD9B-9A2D-4C79-85CC-421D0917595E}" dt="2023-11-07T22:15:42.453" v="2371"/>
-          <ac:spMkLst>
-            <pc:docMk/>
-            <pc:sldMk cId="3543290598" sldId="292"/>
-            <ac:spMk id="2" creationId="{D56975EA-2079-C736-5F92-CF02A602BE90}"/>
-          </ac:spMkLst>
-        </pc:spChg>
-        <pc:spChg chg="add mod">
-          <ac:chgData name="Benjamin Robert" userId="bdf697ffd98a8826" providerId="LiveId" clId="{606CDD9B-9A2D-4C79-85CC-421D0917595E}" dt="2023-11-07T22:05:12.030" v="2171" actId="1076"/>
-          <ac:spMkLst>
-            <pc:docMk/>
-            <pc:sldMk cId="3543290598" sldId="292"/>
-            <ac:spMk id="4" creationId="{15C66BB0-E72B-0FBE-1A87-2A81A73EB4D7}"/>
-          </ac:spMkLst>
-        </pc:spChg>
       </pc:sldChg>
       <pc:sldChg chg="addSp modSp add mod">
         <pc:chgData name="Benjamin Robert" userId="bdf697ffd98a8826" providerId="LiveId" clId="{606CDD9B-9A2D-4C79-85CC-421D0917595E}" dt="2023-11-07T22:15:42.453" v="2371"/>
@@ -2759,22 +748,6 @@
           <pc:docMk/>
           <pc:sldMk cId="1433176206" sldId="293"/>
         </pc:sldMkLst>
-        <pc:spChg chg="mod">
-          <ac:chgData name="Benjamin Robert" userId="bdf697ffd98a8826" providerId="LiveId" clId="{606CDD9B-9A2D-4C79-85CC-421D0917595E}" dt="2023-11-07T22:15:42.453" v="2371"/>
-          <ac:spMkLst>
-            <pc:docMk/>
-            <pc:sldMk cId="1433176206" sldId="293"/>
-            <ac:spMk id="2" creationId="{D56975EA-2079-C736-5F92-CF02A602BE90}"/>
-          </ac:spMkLst>
-        </pc:spChg>
-        <pc:spChg chg="add mod">
-          <ac:chgData name="Benjamin Robert" userId="bdf697ffd98a8826" providerId="LiveId" clId="{606CDD9B-9A2D-4C79-85CC-421D0917595E}" dt="2023-11-07T22:06:05.888" v="2175" actId="400"/>
-          <ac:spMkLst>
-            <pc:docMk/>
-            <pc:sldMk cId="1433176206" sldId="293"/>
-            <ac:spMk id="3" creationId="{898BC03B-9279-2882-2FF5-C53362B28275}"/>
-          </ac:spMkLst>
-        </pc:spChg>
       </pc:sldChg>
       <pc:sldChg chg="addSp modSp add mod">
         <pc:chgData name="Benjamin Robert" userId="bdf697ffd98a8826" providerId="LiveId" clId="{606CDD9B-9A2D-4C79-85CC-421D0917595E}" dt="2023-11-07T22:15:42.453" v="2371"/>
@@ -2782,22 +755,6 @@
           <pc:docMk/>
           <pc:sldMk cId="1800072261" sldId="294"/>
         </pc:sldMkLst>
-        <pc:spChg chg="mod">
-          <ac:chgData name="Benjamin Robert" userId="bdf697ffd98a8826" providerId="LiveId" clId="{606CDD9B-9A2D-4C79-85CC-421D0917595E}" dt="2023-11-07T22:15:42.453" v="2371"/>
-          <ac:spMkLst>
-            <pc:docMk/>
-            <pc:sldMk cId="1800072261" sldId="294"/>
-            <ac:spMk id="2" creationId="{D56975EA-2079-C736-5F92-CF02A602BE90}"/>
-          </ac:spMkLst>
-        </pc:spChg>
-        <pc:spChg chg="add mod">
-          <ac:chgData name="Benjamin Robert" userId="bdf697ffd98a8826" providerId="LiveId" clId="{606CDD9B-9A2D-4C79-85CC-421D0917595E}" dt="2023-11-07T22:07:47.746" v="2185" actId="255"/>
-          <ac:spMkLst>
-            <pc:docMk/>
-            <pc:sldMk cId="1800072261" sldId="294"/>
-            <ac:spMk id="4" creationId="{E2B7CA56-80A8-33AF-87B0-E1905FE52048}"/>
-          </ac:spMkLst>
-        </pc:spChg>
       </pc:sldChg>
       <pc:sldChg chg="addSp modSp add mod">
         <pc:chgData name="Benjamin Robert" userId="bdf697ffd98a8826" providerId="LiveId" clId="{606CDD9B-9A2D-4C79-85CC-421D0917595E}" dt="2023-11-07T22:15:42.453" v="2371"/>
@@ -2805,22 +762,6 @@
           <pc:docMk/>
           <pc:sldMk cId="3727260870" sldId="295"/>
         </pc:sldMkLst>
-        <pc:spChg chg="mod">
-          <ac:chgData name="Benjamin Robert" userId="bdf697ffd98a8826" providerId="LiveId" clId="{606CDD9B-9A2D-4C79-85CC-421D0917595E}" dt="2023-11-07T22:15:42.453" v="2371"/>
-          <ac:spMkLst>
-            <pc:docMk/>
-            <pc:sldMk cId="3727260870" sldId="295"/>
-            <ac:spMk id="2" creationId="{D56975EA-2079-C736-5F92-CF02A602BE90}"/>
-          </ac:spMkLst>
-        </pc:spChg>
-        <pc:spChg chg="add mod">
-          <ac:chgData name="Benjamin Robert" userId="bdf697ffd98a8826" providerId="LiveId" clId="{606CDD9B-9A2D-4C79-85CC-421D0917595E}" dt="2023-11-07T22:08:33.249" v="2188" actId="400"/>
-          <ac:spMkLst>
-            <pc:docMk/>
-            <pc:sldMk cId="3727260870" sldId="295"/>
-            <ac:spMk id="3" creationId="{ABE18F1F-4BA6-61D3-5F40-AD774C436CAC}"/>
-          </ac:spMkLst>
-        </pc:spChg>
       </pc:sldChg>
       <pc:sldChg chg="addSp delSp modSp new mod">
         <pc:chgData name="Benjamin Robert" userId="bdf697ffd98a8826" providerId="LiveId" clId="{606CDD9B-9A2D-4C79-85CC-421D0917595E}" dt="2023-11-08T07:28:06.166" v="2510"/>
@@ -2828,46 +769,6 @@
           <pc:docMk/>
           <pc:sldMk cId="1694162040" sldId="296"/>
         </pc:sldMkLst>
-        <pc:spChg chg="mod">
-          <ac:chgData name="Benjamin Robert" userId="bdf697ffd98a8826" providerId="LiveId" clId="{606CDD9B-9A2D-4C79-85CC-421D0917595E}" dt="2023-11-08T07:27:14.133" v="2469" actId="6549"/>
-          <ac:spMkLst>
-            <pc:docMk/>
-            <pc:sldMk cId="1694162040" sldId="296"/>
-            <ac:spMk id="2" creationId="{04465B75-E792-1169-CB5F-760F675293FB}"/>
-          </ac:spMkLst>
-        </pc:spChg>
-        <pc:spChg chg="del">
-          <ac:chgData name="Benjamin Robert" userId="bdf697ffd98a8826" providerId="LiveId" clId="{606CDD9B-9A2D-4C79-85CC-421D0917595E}" dt="2023-11-08T07:27:09.490" v="2467"/>
-          <ac:spMkLst>
-            <pc:docMk/>
-            <pc:sldMk cId="1694162040" sldId="296"/>
-            <ac:spMk id="3" creationId="{58BF6FAA-C3DB-13FE-0893-CFAF53BDCF9C}"/>
-          </ac:spMkLst>
-        </pc:spChg>
-        <pc:spChg chg="add mod">
-          <ac:chgData name="Benjamin Robert" userId="bdf697ffd98a8826" providerId="LiveId" clId="{606CDD9B-9A2D-4C79-85CC-421D0917595E}" dt="2023-11-08T07:27:56.236" v="2507" actId="1076"/>
-          <ac:spMkLst>
-            <pc:docMk/>
-            <pc:sldMk cId="1694162040" sldId="296"/>
-            <ac:spMk id="5" creationId="{ED1E59F1-DB31-9AA2-3835-55D60B620A4E}"/>
-          </ac:spMkLst>
-        </pc:spChg>
-        <pc:picChg chg="add mod">
-          <ac:chgData name="Benjamin Robert" userId="bdf697ffd98a8826" providerId="LiveId" clId="{606CDD9B-9A2D-4C79-85CC-421D0917595E}" dt="2023-11-08T07:27:17.404" v="2470" actId="1076"/>
-          <ac:picMkLst>
-            <pc:docMk/>
-            <pc:sldMk cId="1694162040" sldId="296"/>
-            <ac:picMk id="4" creationId="{52462B44-796C-3BAB-96E2-9E0D5169106B}"/>
-          </ac:picMkLst>
-        </pc:picChg>
-        <pc:picChg chg="add del mod">
-          <ac:chgData name="Benjamin Robert" userId="bdf697ffd98a8826" providerId="LiveId" clId="{606CDD9B-9A2D-4C79-85CC-421D0917595E}" dt="2023-11-08T07:28:06.166" v="2510"/>
-          <ac:picMkLst>
-            <pc:docMk/>
-            <pc:sldMk cId="1694162040" sldId="296"/>
-            <ac:picMk id="6" creationId="{C43E87C0-C1BB-7735-F6D9-055DC9A7B7ED}"/>
-          </ac:picMkLst>
-        </pc:picChg>
       </pc:sldChg>
       <pc:sldChg chg="add del">
         <pc:chgData name="Benjamin Robert" userId="bdf697ffd98a8826" providerId="LiveId" clId="{606CDD9B-9A2D-4C79-85CC-421D0917595E}" dt="2023-11-07T22:08:47.483" v="2189" actId="47"/>
@@ -2889,174 +790,6 @@
           <pc:docMk/>
           <pc:sldMk cId="2516445701" sldId="297"/>
         </pc:sldMkLst>
-        <pc:spChg chg="del">
-          <ac:chgData name="Benjamin Robert" userId="bdf697ffd98a8826" providerId="LiveId" clId="{606CDD9B-9A2D-4C79-85CC-421D0917595E}" dt="2023-11-08T07:35:13.990" v="2771" actId="478"/>
-          <ac:spMkLst>
-            <pc:docMk/>
-            <pc:sldMk cId="2516445701" sldId="297"/>
-            <ac:spMk id="2" creationId="{C06EC748-2601-F699-BD33-797D82CB42C7}"/>
-          </ac:spMkLst>
-        </pc:spChg>
-        <pc:spChg chg="del">
-          <ac:chgData name="Benjamin Robert" userId="bdf697ffd98a8826" providerId="LiveId" clId="{606CDD9B-9A2D-4C79-85CC-421D0917595E}" dt="2023-11-08T07:35:13.990" v="2771" actId="478"/>
-          <ac:spMkLst>
-            <pc:docMk/>
-            <pc:sldMk cId="2516445701" sldId="297"/>
-            <ac:spMk id="3" creationId="{F35CD4CB-CAA8-6BCE-2CD9-E51EB40C1F81}"/>
-          </ac:spMkLst>
-        </pc:spChg>
-        <pc:spChg chg="add mod">
-          <ac:chgData name="Benjamin Robert" userId="bdf697ffd98a8826" providerId="LiveId" clId="{606CDD9B-9A2D-4C79-85CC-421D0917595E}" dt="2023-11-08T07:49:17.845" v="3009" actId="1076"/>
-          <ac:spMkLst>
-            <pc:docMk/>
-            <pc:sldMk cId="2516445701" sldId="297"/>
-            <ac:spMk id="5" creationId="{3C44CA0D-BFCC-7D03-F79B-A55AC96CDE57}"/>
-          </ac:spMkLst>
-        </pc:spChg>
-        <pc:spChg chg="mod">
-          <ac:chgData name="Benjamin Robert" userId="bdf697ffd98a8826" providerId="LiveId" clId="{606CDD9B-9A2D-4C79-85CC-421D0917595E}" dt="2023-11-08T07:48:51.892" v="2995" actId="1076"/>
-          <ac:spMkLst>
-            <pc:docMk/>
-            <pc:sldMk cId="2516445701" sldId="297"/>
-            <ac:spMk id="7" creationId="{FA490B30-D1D2-F867-C0A5-4F75305F61A6}"/>
-          </ac:spMkLst>
-        </pc:spChg>
-        <pc:spChg chg="mod">
-          <ac:chgData name="Benjamin Robert" userId="bdf697ffd98a8826" providerId="LiveId" clId="{606CDD9B-9A2D-4C79-85CC-421D0917595E}" dt="2023-11-08T07:48:51.892" v="2995" actId="1076"/>
-          <ac:spMkLst>
-            <pc:docMk/>
-            <pc:sldMk cId="2516445701" sldId="297"/>
-            <ac:spMk id="8" creationId="{3F7E0656-F407-79F7-D2F3-3BBEFEDA894B}"/>
-          </ac:spMkLst>
-        </pc:spChg>
-        <pc:spChg chg="mod">
-          <ac:chgData name="Benjamin Robert" userId="bdf697ffd98a8826" providerId="LiveId" clId="{606CDD9B-9A2D-4C79-85CC-421D0917595E}" dt="2023-11-08T07:48:51.892" v="2995" actId="1076"/>
-          <ac:spMkLst>
-            <pc:docMk/>
-            <pc:sldMk cId="2516445701" sldId="297"/>
-            <ac:spMk id="9" creationId="{E77CCA7C-7407-A972-4B7E-45322DE6A4C9}"/>
-          </ac:spMkLst>
-        </pc:spChg>
-        <pc:spChg chg="mod">
-          <ac:chgData name="Benjamin Robert" userId="bdf697ffd98a8826" providerId="LiveId" clId="{606CDD9B-9A2D-4C79-85CC-421D0917595E}" dt="2023-11-08T07:48:51.892" v="2995" actId="1076"/>
-          <ac:spMkLst>
-            <pc:docMk/>
-            <pc:sldMk cId="2516445701" sldId="297"/>
-            <ac:spMk id="12" creationId="{6A4FEDC7-07F2-E5B2-6E14-C0DAFD5AD223}"/>
-          </ac:spMkLst>
-        </pc:spChg>
-        <pc:spChg chg="mod">
-          <ac:chgData name="Benjamin Robert" userId="bdf697ffd98a8826" providerId="LiveId" clId="{606CDD9B-9A2D-4C79-85CC-421D0917595E}" dt="2023-11-08T07:48:51.892" v="2995" actId="1076"/>
-          <ac:spMkLst>
-            <pc:docMk/>
-            <pc:sldMk cId="2516445701" sldId="297"/>
-            <ac:spMk id="14" creationId="{078B1BE4-BBDA-12E2-1898-4448C0D3BF12}"/>
-          </ac:spMkLst>
-        </pc:spChg>
-        <pc:spChg chg="mod">
-          <ac:chgData name="Benjamin Robert" userId="bdf697ffd98a8826" providerId="LiveId" clId="{606CDD9B-9A2D-4C79-85CC-421D0917595E}" dt="2023-11-08T07:48:51.892" v="2995" actId="1076"/>
-          <ac:spMkLst>
-            <pc:docMk/>
-            <pc:sldMk cId="2516445701" sldId="297"/>
-            <ac:spMk id="15" creationId="{C5A150E6-5EC2-0E2B-53DF-CB353AE3C296}"/>
-          </ac:spMkLst>
-        </pc:spChg>
-        <pc:spChg chg="mod">
-          <ac:chgData name="Benjamin Robert" userId="bdf697ffd98a8826" providerId="LiveId" clId="{606CDD9B-9A2D-4C79-85CC-421D0917595E}" dt="2023-11-08T07:48:51.892" v="2995" actId="1076"/>
-          <ac:spMkLst>
-            <pc:docMk/>
-            <pc:sldMk cId="2516445701" sldId="297"/>
-            <ac:spMk id="17" creationId="{493FFAED-7D23-B3E4-FEC5-725CEAB3C695}"/>
-          </ac:spMkLst>
-        </pc:spChg>
-        <pc:spChg chg="mod">
-          <ac:chgData name="Benjamin Robert" userId="bdf697ffd98a8826" providerId="LiveId" clId="{606CDD9B-9A2D-4C79-85CC-421D0917595E}" dt="2023-11-08T07:48:51.892" v="2995" actId="1076"/>
-          <ac:spMkLst>
-            <pc:docMk/>
-            <pc:sldMk cId="2516445701" sldId="297"/>
-            <ac:spMk id="18" creationId="{C188A6A9-442B-036B-4987-3BC3B9505946}"/>
-          </ac:spMkLst>
-        </pc:spChg>
-        <pc:spChg chg="mod">
-          <ac:chgData name="Benjamin Robert" userId="bdf697ffd98a8826" providerId="LiveId" clId="{606CDD9B-9A2D-4C79-85CC-421D0917595E}" dt="2023-11-08T07:48:51.892" v="2995" actId="1076"/>
-          <ac:spMkLst>
-            <pc:docMk/>
-            <pc:sldMk cId="2516445701" sldId="297"/>
-            <ac:spMk id="21" creationId="{DED46F91-00B0-DA73-C390-EEF225F0C35B}"/>
-          </ac:spMkLst>
-        </pc:spChg>
-        <pc:spChg chg="mod">
-          <ac:chgData name="Benjamin Robert" userId="bdf697ffd98a8826" providerId="LiveId" clId="{606CDD9B-9A2D-4C79-85CC-421D0917595E}" dt="2023-11-08T07:48:51.892" v="2995" actId="1076"/>
-          <ac:spMkLst>
-            <pc:docMk/>
-            <pc:sldMk cId="2516445701" sldId="297"/>
-            <ac:spMk id="22" creationId="{A4713FD9-65D2-BDA2-2A9B-ABBDD5B6E380}"/>
-          </ac:spMkLst>
-        </pc:spChg>
-        <pc:spChg chg="add mod">
-          <ac:chgData name="Benjamin Robert" userId="bdf697ffd98a8826" providerId="LiveId" clId="{606CDD9B-9A2D-4C79-85CC-421D0917595E}" dt="2023-11-08T07:49:13.194" v="3008" actId="1076"/>
-          <ac:spMkLst>
-            <pc:docMk/>
-            <pc:sldMk cId="2516445701" sldId="297"/>
-            <ac:spMk id="23" creationId="{A949D6E0-1C3A-000C-6EC2-5B4A5D314611}"/>
-          </ac:spMkLst>
-        </pc:spChg>
-        <pc:grpChg chg="add mod">
-          <ac:chgData name="Benjamin Robert" userId="bdf697ffd98a8826" providerId="LiveId" clId="{606CDD9B-9A2D-4C79-85CC-421D0917595E}" dt="2023-11-08T07:48:51.892" v="2995" actId="1076"/>
-          <ac:grpSpMkLst>
-            <pc:docMk/>
-            <pc:sldMk cId="2516445701" sldId="297"/>
-            <ac:grpSpMk id="6" creationId="{3120372B-BA0F-93C8-A730-0463E1B2838F}"/>
-          </ac:grpSpMkLst>
-        </pc:grpChg>
-        <pc:picChg chg="mod">
-          <ac:chgData name="Benjamin Robert" userId="bdf697ffd98a8826" providerId="LiveId" clId="{606CDD9B-9A2D-4C79-85CC-421D0917595E}" dt="2023-11-08T07:48:51.892" v="2995" actId="1076"/>
-          <ac:picMkLst>
-            <pc:docMk/>
-            <pc:sldMk cId="2516445701" sldId="297"/>
-            <ac:picMk id="10" creationId="{CACF5194-FEBD-EE8B-84A6-06623C144BE4}"/>
-          </ac:picMkLst>
-        </pc:picChg>
-        <pc:picChg chg="mod">
-          <ac:chgData name="Benjamin Robert" userId="bdf697ffd98a8826" providerId="LiveId" clId="{606CDD9B-9A2D-4C79-85CC-421D0917595E}" dt="2023-11-08T07:48:51.892" v="2995" actId="1076"/>
-          <ac:picMkLst>
-            <pc:docMk/>
-            <pc:sldMk cId="2516445701" sldId="297"/>
-            <ac:picMk id="11" creationId="{ACA633D9-65A6-EA87-844E-A6622AF5D59F}"/>
-          </ac:picMkLst>
-        </pc:picChg>
-        <pc:picChg chg="mod">
-          <ac:chgData name="Benjamin Robert" userId="bdf697ffd98a8826" providerId="LiveId" clId="{606CDD9B-9A2D-4C79-85CC-421D0917595E}" dt="2023-11-08T07:48:51.892" v="2995" actId="1076"/>
-          <ac:picMkLst>
-            <pc:docMk/>
-            <pc:sldMk cId="2516445701" sldId="297"/>
-            <ac:picMk id="19" creationId="{BC65F9C1-0A42-0685-8942-BC1F372BAF22}"/>
-          </ac:picMkLst>
-        </pc:picChg>
-        <pc:picChg chg="mod">
-          <ac:chgData name="Benjamin Robert" userId="bdf697ffd98a8826" providerId="LiveId" clId="{606CDD9B-9A2D-4C79-85CC-421D0917595E}" dt="2023-11-08T07:48:51.892" v="2995" actId="1076"/>
-          <ac:picMkLst>
-            <pc:docMk/>
-            <pc:sldMk cId="2516445701" sldId="297"/>
-            <ac:picMk id="20" creationId="{AA094164-B51A-6A99-AD83-9CAD87699324}"/>
-          </ac:picMkLst>
-        </pc:picChg>
-        <pc:cxnChg chg="mod">
-          <ac:chgData name="Benjamin Robert" userId="bdf697ffd98a8826" providerId="LiveId" clId="{606CDD9B-9A2D-4C79-85CC-421D0917595E}" dt="2023-11-08T07:48:51.892" v="2995" actId="1076"/>
-          <ac:cxnSpMkLst>
-            <pc:docMk/>
-            <pc:sldMk cId="2516445701" sldId="297"/>
-            <ac:cxnSpMk id="13" creationId="{128B90D8-9BCC-B942-FC1C-B4BD8E959B3D}"/>
-          </ac:cxnSpMkLst>
-        </pc:cxnChg>
-        <pc:cxnChg chg="mod">
-          <ac:chgData name="Benjamin Robert" userId="bdf697ffd98a8826" providerId="LiveId" clId="{606CDD9B-9A2D-4C79-85CC-421D0917595E}" dt="2023-11-08T07:48:51.892" v="2995" actId="1076"/>
-          <ac:cxnSpMkLst>
-            <pc:docMk/>
-            <pc:sldMk cId="2516445701" sldId="297"/>
-            <ac:cxnSpMk id="16" creationId="{8B6CBF33-C0BE-EADC-52AB-7DD7386E3CC2}"/>
-          </ac:cxnSpMkLst>
-        </pc:cxnChg>
       </pc:sldChg>
       <pc:sldChg chg="addSp delSp modSp add mod">
         <pc:chgData name="Benjamin Robert" userId="bdf697ffd98a8826" providerId="LiveId" clId="{606CDD9B-9A2D-4C79-85CC-421D0917595E}" dt="2023-11-08T07:35:02.837" v="2770" actId="1076"/>
@@ -3064,46 +797,6 @@
           <pc:docMk/>
           <pc:sldMk cId="278425534" sldId="298"/>
         </pc:sldMkLst>
-        <pc:spChg chg="mod">
-          <ac:chgData name="Benjamin Robert" userId="bdf697ffd98a8826" providerId="LiveId" clId="{606CDD9B-9A2D-4C79-85CC-421D0917595E}" dt="2023-11-08T07:34:59.082" v="2769" actId="20577"/>
-          <ac:spMkLst>
-            <pc:docMk/>
-            <pc:sldMk cId="278425534" sldId="298"/>
-            <ac:spMk id="2" creationId="{04465B75-E792-1169-CB5F-760F675293FB}"/>
-          </ac:spMkLst>
-        </pc:spChg>
-        <pc:spChg chg="add mod">
-          <ac:chgData name="Benjamin Robert" userId="bdf697ffd98a8826" providerId="LiveId" clId="{606CDD9B-9A2D-4C79-85CC-421D0917595E}" dt="2023-11-08T07:33:27.418" v="2749" actId="20577"/>
-          <ac:spMkLst>
-            <pc:docMk/>
-            <pc:sldMk cId="278425534" sldId="298"/>
-            <ac:spMk id="3" creationId="{A8372E30-804F-DFF4-8A46-6184FDD59EFE}"/>
-          </ac:spMkLst>
-        </pc:spChg>
-        <pc:spChg chg="del">
-          <ac:chgData name="Benjamin Robert" userId="bdf697ffd98a8826" providerId="LiveId" clId="{606CDD9B-9A2D-4C79-85CC-421D0917595E}" dt="2023-11-08T07:28:17.875" v="2512" actId="478"/>
-          <ac:spMkLst>
-            <pc:docMk/>
-            <pc:sldMk cId="278425534" sldId="298"/>
-            <ac:spMk id="5" creationId="{ED1E59F1-DB31-9AA2-3835-55D60B620A4E}"/>
-          </ac:spMkLst>
-        </pc:spChg>
-        <pc:picChg chg="mod">
-          <ac:chgData name="Benjamin Robert" userId="bdf697ffd98a8826" providerId="LiveId" clId="{606CDD9B-9A2D-4C79-85CC-421D0917595E}" dt="2023-11-08T07:35:02.837" v="2770" actId="1076"/>
-          <ac:picMkLst>
-            <pc:docMk/>
-            <pc:sldMk cId="278425534" sldId="298"/>
-            <ac:picMk id="4" creationId="{52462B44-796C-3BAB-96E2-9E0D5169106B}"/>
-          </ac:picMkLst>
-        </pc:picChg>
-        <pc:picChg chg="add mod">
-          <ac:chgData name="Benjamin Robert" userId="bdf697ffd98a8826" providerId="LiveId" clId="{606CDD9B-9A2D-4C79-85CC-421D0917595E}" dt="2023-11-08T07:34:40.349" v="2752" actId="1076"/>
-          <ac:picMkLst>
-            <pc:docMk/>
-            <pc:sldMk cId="278425534" sldId="298"/>
-            <ac:picMk id="7" creationId="{B7227B41-E507-A9EC-F708-A31E2706E572}"/>
-          </ac:picMkLst>
-        </pc:picChg>
       </pc:sldChg>
       <pc:sldChg chg="add del">
         <pc:chgData name="Benjamin Robert" userId="bdf697ffd98a8826" providerId="LiveId" clId="{606CDD9B-9A2D-4C79-85CC-421D0917595E}" dt="2023-11-07T22:08:48.916" v="2191" actId="47"/>
@@ -3118,46 +811,6 @@
           <pc:docMk/>
           <pc:sldMk cId="2827785844" sldId="299"/>
         </pc:sldMkLst>
-        <pc:spChg chg="del">
-          <ac:chgData name="Benjamin Robert" userId="bdf697ffd98a8826" providerId="LiveId" clId="{606CDD9B-9A2D-4C79-85CC-421D0917595E}" dt="2023-11-08T07:38:29.099" v="2784" actId="478"/>
-          <ac:spMkLst>
-            <pc:docMk/>
-            <pc:sldMk cId="2827785844" sldId="299"/>
-            <ac:spMk id="3" creationId="{A8372E30-804F-DFF4-8A46-6184FDD59EFE}"/>
-          </ac:spMkLst>
-        </pc:spChg>
-        <pc:picChg chg="add mod">
-          <ac:chgData name="Benjamin Robert" userId="bdf697ffd98a8826" providerId="LiveId" clId="{606CDD9B-9A2D-4C79-85CC-421D0917595E}" dt="2023-11-08T07:42:56.711" v="2794" actId="1076"/>
-          <ac:picMkLst>
-            <pc:docMk/>
-            <pc:sldMk cId="2827785844" sldId="299"/>
-            <ac:picMk id="6" creationId="{C8F30539-FBAB-38E6-93D7-854FF6179612}"/>
-          </ac:picMkLst>
-        </pc:picChg>
-        <pc:picChg chg="del">
-          <ac:chgData name="Benjamin Robert" userId="bdf697ffd98a8826" providerId="LiveId" clId="{606CDD9B-9A2D-4C79-85CC-421D0917595E}" dt="2023-11-08T07:38:29.504" v="2785" actId="478"/>
-          <ac:picMkLst>
-            <pc:docMk/>
-            <pc:sldMk cId="2827785844" sldId="299"/>
-            <ac:picMk id="7" creationId="{B7227B41-E507-A9EC-F708-A31E2706E572}"/>
-          </ac:picMkLst>
-        </pc:picChg>
-        <pc:picChg chg="add del mod">
-          <ac:chgData name="Benjamin Robert" userId="bdf697ffd98a8826" providerId="LiveId" clId="{606CDD9B-9A2D-4C79-85CC-421D0917595E}" dt="2023-11-08T07:43:08.520" v="2798" actId="478"/>
-          <ac:picMkLst>
-            <pc:docMk/>
-            <pc:sldMk cId="2827785844" sldId="299"/>
-            <ac:picMk id="9" creationId="{0DCB7B9C-36D1-E0C3-4B27-6CB75976BC5F}"/>
-          </ac:picMkLst>
-        </pc:picChg>
-        <pc:picChg chg="add del mod">
-          <ac:chgData name="Benjamin Robert" userId="bdf697ffd98a8826" providerId="LiveId" clId="{606CDD9B-9A2D-4C79-85CC-421D0917595E}" dt="2023-11-08T07:43:01.386" v="2796"/>
-          <ac:picMkLst>
-            <pc:docMk/>
-            <pc:sldMk cId="2827785844" sldId="299"/>
-            <ac:picMk id="10" creationId="{0F589E82-9226-1BA6-9AEB-FE4242E577BB}"/>
-          </ac:picMkLst>
-        </pc:picChg>
       </pc:sldChg>
       <pc:sldChg chg="addSp delSp modSp add mod">
         <pc:chgData name="Benjamin Robert" userId="bdf697ffd98a8826" providerId="LiveId" clId="{606CDD9B-9A2D-4C79-85CC-421D0917595E}" dt="2023-11-08T07:36:29.359" v="2777" actId="1076"/>
@@ -3165,30 +818,6 @@
           <pc:docMk/>
           <pc:sldMk cId="1989543073" sldId="300"/>
         </pc:sldMkLst>
-        <pc:spChg chg="del">
-          <ac:chgData name="Benjamin Robert" userId="bdf697ffd98a8826" providerId="LiveId" clId="{606CDD9B-9A2D-4C79-85CC-421D0917595E}" dt="2023-11-08T07:36:22.968" v="2773" actId="478"/>
-          <ac:spMkLst>
-            <pc:docMk/>
-            <pc:sldMk cId="1989543073" sldId="300"/>
-            <ac:spMk id="3" creationId="{A8372E30-804F-DFF4-8A46-6184FDD59EFE}"/>
-          </ac:spMkLst>
-        </pc:spChg>
-        <pc:picChg chg="add mod">
-          <ac:chgData name="Benjamin Robert" userId="bdf697ffd98a8826" providerId="LiveId" clId="{606CDD9B-9A2D-4C79-85CC-421D0917595E}" dt="2023-11-08T07:36:29.359" v="2777" actId="1076"/>
-          <ac:picMkLst>
-            <pc:docMk/>
-            <pc:sldMk cId="1989543073" sldId="300"/>
-            <ac:picMk id="6" creationId="{E2EBBCAF-0984-AC53-CF98-B6B2783498C9}"/>
-          </ac:picMkLst>
-        </pc:picChg>
-        <pc:picChg chg="del">
-          <ac:chgData name="Benjamin Robert" userId="bdf697ffd98a8826" providerId="LiveId" clId="{606CDD9B-9A2D-4C79-85CC-421D0917595E}" dt="2023-11-08T07:36:23.609" v="2774" actId="478"/>
-          <ac:picMkLst>
-            <pc:docMk/>
-            <pc:sldMk cId="1989543073" sldId="300"/>
-            <ac:picMk id="7" creationId="{B7227B41-E507-A9EC-F708-A31E2706E572}"/>
-          </ac:picMkLst>
-        </pc:picChg>
       </pc:sldChg>
       <pc:sldChg chg="addSp delSp modSp add mod">
         <pc:chgData name="Benjamin Robert" userId="bdf697ffd98a8826" providerId="LiveId" clId="{606CDD9B-9A2D-4C79-85CC-421D0917595E}" dt="2023-11-08T07:37:26.498" v="2783" actId="1076"/>
@@ -3196,22 +825,6 @@
           <pc:docMk/>
           <pc:sldMk cId="248443024" sldId="301"/>
         </pc:sldMkLst>
-        <pc:picChg chg="add mod">
-          <ac:chgData name="Benjamin Robert" userId="bdf697ffd98a8826" providerId="LiveId" clId="{606CDD9B-9A2D-4C79-85CC-421D0917595E}" dt="2023-11-08T07:37:26.498" v="2783" actId="1076"/>
-          <ac:picMkLst>
-            <pc:docMk/>
-            <pc:sldMk cId="248443024" sldId="301"/>
-            <ac:picMk id="5" creationId="{7C71E686-97C1-6BCB-6D84-C4C0418A3126}"/>
-          </ac:picMkLst>
-        </pc:picChg>
-        <pc:picChg chg="del">
-          <ac:chgData name="Benjamin Robert" userId="bdf697ffd98a8826" providerId="LiveId" clId="{606CDD9B-9A2D-4C79-85CC-421D0917595E}" dt="2023-11-08T07:37:20.692" v="2779" actId="478"/>
-          <ac:picMkLst>
-            <pc:docMk/>
-            <pc:sldMk cId="248443024" sldId="301"/>
-            <ac:picMk id="6" creationId="{E2EBBCAF-0984-AC53-CF98-B6B2783498C9}"/>
-          </ac:picMkLst>
-        </pc:picChg>
       </pc:sldChg>
       <pc:sldChg chg="delSp modSp add mod">
         <pc:chgData name="Benjamin Robert" userId="bdf697ffd98a8826" providerId="LiveId" clId="{606CDD9B-9A2D-4C79-85CC-421D0917595E}" dt="2023-11-08T07:43:11.227" v="2800" actId="1076"/>
@@ -3219,22 +832,6 @@
           <pc:docMk/>
           <pc:sldMk cId="2662774853" sldId="302"/>
         </pc:sldMkLst>
-        <pc:picChg chg="del">
-          <ac:chgData name="Benjamin Robert" userId="bdf697ffd98a8826" providerId="LiveId" clId="{606CDD9B-9A2D-4C79-85CC-421D0917595E}" dt="2023-11-08T07:43:10.043" v="2799" actId="478"/>
-          <ac:picMkLst>
-            <pc:docMk/>
-            <pc:sldMk cId="2662774853" sldId="302"/>
-            <ac:picMk id="6" creationId="{C8F30539-FBAB-38E6-93D7-854FF6179612}"/>
-          </ac:picMkLst>
-        </pc:picChg>
-        <pc:picChg chg="mod">
-          <ac:chgData name="Benjamin Robert" userId="bdf697ffd98a8826" providerId="LiveId" clId="{606CDD9B-9A2D-4C79-85CC-421D0917595E}" dt="2023-11-08T07:43:11.227" v="2800" actId="1076"/>
-          <ac:picMkLst>
-            <pc:docMk/>
-            <pc:sldMk cId="2662774853" sldId="302"/>
-            <ac:picMk id="9" creationId="{0DCB7B9C-36D1-E0C3-4B27-6CB75976BC5F}"/>
-          </ac:picMkLst>
-        </pc:picChg>
       </pc:sldChg>
       <pc:sldChg chg="addSp delSp modSp add mod">
         <pc:chgData name="Benjamin Robert" userId="bdf697ffd98a8826" providerId="LiveId" clId="{606CDD9B-9A2D-4C79-85CC-421D0917595E}" dt="2023-11-08T07:47:17.879" v="2982" actId="20577"/>
@@ -3242,22 +839,6 @@
           <pc:docMk/>
           <pc:sldMk cId="1727989895" sldId="303"/>
         </pc:sldMkLst>
-        <pc:spChg chg="add mod">
-          <ac:chgData name="Benjamin Robert" userId="bdf697ffd98a8826" providerId="LiveId" clId="{606CDD9B-9A2D-4C79-85CC-421D0917595E}" dt="2023-11-08T07:47:17.879" v="2982" actId="20577"/>
-          <ac:spMkLst>
-            <pc:docMk/>
-            <pc:sldMk cId="1727989895" sldId="303"/>
-            <ac:spMk id="3" creationId="{59847E82-C8A3-8B8D-8AB0-7AB9A9BE9851}"/>
-          </ac:spMkLst>
-        </pc:spChg>
-        <pc:picChg chg="del">
-          <ac:chgData name="Benjamin Robert" userId="bdf697ffd98a8826" providerId="LiveId" clId="{606CDD9B-9A2D-4C79-85CC-421D0917595E}" dt="2023-11-08T07:43:35.109" v="2802" actId="478"/>
-          <ac:picMkLst>
-            <pc:docMk/>
-            <pc:sldMk cId="1727989895" sldId="303"/>
-            <ac:picMk id="9" creationId="{0DCB7B9C-36D1-E0C3-4B27-6CB75976BC5F}"/>
-          </ac:picMkLst>
-        </pc:picChg>
       </pc:sldChg>
       <pc:sldChg chg="add">
         <pc:chgData name="Benjamin Robert" userId="bdf697ffd98a8826" providerId="LiveId" clId="{606CDD9B-9A2D-4C79-85CC-421D0917595E}" dt="2023-11-08T08:22:21.642" v="3753"/>
@@ -3272,38 +853,6 @@
           <pc:docMk/>
           <pc:sldMk cId="3975624232" sldId="304"/>
         </pc:sldMkLst>
-        <pc:spChg chg="mod">
-          <ac:chgData name="Benjamin Robert" userId="bdf697ffd98a8826" providerId="LiveId" clId="{606CDD9B-9A2D-4C79-85CC-421D0917595E}" dt="2023-11-08T07:53:55.088" v="3033" actId="20577"/>
-          <ac:spMkLst>
-            <pc:docMk/>
-            <pc:sldMk cId="3975624232" sldId="304"/>
-            <ac:spMk id="2" creationId="{5F066709-8877-86B1-6B69-C650B46A6085}"/>
-          </ac:spMkLst>
-        </pc:spChg>
-        <pc:spChg chg="del">
-          <ac:chgData name="Benjamin Robert" userId="bdf697ffd98a8826" providerId="LiveId" clId="{606CDD9B-9A2D-4C79-85CC-421D0917595E}" dt="2023-11-08T07:54:38.245" v="3034" actId="478"/>
-          <ac:spMkLst>
-            <pc:docMk/>
-            <pc:sldMk cId="3975624232" sldId="304"/>
-            <ac:spMk id="3" creationId="{67FB7F49-583B-7BAB-A198-4AFE614F741C}"/>
-          </ac:spMkLst>
-        </pc:spChg>
-        <pc:spChg chg="add mod">
-          <ac:chgData name="Benjamin Robert" userId="bdf697ffd98a8826" providerId="LiveId" clId="{606CDD9B-9A2D-4C79-85CC-421D0917595E}" dt="2023-11-08T07:58:56.555" v="3255" actId="1076"/>
-          <ac:spMkLst>
-            <pc:docMk/>
-            <pc:sldMk cId="3975624232" sldId="304"/>
-            <ac:spMk id="4" creationId="{AE49DDD7-DD28-9CC8-5F27-8CEAD23BBD1F}"/>
-          </ac:spMkLst>
-        </pc:spChg>
-        <pc:picChg chg="add mod">
-          <ac:chgData name="Benjamin Robert" userId="bdf697ffd98a8826" providerId="LiveId" clId="{606CDD9B-9A2D-4C79-85CC-421D0917595E}" dt="2023-11-08T07:54:47.915" v="3040" actId="1076"/>
-          <ac:picMkLst>
-            <pc:docMk/>
-            <pc:sldMk cId="3975624232" sldId="304"/>
-            <ac:picMk id="1026" creationId="{27216836-3275-2647-66D5-B4B6F8E94BAC}"/>
-          </ac:picMkLst>
-        </pc:picChg>
       </pc:sldChg>
       <pc:sldChg chg="add">
         <pc:chgData name="Benjamin Robert" userId="bdf697ffd98a8826" providerId="LiveId" clId="{606CDD9B-9A2D-4C79-85CC-421D0917595E}" dt="2023-11-08T08:22:21.642" v="3753"/>
@@ -3318,30 +867,6 @@
           <pc:docMk/>
           <pc:sldMk cId="2682664801" sldId="305"/>
         </pc:sldMkLst>
-        <pc:spChg chg="mod">
-          <ac:chgData name="Benjamin Robert" userId="bdf697ffd98a8826" providerId="LiveId" clId="{606CDD9B-9A2D-4C79-85CC-421D0917595E}" dt="2023-11-08T08:00:20.385" v="3275" actId="20577"/>
-          <ac:spMkLst>
-            <pc:docMk/>
-            <pc:sldMk cId="2682664801" sldId="305"/>
-            <ac:spMk id="2" creationId="{1A7542B3-115C-DCC9-7BD5-B7B64C9AE024}"/>
-          </ac:spMkLst>
-        </pc:spChg>
-        <pc:spChg chg="del">
-          <ac:chgData name="Benjamin Robert" userId="bdf697ffd98a8826" providerId="LiveId" clId="{606CDD9B-9A2D-4C79-85CC-421D0917595E}" dt="2023-11-08T08:00:27.680" v="3276" actId="478"/>
-          <ac:spMkLst>
-            <pc:docMk/>
-            <pc:sldMk cId="2682664801" sldId="305"/>
-            <ac:spMk id="3" creationId="{0C4471D0-275A-4E09-A08D-B24603CF0D31}"/>
-          </ac:spMkLst>
-        </pc:spChg>
-        <pc:spChg chg="add mod">
-          <ac:chgData name="Benjamin Robert" userId="bdf697ffd98a8826" providerId="LiveId" clId="{606CDD9B-9A2D-4C79-85CC-421D0917595E}" dt="2023-11-08T08:08:04.438" v="3639" actId="20577"/>
-          <ac:spMkLst>
-            <pc:docMk/>
-            <pc:sldMk cId="2682664801" sldId="305"/>
-            <ac:spMk id="4" creationId="{12D00488-109F-00CC-F29F-5E7D47B991D2}"/>
-          </ac:spMkLst>
-        </pc:spChg>
       </pc:sldChg>
       <pc:sldChg chg="addSp delSp modSp add del mod">
         <pc:chgData name="Benjamin Robert" userId="bdf697ffd98a8826" providerId="LiveId" clId="{606CDD9B-9A2D-4C79-85CC-421D0917595E}" dt="2023-11-08T08:22:18.179" v="3752" actId="2696"/>
@@ -3349,182 +874,6 @@
           <pc:docMk/>
           <pc:sldMk cId="3010551853" sldId="306"/>
         </pc:sldMkLst>
-        <pc:spChg chg="mod">
-          <ac:chgData name="Benjamin Robert" userId="bdf697ffd98a8826" providerId="LiveId" clId="{606CDD9B-9A2D-4C79-85CC-421D0917595E}" dt="2023-11-08T08:05:10.725" v="3578" actId="6549"/>
-          <ac:spMkLst>
-            <pc:docMk/>
-            <pc:sldMk cId="3010551853" sldId="306"/>
-            <ac:spMk id="2" creationId="{1A7542B3-115C-DCC9-7BD5-B7B64C9AE024}"/>
-          </ac:spMkLst>
-        </pc:spChg>
-        <pc:spChg chg="add mod">
-          <ac:chgData name="Benjamin Robert" userId="bdf697ffd98a8826" providerId="LiveId" clId="{606CDD9B-9A2D-4C79-85CC-421D0917595E}" dt="2023-11-08T08:05:49.829" v="3581" actId="1076"/>
-          <ac:spMkLst>
-            <pc:docMk/>
-            <pc:sldMk cId="3010551853" sldId="306"/>
-            <ac:spMk id="3" creationId="{49365BCE-7924-DE28-8B9B-A9B2A9F53C6B}"/>
-          </ac:spMkLst>
-        </pc:spChg>
-        <pc:spChg chg="mod">
-          <ac:chgData name="Benjamin Robert" userId="bdf697ffd98a8826" providerId="LiveId" clId="{606CDD9B-9A2D-4C79-85CC-421D0917595E}" dt="2023-11-08T08:09:24.739" v="3751" actId="20577"/>
-          <ac:spMkLst>
-            <pc:docMk/>
-            <pc:sldMk cId="3010551853" sldId="306"/>
-            <ac:spMk id="4" creationId="{12D00488-109F-00CC-F29F-5E7D47B991D2}"/>
-          </ac:spMkLst>
-        </pc:spChg>
-        <pc:spChg chg="add mod">
-          <ac:chgData name="Benjamin Robert" userId="bdf697ffd98a8826" providerId="LiveId" clId="{606CDD9B-9A2D-4C79-85CC-421D0917595E}" dt="2023-11-08T08:05:49.829" v="3581" actId="1076"/>
-          <ac:spMkLst>
-            <pc:docMk/>
-            <pc:sldMk cId="3010551853" sldId="306"/>
-            <ac:spMk id="6" creationId="{3D7486C6-7043-B45B-4BE4-7275BA897BFF}"/>
-          </ac:spMkLst>
-        </pc:spChg>
-        <pc:spChg chg="add mod">
-          <ac:chgData name="Benjamin Robert" userId="bdf697ffd98a8826" providerId="LiveId" clId="{606CDD9B-9A2D-4C79-85CC-421D0917595E}" dt="2023-11-08T08:05:49.829" v="3581" actId="1076"/>
-          <ac:spMkLst>
-            <pc:docMk/>
-            <pc:sldMk cId="3010551853" sldId="306"/>
-            <ac:spMk id="7" creationId="{5E573C1A-6CA1-0772-AE73-DC4D52F086DB}"/>
-          </ac:spMkLst>
-        </pc:spChg>
-        <pc:spChg chg="add del mod">
-          <ac:chgData name="Benjamin Robert" userId="bdf697ffd98a8826" providerId="LiveId" clId="{606CDD9B-9A2D-4C79-85CC-421D0917595E}" dt="2023-11-08T08:06:20.570" v="3601" actId="478"/>
-          <ac:spMkLst>
-            <pc:docMk/>
-            <pc:sldMk cId="3010551853" sldId="306"/>
-            <ac:spMk id="8" creationId="{D9359CE3-0E85-D6A1-317B-665E070452FB}"/>
-          </ac:spMkLst>
-        </pc:spChg>
-        <pc:spChg chg="add mod">
-          <ac:chgData name="Benjamin Robert" userId="bdf697ffd98a8826" providerId="LiveId" clId="{606CDD9B-9A2D-4C79-85CC-421D0917595E}" dt="2023-11-08T08:05:49.829" v="3581" actId="1076"/>
-          <ac:spMkLst>
-            <pc:docMk/>
-            <pc:sldMk cId="3010551853" sldId="306"/>
-            <ac:spMk id="9" creationId="{EE3AD891-566C-51AF-BA85-EDB026A77826}"/>
-          </ac:spMkLst>
-        </pc:spChg>
-        <pc:spChg chg="add del mod">
-          <ac:chgData name="Benjamin Robert" userId="bdf697ffd98a8826" providerId="LiveId" clId="{606CDD9B-9A2D-4C79-85CC-421D0917595E}" dt="2023-11-08T08:06:30.297" v="3604" actId="478"/>
-          <ac:spMkLst>
-            <pc:docMk/>
-            <pc:sldMk cId="3010551853" sldId="306"/>
-            <ac:spMk id="13" creationId="{86D13950-914A-53F9-D42E-7AEDED61DC9F}"/>
-          </ac:spMkLst>
-        </pc:spChg>
-        <pc:spChg chg="add mod">
-          <ac:chgData name="Benjamin Robert" userId="bdf697ffd98a8826" providerId="LiveId" clId="{606CDD9B-9A2D-4C79-85CC-421D0917595E}" dt="2023-11-08T08:06:02.298" v="3589" actId="1076"/>
-          <ac:spMkLst>
-            <pc:docMk/>
-            <pc:sldMk cId="3010551853" sldId="306"/>
-            <ac:spMk id="16" creationId="{9592DE47-DCFA-F2BF-DD66-E88257E12D91}"/>
-          </ac:spMkLst>
-        </pc:spChg>
-        <pc:spChg chg="add mod">
-          <ac:chgData name="Benjamin Robert" userId="bdf697ffd98a8826" providerId="LiveId" clId="{606CDD9B-9A2D-4C79-85CC-421D0917595E}" dt="2023-11-08T08:06:13.849" v="3600" actId="1076"/>
-          <ac:spMkLst>
-            <pc:docMk/>
-            <pc:sldMk cId="3010551853" sldId="306"/>
-            <ac:spMk id="17" creationId="{F7278D5B-8DC4-4771-CDDB-9138C3037F88}"/>
-          </ac:spMkLst>
-        </pc:spChg>
-        <pc:spChg chg="add mod">
-          <ac:chgData name="Benjamin Robert" userId="bdf697ffd98a8826" providerId="LiveId" clId="{606CDD9B-9A2D-4C79-85CC-421D0917595E}" dt="2023-11-08T08:06:24.042" v="3603" actId="1076"/>
-          <ac:spMkLst>
-            <pc:docMk/>
-            <pc:sldMk cId="3010551853" sldId="306"/>
-            <ac:spMk id="18" creationId="{51E915A1-79C1-7AC7-D490-2DCF90AF0D81}"/>
-          </ac:spMkLst>
-        </pc:spChg>
-        <pc:spChg chg="add mod">
-          <ac:chgData name="Benjamin Robert" userId="bdf697ffd98a8826" providerId="LiveId" clId="{606CDD9B-9A2D-4C79-85CC-421D0917595E}" dt="2023-11-08T08:06:38.417" v="3608" actId="1076"/>
-          <ac:spMkLst>
-            <pc:docMk/>
-            <pc:sldMk cId="3010551853" sldId="306"/>
-            <ac:spMk id="19" creationId="{3A1CF1DC-9F71-5D53-CEE9-6088FB987908}"/>
-          </ac:spMkLst>
-        </pc:spChg>
-        <pc:spChg chg="add mod">
-          <ac:chgData name="Benjamin Robert" userId="bdf697ffd98a8826" providerId="LiveId" clId="{606CDD9B-9A2D-4C79-85CC-421D0917595E}" dt="2023-11-08T08:07:21.620" v="3627" actId="1076"/>
-          <ac:spMkLst>
-            <pc:docMk/>
-            <pc:sldMk cId="3010551853" sldId="306"/>
-            <ac:spMk id="22" creationId="{52ED3C96-BAB4-5186-470A-C405873D77B3}"/>
-          </ac:spMkLst>
-        </pc:spChg>
-        <pc:cxnChg chg="add mod">
-          <ac:chgData name="Benjamin Robert" userId="bdf697ffd98a8826" providerId="LiveId" clId="{606CDD9B-9A2D-4C79-85CC-421D0917595E}" dt="2023-11-08T08:05:49.829" v="3581" actId="1076"/>
-          <ac:cxnSpMkLst>
-            <pc:docMk/>
-            <pc:sldMk cId="3010551853" sldId="306"/>
-            <ac:cxnSpMk id="5" creationId="{6E345DA3-47E4-F979-7231-3DB3A3518930}"/>
-          </ac:cxnSpMkLst>
-        </pc:cxnChg>
-        <pc:cxnChg chg="add mod">
-          <ac:chgData name="Benjamin Robert" userId="bdf697ffd98a8826" providerId="LiveId" clId="{606CDD9B-9A2D-4C79-85CC-421D0917595E}" dt="2023-11-08T08:05:49.829" v="3581" actId="1076"/>
-          <ac:cxnSpMkLst>
-            <pc:docMk/>
-            <pc:sldMk cId="3010551853" sldId="306"/>
-            <ac:cxnSpMk id="10" creationId="{2B20A9F3-F53A-755F-FA64-F8DFCDEFDCBD}"/>
-          </ac:cxnSpMkLst>
-        </pc:cxnChg>
-        <pc:cxnChg chg="add mod">
-          <ac:chgData name="Benjamin Robert" userId="bdf697ffd98a8826" providerId="LiveId" clId="{606CDD9B-9A2D-4C79-85CC-421D0917595E}" dt="2023-11-08T08:05:49.829" v="3581" actId="1076"/>
-          <ac:cxnSpMkLst>
-            <pc:docMk/>
-            <pc:sldMk cId="3010551853" sldId="306"/>
-            <ac:cxnSpMk id="11" creationId="{3D6D4228-B92E-477F-99FD-C8CAE404C57C}"/>
-          </ac:cxnSpMkLst>
-        </pc:cxnChg>
-        <pc:cxnChg chg="add mod">
-          <ac:chgData name="Benjamin Robert" userId="bdf697ffd98a8826" providerId="LiveId" clId="{606CDD9B-9A2D-4C79-85CC-421D0917595E}" dt="2023-11-08T08:05:49.829" v="3581" actId="1076"/>
-          <ac:cxnSpMkLst>
-            <pc:docMk/>
-            <pc:sldMk cId="3010551853" sldId="306"/>
-            <ac:cxnSpMk id="12" creationId="{41C1F5A1-D5F7-6DC9-5212-E78FA956BBEC}"/>
-          </ac:cxnSpMkLst>
-        </pc:cxnChg>
-        <pc:cxnChg chg="add del mod">
-          <ac:chgData name="Benjamin Robert" userId="bdf697ffd98a8826" providerId="LiveId" clId="{606CDD9B-9A2D-4C79-85CC-421D0917595E}" dt="2023-11-08T08:06:34.623" v="3606" actId="478"/>
-          <ac:cxnSpMkLst>
-            <pc:docMk/>
-            <pc:sldMk cId="3010551853" sldId="306"/>
-            <ac:cxnSpMk id="14" creationId="{927786D2-98E6-0E0A-F27F-EBAF36669498}"/>
-          </ac:cxnSpMkLst>
-        </pc:cxnChg>
-        <pc:cxnChg chg="add del mod">
-          <ac:chgData name="Benjamin Robert" userId="bdf697ffd98a8826" providerId="LiveId" clId="{606CDD9B-9A2D-4C79-85CC-421D0917595E}" dt="2023-11-08T08:06:33.093" v="3605" actId="478"/>
-          <ac:cxnSpMkLst>
-            <pc:docMk/>
-            <pc:sldMk cId="3010551853" sldId="306"/>
-            <ac:cxnSpMk id="15" creationId="{50ABC182-64BE-347F-A4AA-6C80BC43A45A}"/>
-          </ac:cxnSpMkLst>
-        </pc:cxnChg>
-        <pc:cxnChg chg="add mod">
-          <ac:chgData name="Benjamin Robert" userId="bdf697ffd98a8826" providerId="LiveId" clId="{606CDD9B-9A2D-4C79-85CC-421D0917595E}" dt="2023-11-08T08:06:38.417" v="3608" actId="1076"/>
-          <ac:cxnSpMkLst>
-            <pc:docMk/>
-            <pc:sldMk cId="3010551853" sldId="306"/>
-            <ac:cxnSpMk id="20" creationId="{92EF9C32-36DC-1898-FC54-64B97D046F07}"/>
-          </ac:cxnSpMkLst>
-        </pc:cxnChg>
-        <pc:cxnChg chg="add mod">
-          <ac:chgData name="Benjamin Robert" userId="bdf697ffd98a8826" providerId="LiveId" clId="{606CDD9B-9A2D-4C79-85CC-421D0917595E}" dt="2023-11-08T08:06:38.417" v="3608" actId="1076"/>
-          <ac:cxnSpMkLst>
-            <pc:docMk/>
-            <pc:sldMk cId="3010551853" sldId="306"/>
-            <ac:cxnSpMk id="21" creationId="{14CB224E-D6C0-E098-AB49-73CE5F0E1C7A}"/>
-          </ac:cxnSpMkLst>
-        </pc:cxnChg>
-        <pc:cxnChg chg="add mod">
-          <ac:chgData name="Benjamin Robert" userId="bdf697ffd98a8826" providerId="LiveId" clId="{606CDD9B-9A2D-4C79-85CC-421D0917595E}" dt="2023-11-08T08:07:18.775" v="3626" actId="208"/>
-          <ac:cxnSpMkLst>
-            <pc:docMk/>
-            <pc:sldMk cId="3010551853" sldId="306"/>
-            <ac:cxnSpMk id="24" creationId="{AA6B04A8-20E6-D9B2-16D3-C84205DA5BDE}"/>
-          </ac:cxnSpMkLst>
-        </pc:cxnChg>
       </pc:sldChg>
       <pc:sldChg chg="add">
         <pc:chgData name="Benjamin Robert" userId="bdf697ffd98a8826" providerId="LiveId" clId="{606CDD9B-9A2D-4C79-85CC-421D0917595E}" dt="2023-11-08T08:22:21.642" v="3753"/>
@@ -3539,182 +888,6 @@
           <pc:docMk/>
           <pc:sldMk cId="3077427466" sldId="307"/>
         </pc:sldMkLst>
-        <pc:spChg chg="mod">
-          <ac:chgData name="Benjamin Robert" userId="bdf697ffd98a8826" providerId="LiveId" clId="{606CDD9B-9A2D-4C79-85CC-421D0917595E}" dt="2023-11-08T08:25:32.833" v="3848" actId="20577"/>
-          <ac:spMkLst>
-            <pc:docMk/>
-            <pc:sldMk cId="3077427466" sldId="307"/>
-            <ac:spMk id="2" creationId="{61CD32C7-87C4-DAE8-FC1F-FB0B932233C0}"/>
-          </ac:spMkLst>
-        </pc:spChg>
-        <pc:spChg chg="del">
-          <ac:chgData name="Benjamin Robert" userId="bdf697ffd98a8826" providerId="LiveId" clId="{606CDD9B-9A2D-4C79-85CC-421D0917595E}" dt="2023-11-08T08:27:05.732" v="3849"/>
-          <ac:spMkLst>
-            <pc:docMk/>
-            <pc:sldMk cId="3077427466" sldId="307"/>
-            <ac:spMk id="3" creationId="{A3B027DB-77A0-26AB-A684-13C56A21EC2F}"/>
-          </ac:spMkLst>
-        </pc:spChg>
-        <pc:spChg chg="add mod">
-          <ac:chgData name="Benjamin Robert" userId="bdf697ffd98a8826" providerId="LiveId" clId="{606CDD9B-9A2D-4C79-85CC-421D0917595E}" dt="2023-11-08T08:31:49.744" v="4079" actId="6549"/>
-          <ac:spMkLst>
-            <pc:docMk/>
-            <pc:sldMk cId="3077427466" sldId="307"/>
-            <ac:spMk id="4" creationId="{576BDB51-4989-4EA7-8694-1E8FFB14F390}"/>
-          </ac:spMkLst>
-        </pc:spChg>
-        <pc:spChg chg="mod topLvl">
-          <ac:chgData name="Benjamin Robert" userId="bdf697ffd98a8826" providerId="LiveId" clId="{606CDD9B-9A2D-4C79-85CC-421D0917595E}" dt="2023-11-08T08:33:44.872" v="4120" actId="1076"/>
-          <ac:spMkLst>
-            <pc:docMk/>
-            <pc:sldMk cId="3077427466" sldId="307"/>
-            <ac:spMk id="6" creationId="{D266964C-776C-B669-7F6C-5D3A62DCF581}"/>
-          </ac:spMkLst>
-        </pc:spChg>
-        <pc:spChg chg="mod topLvl">
-          <ac:chgData name="Benjamin Robert" userId="bdf697ffd98a8826" providerId="LiveId" clId="{606CDD9B-9A2D-4C79-85CC-421D0917595E}" dt="2023-11-08T08:33:44.872" v="4120" actId="1076"/>
-          <ac:spMkLst>
-            <pc:docMk/>
-            <pc:sldMk cId="3077427466" sldId="307"/>
-            <ac:spMk id="7" creationId="{DEAF409C-9C42-A287-8AB8-C7F3BBFFC9AA}"/>
-          </ac:spMkLst>
-        </pc:spChg>
-        <pc:spChg chg="mod ord topLvl">
-          <ac:chgData name="Benjamin Robert" userId="bdf697ffd98a8826" providerId="LiveId" clId="{606CDD9B-9A2D-4C79-85CC-421D0917595E}" dt="2023-11-08T08:33:44.872" v="4120" actId="1076"/>
-          <ac:spMkLst>
-            <pc:docMk/>
-            <pc:sldMk cId="3077427466" sldId="307"/>
-            <ac:spMk id="8" creationId="{EBADDDEF-ADBD-5FA1-D12F-6C73EB79A25E}"/>
-          </ac:spMkLst>
-        </pc:spChg>
-        <pc:spChg chg="del mod topLvl">
-          <ac:chgData name="Benjamin Robert" userId="bdf697ffd98a8826" providerId="LiveId" clId="{606CDD9B-9A2D-4C79-85CC-421D0917595E}" dt="2023-11-08T08:32:09.831" v="4082" actId="478"/>
-          <ac:spMkLst>
-            <pc:docMk/>
-            <pc:sldMk cId="3077427466" sldId="307"/>
-            <ac:spMk id="11" creationId="{B62EE6E0-C52E-6A40-E161-2F9E06744C26}"/>
-          </ac:spMkLst>
-        </pc:spChg>
-        <pc:spChg chg="del mod topLvl">
-          <ac:chgData name="Benjamin Robert" userId="bdf697ffd98a8826" providerId="LiveId" clId="{606CDD9B-9A2D-4C79-85CC-421D0917595E}" dt="2023-11-08T08:32:09.831" v="4082" actId="478"/>
-          <ac:spMkLst>
-            <pc:docMk/>
-            <pc:sldMk cId="3077427466" sldId="307"/>
-            <ac:spMk id="13" creationId="{110BF380-9A85-512D-AAE1-B330521417F0}"/>
-          </ac:spMkLst>
-        </pc:spChg>
-        <pc:spChg chg="del mod topLvl">
-          <ac:chgData name="Benjamin Robert" userId="bdf697ffd98a8826" providerId="LiveId" clId="{606CDD9B-9A2D-4C79-85CC-421D0917595E}" dt="2023-11-08T08:32:09.831" v="4082" actId="478"/>
-          <ac:spMkLst>
-            <pc:docMk/>
-            <pc:sldMk cId="3077427466" sldId="307"/>
-            <ac:spMk id="14" creationId="{C6F68001-3148-D438-D677-6A15CBE6D13E}"/>
-          </ac:spMkLst>
-        </pc:spChg>
-        <pc:spChg chg="del mod topLvl">
-          <ac:chgData name="Benjamin Robert" userId="bdf697ffd98a8826" providerId="LiveId" clId="{606CDD9B-9A2D-4C79-85CC-421D0917595E}" dt="2023-11-08T08:32:09.831" v="4082" actId="478"/>
-          <ac:spMkLst>
-            <pc:docMk/>
-            <pc:sldMk cId="3077427466" sldId="307"/>
-            <ac:spMk id="16" creationId="{89BD7802-DC36-BFCB-5854-49615900F863}"/>
-          </ac:spMkLst>
-        </pc:spChg>
-        <pc:spChg chg="del mod topLvl">
-          <ac:chgData name="Benjamin Robert" userId="bdf697ffd98a8826" providerId="LiveId" clId="{606CDD9B-9A2D-4C79-85CC-421D0917595E}" dt="2023-11-08T08:32:09.831" v="4082" actId="478"/>
-          <ac:spMkLst>
-            <pc:docMk/>
-            <pc:sldMk cId="3077427466" sldId="307"/>
-            <ac:spMk id="17" creationId="{67169456-7886-E9AC-C95C-B22955AF98AE}"/>
-          </ac:spMkLst>
-        </pc:spChg>
-        <pc:spChg chg="mod topLvl">
-          <ac:chgData name="Benjamin Robert" userId="bdf697ffd98a8826" providerId="LiveId" clId="{606CDD9B-9A2D-4C79-85CC-421D0917595E}" dt="2023-11-08T08:33:44.872" v="4120" actId="1076"/>
-          <ac:spMkLst>
-            <pc:docMk/>
-            <pc:sldMk cId="3077427466" sldId="307"/>
-            <ac:spMk id="20" creationId="{52955DF1-CCFF-D24C-3AB1-8C0CE23115F9}"/>
-          </ac:spMkLst>
-        </pc:spChg>
-        <pc:spChg chg="mod topLvl">
-          <ac:chgData name="Benjamin Robert" userId="bdf697ffd98a8826" providerId="LiveId" clId="{606CDD9B-9A2D-4C79-85CC-421D0917595E}" dt="2023-11-08T08:33:44.872" v="4120" actId="1076"/>
-          <ac:spMkLst>
-            <pc:docMk/>
-            <pc:sldMk cId="3077427466" sldId="307"/>
-            <ac:spMk id="21" creationId="{1AB75AF9-1717-C37C-6131-4C4FCA4C52D7}"/>
-          </ac:spMkLst>
-        </pc:spChg>
-        <pc:spChg chg="add mod">
-          <ac:chgData name="Benjamin Robert" userId="bdf697ffd98a8826" providerId="LiveId" clId="{606CDD9B-9A2D-4C79-85CC-421D0917595E}" dt="2023-11-08T08:33:44.872" v="4120" actId="1076"/>
-          <ac:spMkLst>
-            <pc:docMk/>
-            <pc:sldMk cId="3077427466" sldId="307"/>
-            <ac:spMk id="22" creationId="{4969B4A4-E089-EF64-1D82-9E9D0C4F16DD}"/>
-          </ac:spMkLst>
-        </pc:spChg>
-        <pc:spChg chg="add mod">
-          <ac:chgData name="Benjamin Robert" userId="bdf697ffd98a8826" providerId="LiveId" clId="{606CDD9B-9A2D-4C79-85CC-421D0917595E}" dt="2023-11-08T08:33:44.872" v="4120" actId="1076"/>
-          <ac:spMkLst>
-            <pc:docMk/>
-            <pc:sldMk cId="3077427466" sldId="307"/>
-            <ac:spMk id="23" creationId="{EA44EF2A-EE98-B5C1-B2C9-3901141D8BE2}"/>
-          </ac:spMkLst>
-        </pc:spChg>
-        <pc:grpChg chg="add del mod">
-          <ac:chgData name="Benjamin Robert" userId="bdf697ffd98a8826" providerId="LiveId" clId="{606CDD9B-9A2D-4C79-85CC-421D0917595E}" dt="2023-11-08T08:32:03.064" v="4081" actId="165"/>
-          <ac:grpSpMkLst>
-            <pc:docMk/>
-            <pc:sldMk cId="3077427466" sldId="307"/>
-            <ac:grpSpMk id="5" creationId="{87D7A1F8-322B-9F07-3667-7B42EFECAFEB}"/>
-          </ac:grpSpMkLst>
-        </pc:grpChg>
-        <pc:picChg chg="mod topLvl">
-          <ac:chgData name="Benjamin Robert" userId="bdf697ffd98a8826" providerId="LiveId" clId="{606CDD9B-9A2D-4C79-85CC-421D0917595E}" dt="2023-11-08T08:33:44.872" v="4120" actId="1076"/>
-          <ac:picMkLst>
-            <pc:docMk/>
-            <pc:sldMk cId="3077427466" sldId="307"/>
-            <ac:picMk id="9" creationId="{D0A7D505-68DA-4EC0-9356-9FC1D0D96C3B}"/>
-          </ac:picMkLst>
-        </pc:picChg>
-        <pc:picChg chg="mod topLvl">
-          <ac:chgData name="Benjamin Robert" userId="bdf697ffd98a8826" providerId="LiveId" clId="{606CDD9B-9A2D-4C79-85CC-421D0917595E}" dt="2023-11-08T08:33:44.872" v="4120" actId="1076"/>
-          <ac:picMkLst>
-            <pc:docMk/>
-            <pc:sldMk cId="3077427466" sldId="307"/>
-            <ac:picMk id="10" creationId="{9C4D831F-3B8C-702A-267A-318F37A55DA7}"/>
-          </ac:picMkLst>
-        </pc:picChg>
-        <pc:picChg chg="del mod topLvl">
-          <ac:chgData name="Benjamin Robert" userId="bdf697ffd98a8826" providerId="LiveId" clId="{606CDD9B-9A2D-4C79-85CC-421D0917595E}" dt="2023-11-08T08:32:56.912" v="4105" actId="478"/>
-          <ac:picMkLst>
-            <pc:docMk/>
-            <pc:sldMk cId="3077427466" sldId="307"/>
-            <ac:picMk id="18" creationId="{27E8BAD8-DF92-014E-6B7C-A5DAF10FCA26}"/>
-          </ac:picMkLst>
-        </pc:picChg>
-        <pc:picChg chg="del mod topLvl">
-          <ac:chgData name="Benjamin Robert" userId="bdf697ffd98a8826" providerId="LiveId" clId="{606CDD9B-9A2D-4C79-85CC-421D0917595E}" dt="2023-11-08T08:32:56.386" v="4104" actId="478"/>
-          <ac:picMkLst>
-            <pc:docMk/>
-            <pc:sldMk cId="3077427466" sldId="307"/>
-            <ac:picMk id="19" creationId="{99402C89-D702-1ADA-A095-925ADA6DAE94}"/>
-          </ac:picMkLst>
-        </pc:picChg>
-        <pc:cxnChg chg="del mod topLvl">
-          <ac:chgData name="Benjamin Robert" userId="bdf697ffd98a8826" providerId="LiveId" clId="{606CDD9B-9A2D-4C79-85CC-421D0917595E}" dt="2023-11-08T08:32:09.831" v="4082" actId="478"/>
-          <ac:cxnSpMkLst>
-            <pc:docMk/>
-            <pc:sldMk cId="3077427466" sldId="307"/>
-            <ac:cxnSpMk id="12" creationId="{90DDAF5E-796C-65B3-949A-C246CB66CB36}"/>
-          </ac:cxnSpMkLst>
-        </pc:cxnChg>
-        <pc:cxnChg chg="del mod topLvl">
-          <ac:chgData name="Benjamin Robert" userId="bdf697ffd98a8826" providerId="LiveId" clId="{606CDD9B-9A2D-4C79-85CC-421D0917595E}" dt="2023-11-08T08:32:09.831" v="4082" actId="478"/>
-          <ac:cxnSpMkLst>
-            <pc:docMk/>
-            <pc:sldMk cId="3077427466" sldId="307"/>
-            <ac:cxnSpMk id="15" creationId="{67FDFECD-29CC-49E5-0393-C6AF1DE72C3F}"/>
-          </ac:cxnSpMkLst>
-        </pc:cxnChg>
       </pc:sldChg>
       <pc:sldChg chg="addSp delSp modSp add mod">
         <pc:chgData name="Benjamin Robert" userId="bdf697ffd98a8826" providerId="LiveId" clId="{606CDD9B-9A2D-4C79-85CC-421D0917595E}" dt="2023-11-08T16:46:28.957" v="4251" actId="1076"/>
@@ -3722,102 +895,6 @@
           <pc:docMk/>
           <pc:sldMk cId="4274768929" sldId="308"/>
         </pc:sldMkLst>
-        <pc:spChg chg="del mod">
-          <ac:chgData name="Benjamin Robert" userId="bdf697ffd98a8826" providerId="LiveId" clId="{606CDD9B-9A2D-4C79-85CC-421D0917595E}" dt="2023-11-08T16:42:48.942" v="4198" actId="478"/>
-          <ac:spMkLst>
-            <pc:docMk/>
-            <pc:sldMk cId="4274768929" sldId="308"/>
-            <ac:spMk id="2" creationId="{61CD32C7-87C4-DAE8-FC1F-FB0B932233C0}"/>
-          </ac:spMkLst>
-        </pc:spChg>
-        <pc:spChg chg="del">
-          <ac:chgData name="Benjamin Robert" userId="bdf697ffd98a8826" providerId="LiveId" clId="{606CDD9B-9A2D-4C79-85CC-421D0917595E}" dt="2023-11-08T16:42:23.349" v="4192" actId="478"/>
-          <ac:spMkLst>
-            <pc:docMk/>
-            <pc:sldMk cId="4274768929" sldId="308"/>
-            <ac:spMk id="4" creationId="{576BDB51-4989-4EA7-8694-1E8FFB14F390}"/>
-          </ac:spMkLst>
-        </pc:spChg>
-        <pc:spChg chg="add del mod">
-          <ac:chgData name="Benjamin Robert" userId="bdf697ffd98a8826" providerId="LiveId" clId="{606CDD9B-9A2D-4C79-85CC-421D0917595E}" dt="2023-11-08T16:42:26.091" v="4193" actId="478"/>
-          <ac:spMkLst>
-            <pc:docMk/>
-            <pc:sldMk cId="4274768929" sldId="308"/>
-            <ac:spMk id="5" creationId="{569975D3-1C10-67C6-2B85-086ECE0286D2}"/>
-          </ac:spMkLst>
-        </pc:spChg>
-        <pc:spChg chg="add mod">
-          <ac:chgData name="Benjamin Robert" userId="bdf697ffd98a8826" providerId="LiveId" clId="{606CDD9B-9A2D-4C79-85CC-421D0917595E}" dt="2023-11-08T16:43:11.996" v="4206" actId="14100"/>
-          <ac:spMkLst>
-            <pc:docMk/>
-            <pc:sldMk cId="4274768929" sldId="308"/>
-            <ac:spMk id="12" creationId="{7EF196B1-CC9F-4037-29B8-1C877C560130}"/>
-          </ac:spMkLst>
-        </pc:spChg>
-        <pc:spChg chg="add del mod">
-          <ac:chgData name="Benjamin Robert" userId="bdf697ffd98a8826" providerId="LiveId" clId="{606CDD9B-9A2D-4C79-85CC-421D0917595E}" dt="2023-11-08T16:42:51.078" v="4199" actId="478"/>
-          <ac:spMkLst>
-            <pc:docMk/>
-            <pc:sldMk cId="4274768929" sldId="308"/>
-            <ac:spMk id="14" creationId="{7EE26E67-AE3E-2EC6-E4B4-C0C905357F2B}"/>
-          </ac:spMkLst>
-        </pc:spChg>
-        <pc:spChg chg="add mod">
-          <ac:chgData name="Benjamin Robert" userId="bdf697ffd98a8826" providerId="LiveId" clId="{606CDD9B-9A2D-4C79-85CC-421D0917595E}" dt="2023-11-08T16:42:51.220" v="4200"/>
-          <ac:spMkLst>
-            <pc:docMk/>
-            <pc:sldMk cId="4274768929" sldId="308"/>
-            <ac:spMk id="15" creationId="{2EF18A2A-DB9B-956D-4C8B-4FE0F43623C2}"/>
-          </ac:spMkLst>
-        </pc:spChg>
-        <pc:spChg chg="add mod">
-          <ac:chgData name="Benjamin Robert" userId="bdf697ffd98a8826" providerId="LiveId" clId="{606CDD9B-9A2D-4C79-85CC-421D0917595E}" dt="2023-11-08T16:46:05.150" v="4246" actId="20577"/>
-          <ac:spMkLst>
-            <pc:docMk/>
-            <pc:sldMk cId="4274768929" sldId="308"/>
-            <ac:spMk id="16" creationId="{3639D746-B7F0-E935-A3F6-F41C64E423C1}"/>
-          </ac:spMkLst>
-        </pc:spChg>
-        <pc:spChg chg="add mod">
-          <ac:chgData name="Benjamin Robert" userId="bdf697ffd98a8826" providerId="LiveId" clId="{606CDD9B-9A2D-4C79-85CC-421D0917595E}" dt="2023-11-08T16:46:01.550" v="4244" actId="207"/>
-          <ac:spMkLst>
-            <pc:docMk/>
-            <pc:sldMk cId="4274768929" sldId="308"/>
-            <ac:spMk id="17" creationId="{5F87EF70-FBA2-B134-6BFA-3A33F8371B38}"/>
-          </ac:spMkLst>
-        </pc:spChg>
-        <pc:spChg chg="del">
-          <ac:chgData name="Benjamin Robert" userId="bdf697ffd98a8826" providerId="LiveId" clId="{606CDD9B-9A2D-4C79-85CC-421D0917595E}" dt="2023-11-08T16:45:23.114" v="4238" actId="478"/>
-          <ac:spMkLst>
-            <pc:docMk/>
-            <pc:sldMk cId="4274768929" sldId="308"/>
-            <ac:spMk id="20" creationId="{52955DF1-CCFF-D24C-3AB1-8C0CE23115F9}"/>
-          </ac:spMkLst>
-        </pc:spChg>
-        <pc:spChg chg="del">
-          <ac:chgData name="Benjamin Robert" userId="bdf697ffd98a8826" providerId="LiveId" clId="{606CDD9B-9A2D-4C79-85CC-421D0917595E}" dt="2023-11-08T16:45:06.704" v="4219" actId="478"/>
-          <ac:spMkLst>
-            <pc:docMk/>
-            <pc:sldMk cId="4274768929" sldId="308"/>
-            <ac:spMk id="21" creationId="{1AB75AF9-1717-C37C-6131-4C4FCA4C52D7}"/>
-          </ac:spMkLst>
-        </pc:spChg>
-        <pc:spChg chg="mod">
-          <ac:chgData name="Benjamin Robert" userId="bdf697ffd98a8826" providerId="LiveId" clId="{606CDD9B-9A2D-4C79-85CC-421D0917595E}" dt="2023-11-08T16:46:15.574" v="4249" actId="17032"/>
-          <ac:spMkLst>
-            <pc:docMk/>
-            <pc:sldMk cId="4274768929" sldId="308"/>
-            <ac:spMk id="22" creationId="{4969B4A4-E089-EF64-1D82-9E9D0C4F16DD}"/>
-          </ac:spMkLst>
-        </pc:spChg>
-        <pc:spChg chg="mod">
-          <ac:chgData name="Benjamin Robert" userId="bdf697ffd98a8826" providerId="LiveId" clId="{606CDD9B-9A2D-4C79-85CC-421D0917595E}" dt="2023-11-08T16:46:28.957" v="4251" actId="1076"/>
-          <ac:spMkLst>
-            <pc:docMk/>
-            <pc:sldMk cId="4274768929" sldId="308"/>
-            <ac:spMk id="23" creationId="{EA44EF2A-EE98-B5C1-B2C9-3901141D8BE2}"/>
-          </ac:spMkLst>
-        </pc:spChg>
       </pc:sldChg>
       <pc:sldChg chg="addSp delSp modSp add mod">
         <pc:chgData name="Benjamin Robert" userId="bdf697ffd98a8826" providerId="LiveId" clId="{606CDD9B-9A2D-4C79-85CC-421D0917595E}" dt="2023-11-08T16:32:45.776" v="4154" actId="20577"/>
@@ -3825,46 +902,6 @@
           <pc:docMk/>
           <pc:sldMk cId="3499746856" sldId="309"/>
         </pc:sldMkLst>
-        <pc:spChg chg="del">
-          <ac:chgData name="Benjamin Robert" userId="bdf697ffd98a8826" providerId="LiveId" clId="{606CDD9B-9A2D-4C79-85CC-421D0917595E}" dt="2023-11-08T16:21:09.870" v="4133" actId="478"/>
-          <ac:spMkLst>
-            <pc:docMk/>
-            <pc:sldMk cId="3499746856" sldId="309"/>
-            <ac:spMk id="2" creationId="{1A7542B3-115C-DCC9-7BD5-B7B64C9AE024}"/>
-          </ac:spMkLst>
-        </pc:spChg>
-        <pc:spChg chg="mod">
-          <ac:chgData name="Benjamin Robert" userId="bdf697ffd98a8826" providerId="LiveId" clId="{606CDD9B-9A2D-4C79-85CC-421D0917595E}" dt="2023-11-08T16:32:45.776" v="4154" actId="20577"/>
-          <ac:spMkLst>
-            <pc:docMk/>
-            <pc:sldMk cId="3499746856" sldId="309"/>
-            <ac:spMk id="4" creationId="{12D00488-109F-00CC-F29F-5E7D47B991D2}"/>
-          </ac:spMkLst>
-        </pc:spChg>
-        <pc:spChg chg="add del mod">
-          <ac:chgData name="Benjamin Robert" userId="bdf697ffd98a8826" providerId="LiveId" clId="{606CDD9B-9A2D-4C79-85CC-421D0917595E}" dt="2023-11-08T16:21:13.613" v="4136" actId="478"/>
-          <ac:spMkLst>
-            <pc:docMk/>
-            <pc:sldMk cId="3499746856" sldId="309"/>
-            <ac:spMk id="5" creationId="{146A5D60-1CAE-89F6-F395-7D464ECB6D80}"/>
-          </ac:spMkLst>
-        </pc:spChg>
-        <pc:spChg chg="add del mod">
-          <ac:chgData name="Benjamin Robert" userId="bdf697ffd98a8826" providerId="LiveId" clId="{606CDD9B-9A2D-4C79-85CC-421D0917595E}" dt="2023-11-08T16:21:11.842" v="4135"/>
-          <ac:spMkLst>
-            <pc:docMk/>
-            <pc:sldMk cId="3499746856" sldId="309"/>
-            <ac:spMk id="6" creationId="{AD81028D-9409-D2A3-B787-514AC8127D99}"/>
-          </ac:spMkLst>
-        </pc:spChg>
-        <pc:spChg chg="add mod">
-          <ac:chgData name="Benjamin Robert" userId="bdf697ffd98a8826" providerId="LiveId" clId="{606CDD9B-9A2D-4C79-85CC-421D0917595E}" dt="2023-11-08T16:21:13.703" v="4137"/>
-          <ac:spMkLst>
-            <pc:docMk/>
-            <pc:sldMk cId="3499746856" sldId="309"/>
-            <ac:spMk id="7" creationId="{C6C82393-949F-93A8-625A-5187A1CDD05A}"/>
-          </ac:spMkLst>
-        </pc:spChg>
       </pc:sldChg>
       <pc:sldChg chg="addSp delSp modSp add mod">
         <pc:chgData name="Benjamin Robert" userId="bdf697ffd98a8826" providerId="LiveId" clId="{606CDD9B-9A2D-4C79-85CC-421D0917595E}" dt="2023-11-08T16:39:26.947" v="4186" actId="22"/>
@@ -3872,38 +909,6 @@
           <pc:docMk/>
           <pc:sldMk cId="966098507" sldId="310"/>
         </pc:sldMkLst>
-        <pc:spChg chg="del">
-          <ac:chgData name="Benjamin Robert" userId="bdf697ffd98a8826" providerId="LiveId" clId="{606CDD9B-9A2D-4C79-85CC-421D0917595E}" dt="2023-11-08T16:32:51.140" v="4155" actId="478"/>
-          <ac:spMkLst>
-            <pc:docMk/>
-            <pc:sldMk cId="966098507" sldId="310"/>
-            <ac:spMk id="4" creationId="{12D00488-109F-00CC-F29F-5E7D47B991D2}"/>
-          </ac:spMkLst>
-        </pc:spChg>
-        <pc:spChg chg="add mod">
-          <ac:chgData name="Benjamin Robert" userId="bdf697ffd98a8826" providerId="LiveId" clId="{606CDD9B-9A2D-4C79-85CC-421D0917595E}" dt="2023-11-08T16:35:52.354" v="4184" actId="113"/>
-          <ac:spMkLst>
-            <pc:docMk/>
-            <pc:sldMk cId="966098507" sldId="310"/>
-            <ac:spMk id="5" creationId="{FAB7B7F2-766B-9CEF-385F-F5518DAA70D0}"/>
-          </ac:spMkLst>
-        </pc:spChg>
-        <pc:picChg chg="add mod">
-          <ac:chgData name="Benjamin Robert" userId="bdf697ffd98a8826" providerId="LiveId" clId="{606CDD9B-9A2D-4C79-85CC-421D0917595E}" dt="2023-11-08T16:35:25.084" v="4161" actId="1076"/>
-          <ac:picMkLst>
-            <pc:docMk/>
-            <pc:sldMk cId="966098507" sldId="310"/>
-            <ac:picMk id="3" creationId="{0599E9DC-FE20-3834-A015-3537ED5FA45F}"/>
-          </ac:picMkLst>
-        </pc:picChg>
-        <pc:picChg chg="add del">
-          <ac:chgData name="Benjamin Robert" userId="bdf697ffd98a8826" providerId="LiveId" clId="{606CDD9B-9A2D-4C79-85CC-421D0917595E}" dt="2023-11-08T16:39:26.947" v="4186" actId="22"/>
-          <ac:picMkLst>
-            <pc:docMk/>
-            <pc:sldMk cId="966098507" sldId="310"/>
-            <ac:picMk id="8" creationId="{ED48E598-56B5-A3FD-393D-6764809EE940}"/>
-          </ac:picMkLst>
-        </pc:picChg>
       </pc:sldChg>
       <pc:sldChg chg="addSp delSp modSp add mod">
         <pc:chgData name="Benjamin Robert" userId="bdf697ffd98a8826" providerId="LiveId" clId="{606CDD9B-9A2D-4C79-85CC-421D0917595E}" dt="2023-11-08T16:41:48.537" v="4191" actId="1076"/>
@@ -3911,22 +916,6 @@
           <pc:docMk/>
           <pc:sldMk cId="3522419719" sldId="311"/>
         </pc:sldMkLst>
-        <pc:picChg chg="del">
-          <ac:chgData name="Benjamin Robert" userId="bdf697ffd98a8826" providerId="LiveId" clId="{606CDD9B-9A2D-4C79-85CC-421D0917595E}" dt="2023-11-08T16:41:44.584" v="4188" actId="478"/>
-          <ac:picMkLst>
-            <pc:docMk/>
-            <pc:sldMk cId="3522419719" sldId="311"/>
-            <ac:picMk id="3" creationId="{0599E9DC-FE20-3834-A015-3537ED5FA45F}"/>
-          </ac:picMkLst>
-        </pc:picChg>
-        <pc:picChg chg="add mod">
-          <ac:chgData name="Benjamin Robert" userId="bdf697ffd98a8826" providerId="LiveId" clId="{606CDD9B-9A2D-4C79-85CC-421D0917595E}" dt="2023-11-08T16:41:48.537" v="4191" actId="1076"/>
-          <ac:picMkLst>
-            <pc:docMk/>
-            <pc:sldMk cId="3522419719" sldId="311"/>
-            <ac:picMk id="4" creationId="{029F3F89-4766-D550-4FE5-3F7B4AEFF47D}"/>
-          </ac:picMkLst>
-        </pc:picChg>
       </pc:sldChg>
       <pc:sldChg chg="delSp new mod">
         <pc:chgData name="Benjamin Robert" userId="bdf697ffd98a8826" providerId="LiveId" clId="{606CDD9B-9A2D-4C79-85CC-421D0917595E}" dt="2023-11-08T16:48:06.294" v="4253" actId="478"/>
@@ -3934,22 +923,6 @@
           <pc:docMk/>
           <pc:sldMk cId="102530017" sldId="312"/>
         </pc:sldMkLst>
-        <pc:spChg chg="del">
-          <ac:chgData name="Benjamin Robert" userId="bdf697ffd98a8826" providerId="LiveId" clId="{606CDD9B-9A2D-4C79-85CC-421D0917595E}" dt="2023-11-08T16:48:06.294" v="4253" actId="478"/>
-          <ac:spMkLst>
-            <pc:docMk/>
-            <pc:sldMk cId="102530017" sldId="312"/>
-            <ac:spMk id="2" creationId="{C14709A4-506D-3F60-F017-3E407E638CF9}"/>
-          </ac:spMkLst>
-        </pc:spChg>
-        <pc:spChg chg="del">
-          <ac:chgData name="Benjamin Robert" userId="bdf697ffd98a8826" providerId="LiveId" clId="{606CDD9B-9A2D-4C79-85CC-421D0917595E}" dt="2023-11-08T16:48:06.294" v="4253" actId="478"/>
-          <ac:spMkLst>
-            <pc:docMk/>
-            <pc:sldMk cId="102530017" sldId="312"/>
-            <ac:spMk id="3" creationId="{B12280DD-5E8F-4766-4122-85A77AA604E8}"/>
-          </ac:spMkLst>
-        </pc:spChg>
       </pc:sldChg>
       <pc:sldChg chg="addSp delSp modSp add mod">
         <pc:chgData name="Benjamin Robert" userId="bdf697ffd98a8826" providerId="LiveId" clId="{606CDD9B-9A2D-4C79-85CC-421D0917595E}" dt="2023-11-08T16:48:59.095" v="4262" actId="14100"/>
@@ -3957,22 +930,6 @@
           <pc:docMk/>
           <pc:sldMk cId="3076549120" sldId="313"/>
         </pc:sldMkLst>
-        <pc:spChg chg="del">
-          <ac:chgData name="Benjamin Robert" userId="bdf697ffd98a8826" providerId="LiveId" clId="{606CDD9B-9A2D-4C79-85CC-421D0917595E}" dt="2023-11-08T16:48:13.221" v="4255" actId="478"/>
-          <ac:spMkLst>
-            <pc:docMk/>
-            <pc:sldMk cId="3076549120" sldId="313"/>
-            <ac:spMk id="3" creationId="{ABE18F1F-4BA6-61D3-5F40-AD774C436CAC}"/>
-          </ac:spMkLst>
-        </pc:spChg>
-        <pc:spChg chg="add mod">
-          <ac:chgData name="Benjamin Robert" userId="bdf697ffd98a8826" providerId="LiveId" clId="{606CDD9B-9A2D-4C79-85CC-421D0917595E}" dt="2023-11-08T16:48:59.095" v="4262" actId="14100"/>
-          <ac:spMkLst>
-            <pc:docMk/>
-            <pc:sldMk cId="3076549120" sldId="313"/>
-            <ac:spMk id="5" creationId="{F81CAECB-F38D-4993-5C2B-409B032D6171}"/>
-          </ac:spMkLst>
-        </pc:spChg>
       </pc:sldChg>
       <pc:sldChg chg="modSp add mod">
         <pc:chgData name="Benjamin Robert" userId="bdf697ffd98a8826" providerId="LiveId" clId="{606CDD9B-9A2D-4C79-85CC-421D0917595E}" dt="2023-11-08T16:48:52.992" v="4260" actId="400"/>
@@ -3980,14 +937,6 @@
           <pc:docMk/>
           <pc:sldMk cId="1476768358" sldId="314"/>
         </pc:sldMkLst>
-        <pc:spChg chg="mod">
-          <ac:chgData name="Benjamin Robert" userId="bdf697ffd98a8826" providerId="LiveId" clId="{606CDD9B-9A2D-4C79-85CC-421D0917595E}" dt="2023-11-08T16:48:52.992" v="4260" actId="400"/>
-          <ac:spMkLst>
-            <pc:docMk/>
-            <pc:sldMk cId="1476768358" sldId="314"/>
-            <ac:spMk id="5" creationId="{F81CAECB-F38D-4993-5C2B-409B032D6171}"/>
-          </ac:spMkLst>
-        </pc:spChg>
       </pc:sldChg>
       <pc:sldChg chg="addSp delSp modSp add mod">
         <pc:chgData name="Benjamin Robert" userId="bdf697ffd98a8826" providerId="LiveId" clId="{606CDD9B-9A2D-4C79-85CC-421D0917595E}" dt="2023-11-08T16:52:45.146" v="4320" actId="12"/>
@@ -3995,38 +944,6 @@
           <pc:docMk/>
           <pc:sldMk cId="410452301" sldId="315"/>
         </pc:sldMkLst>
-        <pc:spChg chg="add del mod">
-          <ac:chgData name="Benjamin Robert" userId="bdf697ffd98a8826" providerId="LiveId" clId="{606CDD9B-9A2D-4C79-85CC-421D0917595E}" dt="2023-11-08T16:50:24.797" v="4297"/>
-          <ac:spMkLst>
-            <pc:docMk/>
-            <pc:sldMk cId="410452301" sldId="315"/>
-            <ac:spMk id="3" creationId="{865A6160-F432-BF7F-4AC6-61266206215F}"/>
-          </ac:spMkLst>
-        </pc:spChg>
-        <pc:spChg chg="add del">
-          <ac:chgData name="Benjamin Robert" userId="bdf697ffd98a8826" providerId="LiveId" clId="{606CDD9B-9A2D-4C79-85CC-421D0917595E}" dt="2023-11-08T16:50:34.508" v="4301"/>
-          <ac:spMkLst>
-            <pc:docMk/>
-            <pc:sldMk cId="410452301" sldId="315"/>
-            <ac:spMk id="4" creationId="{E4B6D111-7AE4-D9A3-60F1-F173A55674D3}"/>
-          </ac:spMkLst>
-        </pc:spChg>
-        <pc:spChg chg="del">
-          <ac:chgData name="Benjamin Robert" userId="bdf697ffd98a8826" providerId="LiveId" clId="{606CDD9B-9A2D-4C79-85CC-421D0917595E}" dt="2023-11-08T16:49:26.002" v="4270" actId="478"/>
-          <ac:spMkLst>
-            <pc:docMk/>
-            <pc:sldMk cId="410452301" sldId="315"/>
-            <ac:spMk id="5" creationId="{F81CAECB-F38D-4993-5C2B-409B032D6171}"/>
-          </ac:spMkLst>
-        </pc:spChg>
-        <pc:spChg chg="add mod">
-          <ac:chgData name="Benjamin Robert" userId="bdf697ffd98a8826" providerId="LiveId" clId="{606CDD9B-9A2D-4C79-85CC-421D0917595E}" dt="2023-11-08T16:52:45.146" v="4320" actId="12"/>
-          <ac:spMkLst>
-            <pc:docMk/>
-            <pc:sldMk cId="410452301" sldId="315"/>
-            <ac:spMk id="7" creationId="{5CD34477-4E20-8564-A83A-3B50443D1A70}"/>
-          </ac:spMkLst>
-        </pc:spChg>
       </pc:sldChg>
       <pc:sldChg chg="addSp modSp add mod">
         <pc:chgData name="Benjamin Robert" userId="bdf697ffd98a8826" providerId="LiveId" clId="{606CDD9B-9A2D-4C79-85CC-421D0917595E}" dt="2023-11-08T16:53:08.438" v="4324" actId="400"/>
@@ -4034,14 +951,6 @@
           <pc:docMk/>
           <pc:sldMk cId="15121075" sldId="316"/>
         </pc:sldMkLst>
-        <pc:spChg chg="add mod">
-          <ac:chgData name="Benjamin Robert" userId="bdf697ffd98a8826" providerId="LiveId" clId="{606CDD9B-9A2D-4C79-85CC-421D0917595E}" dt="2023-11-08T16:53:08.438" v="4324" actId="400"/>
-          <ac:spMkLst>
-            <pc:docMk/>
-            <pc:sldMk cId="15121075" sldId="316"/>
-            <ac:spMk id="3" creationId="{4E1BD372-EDEC-4830-9F41-749FCF024D8F}"/>
-          </ac:spMkLst>
-        </pc:spChg>
       </pc:sldChg>
       <pc:sldChg chg="add del">
         <pc:chgData name="Benjamin Robert" userId="bdf697ffd98a8826" providerId="LiveId" clId="{606CDD9B-9A2D-4C79-85CC-421D0917595E}" dt="2023-11-08T16:49:21.664" v="4269"/>
@@ -4063,14 +972,6 @@
           <pc:docMk/>
           <pc:sldMk cId="655634133" sldId="317"/>
         </pc:sldMkLst>
-        <pc:spChg chg="add mod">
-          <ac:chgData name="Benjamin Robert" userId="bdf697ffd98a8826" providerId="LiveId" clId="{606CDD9B-9A2D-4C79-85CC-421D0917595E}" dt="2023-11-08T16:55:16.037" v="4339" actId="207"/>
-          <ac:spMkLst>
-            <pc:docMk/>
-            <pc:sldMk cId="655634133" sldId="317"/>
-            <ac:spMk id="4" creationId="{117B887F-4F97-DE38-64D0-2FC9D0D3CA16}"/>
-          </ac:spMkLst>
-        </pc:spChg>
       </pc:sldChg>
       <pc:sldChg chg="add del">
         <pc:chgData name="Benjamin Robert" userId="bdf697ffd98a8826" providerId="LiveId" clId="{606CDD9B-9A2D-4C79-85CC-421D0917595E}" dt="2023-11-08T16:49:33.787" v="4273"/>
@@ -4092,22 +993,6 @@
           <pc:docMk/>
           <pc:sldMk cId="2089735605" sldId="318"/>
         </pc:sldMkLst>
-        <pc:spChg chg="add del mod">
-          <ac:chgData name="Benjamin Robert" userId="bdf697ffd98a8826" providerId="LiveId" clId="{606CDD9B-9A2D-4C79-85CC-421D0917595E}" dt="2023-11-08T16:55:25.511" v="4340" actId="478"/>
-          <ac:spMkLst>
-            <pc:docMk/>
-            <pc:sldMk cId="2089735605" sldId="318"/>
-            <ac:spMk id="3" creationId="{2E51A24B-CAC8-F4D7-80FC-3A3484BA09B5}"/>
-          </ac:spMkLst>
-        </pc:spChg>
-        <pc:spChg chg="add mod">
-          <ac:chgData name="Benjamin Robert" userId="bdf697ffd98a8826" providerId="LiveId" clId="{606CDD9B-9A2D-4C79-85CC-421D0917595E}" dt="2023-11-08T16:55:47.749" v="4344" actId="12"/>
-          <ac:spMkLst>
-            <pc:docMk/>
-            <pc:sldMk cId="2089735605" sldId="318"/>
-            <ac:spMk id="4" creationId="{E39C0BF5-6A1F-B40F-445F-3B826A7CE329}"/>
-          </ac:spMkLst>
-        </pc:spChg>
       </pc:sldChg>
       <pc:sldChg chg="add del">
         <pc:chgData name="Benjamin Robert" userId="bdf697ffd98a8826" providerId="LiveId" clId="{606CDD9B-9A2D-4C79-85CC-421D0917595E}" dt="2023-11-08T16:49:21.215" v="4267"/>
@@ -4122,46 +1007,6 @@
           <pc:docMk/>
           <pc:sldMk cId="4080522885" sldId="319"/>
         </pc:sldMkLst>
-        <pc:spChg chg="add del">
-          <ac:chgData name="Benjamin Robert" userId="bdf697ffd98a8826" providerId="LiveId" clId="{606CDD9B-9A2D-4C79-85CC-421D0917595E}" dt="2023-11-08T16:56:10.729" v="4346"/>
-          <ac:spMkLst>
-            <pc:docMk/>
-            <pc:sldMk cId="4080522885" sldId="319"/>
-            <ac:spMk id="3" creationId="{59C872A4-43F3-22AC-17A7-319FA916DF95}"/>
-          </ac:spMkLst>
-        </pc:spChg>
-        <pc:spChg chg="add mod">
-          <ac:chgData name="Benjamin Robert" userId="bdf697ffd98a8826" providerId="LiveId" clId="{606CDD9B-9A2D-4C79-85CC-421D0917595E}" dt="2023-11-08T16:56:57.066" v="4357" actId="12"/>
-          <ac:spMkLst>
-            <pc:docMk/>
-            <pc:sldMk cId="4080522885" sldId="319"/>
-            <ac:spMk id="5" creationId="{7539C31E-9D97-0164-2CFA-AF82E454872A}"/>
-          </ac:spMkLst>
-        </pc:spChg>
-        <pc:spChg chg="add mod">
-          <ac:chgData name="Benjamin Robert" userId="bdf697ffd98a8826" providerId="LiveId" clId="{606CDD9B-9A2D-4C79-85CC-421D0917595E}" dt="2023-11-08T16:58:11.441" v="4476" actId="552"/>
-          <ac:spMkLst>
-            <pc:docMk/>
-            <pc:sldMk cId="4080522885" sldId="319"/>
-            <ac:spMk id="6" creationId="{E0C6067A-8D5C-D3B5-1C1D-E468736D8F20}"/>
-          </ac:spMkLst>
-        </pc:spChg>
-        <pc:spChg chg="add mod">
-          <ac:chgData name="Benjamin Robert" userId="bdf697ffd98a8826" providerId="LiveId" clId="{606CDD9B-9A2D-4C79-85CC-421D0917595E}" dt="2023-11-08T16:58:11.441" v="4476" actId="552"/>
-          <ac:spMkLst>
-            <pc:docMk/>
-            <pc:sldMk cId="4080522885" sldId="319"/>
-            <ac:spMk id="7" creationId="{488BB1EA-DA62-42FC-ECDA-A2A2F39F352A}"/>
-          </ac:spMkLst>
-        </pc:spChg>
-        <pc:spChg chg="add mod">
-          <ac:chgData name="Benjamin Robert" userId="bdf697ffd98a8826" providerId="LiveId" clId="{606CDD9B-9A2D-4C79-85CC-421D0917595E}" dt="2023-11-08T16:58:11.441" v="4476" actId="552"/>
-          <ac:spMkLst>
-            <pc:docMk/>
-            <pc:sldMk cId="4080522885" sldId="319"/>
-            <ac:spMk id="8" creationId="{CCB435DF-144F-1E10-FA8C-26C6E6A50F78}"/>
-          </ac:spMkLst>
-        </pc:spChg>
       </pc:sldChg>
       <pc:sldChg chg="addSp delSp modSp add mod">
         <pc:chgData name="Benjamin Robert" userId="bdf697ffd98a8826" providerId="LiveId" clId="{606CDD9B-9A2D-4C79-85CC-421D0917595E}" dt="2023-11-08T16:59:20.644" v="4485" actId="1076"/>
@@ -4169,54 +1014,6 @@
           <pc:docMk/>
           <pc:sldMk cId="1302240741" sldId="320"/>
         </pc:sldMkLst>
-        <pc:spChg chg="add del mod">
-          <ac:chgData name="Benjamin Robert" userId="bdf697ffd98a8826" providerId="LiveId" clId="{606CDD9B-9A2D-4C79-85CC-421D0917595E}" dt="2023-11-08T16:58:24.688" v="4478"/>
-          <ac:spMkLst>
-            <pc:docMk/>
-            <pc:sldMk cId="1302240741" sldId="320"/>
-            <ac:spMk id="3" creationId="{029A6F2F-0FA7-5CD6-65DE-E1D9DB1B36F8}"/>
-          </ac:spMkLst>
-        </pc:spChg>
-        <pc:spChg chg="add mod">
-          <ac:chgData name="Benjamin Robert" userId="bdf697ffd98a8826" providerId="LiveId" clId="{606CDD9B-9A2D-4C79-85CC-421D0917595E}" dt="2023-11-08T16:58:40.752" v="4481" actId="400"/>
-          <ac:spMkLst>
-            <pc:docMk/>
-            <pc:sldMk cId="1302240741" sldId="320"/>
-            <ac:spMk id="4" creationId="{9165076B-2AD0-68B7-0EBF-57165B9D728A}"/>
-          </ac:spMkLst>
-        </pc:spChg>
-        <pc:spChg chg="add mod">
-          <ac:chgData name="Benjamin Robert" userId="bdf697ffd98a8826" providerId="LiveId" clId="{606CDD9B-9A2D-4C79-85CC-421D0917595E}" dt="2023-11-08T16:58:29.185" v="4479"/>
-          <ac:spMkLst>
-            <pc:docMk/>
-            <pc:sldMk cId="1302240741" sldId="320"/>
-            <ac:spMk id="5" creationId="{5BBB43E6-17A1-2D03-79F1-3306FF16AF91}"/>
-          </ac:spMkLst>
-        </pc:spChg>
-        <pc:spChg chg="add del mod">
-          <ac:chgData name="Benjamin Robert" userId="bdf697ffd98a8826" providerId="LiveId" clId="{606CDD9B-9A2D-4C79-85CC-421D0917595E}" dt="2023-11-08T16:58:47.908" v="4482" actId="478"/>
-          <ac:spMkLst>
-            <pc:docMk/>
-            <pc:sldMk cId="1302240741" sldId="320"/>
-            <ac:spMk id="6" creationId="{9D406957-DA52-DD4F-4152-65DE529BAEA1}"/>
-          </ac:spMkLst>
-        </pc:spChg>
-        <pc:spChg chg="add mod">
-          <ac:chgData name="Benjamin Robert" userId="bdf697ffd98a8826" providerId="LiveId" clId="{606CDD9B-9A2D-4C79-85CC-421D0917595E}" dt="2023-11-08T16:58:29.185" v="4479"/>
-          <ac:spMkLst>
-            <pc:docMk/>
-            <pc:sldMk cId="1302240741" sldId="320"/>
-            <ac:spMk id="7" creationId="{65EA8DC3-F87B-EDFC-498B-3DC82B973E1C}"/>
-          </ac:spMkLst>
-        </pc:spChg>
-        <pc:picChg chg="add mod">
-          <ac:chgData name="Benjamin Robert" userId="bdf697ffd98a8826" providerId="LiveId" clId="{606CDD9B-9A2D-4C79-85CC-421D0917595E}" dt="2023-11-08T16:59:20.644" v="4485" actId="1076"/>
-          <ac:picMkLst>
-            <pc:docMk/>
-            <pc:sldMk cId="1302240741" sldId="320"/>
-            <ac:picMk id="9" creationId="{A3FAB44A-AED3-2C5D-F631-86625B167D6B}"/>
-          </ac:picMkLst>
-        </pc:picChg>
       </pc:sldChg>
       <pc:sldChg chg="addSp delSp modSp add mod">
         <pc:chgData name="Benjamin Robert" userId="bdf697ffd98a8826" providerId="LiveId" clId="{606CDD9B-9A2D-4C79-85CC-421D0917595E}" dt="2023-11-08T17:17:59.809" v="4668" actId="20577"/>
@@ -4224,54 +1021,6 @@
           <pc:docMk/>
           <pc:sldMk cId="3364691786" sldId="321"/>
         </pc:sldMkLst>
-        <pc:spChg chg="add del">
-          <ac:chgData name="Benjamin Robert" userId="bdf697ffd98a8826" providerId="LiveId" clId="{606CDD9B-9A2D-4C79-85CC-421D0917595E}" dt="2023-11-08T16:59:43.726" v="4487"/>
-          <ac:spMkLst>
-            <pc:docMk/>
-            <pc:sldMk cId="3364691786" sldId="321"/>
-            <ac:spMk id="3" creationId="{B159DC68-77F8-455D-3553-789D24C65C00}"/>
-          </ac:spMkLst>
-        </pc:spChg>
-        <pc:spChg chg="add mod">
-          <ac:chgData name="Benjamin Robert" userId="bdf697ffd98a8826" providerId="LiveId" clId="{606CDD9B-9A2D-4C79-85CC-421D0917595E}" dt="2023-11-08T17:17:59.809" v="4668" actId="20577"/>
-          <ac:spMkLst>
-            <pc:docMk/>
-            <pc:sldMk cId="3364691786" sldId="321"/>
-            <ac:spMk id="5" creationId="{A35E004F-A784-20CD-0FC6-62181A64B7D8}"/>
-          </ac:spMkLst>
-        </pc:spChg>
-        <pc:spChg chg="add mod">
-          <ac:chgData name="Benjamin Robert" userId="bdf697ffd98a8826" providerId="LiveId" clId="{606CDD9B-9A2D-4C79-85CC-421D0917595E}" dt="2023-11-08T17:03:30.071" v="4549" actId="1076"/>
-          <ac:spMkLst>
-            <pc:docMk/>
-            <pc:sldMk cId="3364691786" sldId="321"/>
-            <ac:spMk id="6" creationId="{5FDA81BD-6D10-A346-B6E7-A0976975F1B0}"/>
-          </ac:spMkLst>
-        </pc:spChg>
-        <pc:spChg chg="add mod">
-          <ac:chgData name="Benjamin Robert" userId="bdf697ffd98a8826" providerId="LiveId" clId="{606CDD9B-9A2D-4C79-85CC-421D0917595E}" dt="2023-11-08T17:03:13.918" v="4546" actId="1076"/>
-          <ac:spMkLst>
-            <pc:docMk/>
-            <pc:sldMk cId="3364691786" sldId="321"/>
-            <ac:spMk id="7" creationId="{B7E52D29-ECA4-48B0-A8B9-FEC7F2D9FCED}"/>
-          </ac:spMkLst>
-        </pc:spChg>
-        <pc:spChg chg="add mod">
-          <ac:chgData name="Benjamin Robert" userId="bdf697ffd98a8826" providerId="LiveId" clId="{606CDD9B-9A2D-4C79-85CC-421D0917595E}" dt="2023-11-08T17:03:23.858" v="4548" actId="1076"/>
-          <ac:spMkLst>
-            <pc:docMk/>
-            <pc:sldMk cId="3364691786" sldId="321"/>
-            <ac:spMk id="8" creationId="{769BF516-2E54-A060-CAC5-94EFB2A51244}"/>
-          </ac:spMkLst>
-        </pc:spChg>
-        <pc:spChg chg="add mod">
-          <ac:chgData name="Benjamin Robert" userId="bdf697ffd98a8826" providerId="LiveId" clId="{606CDD9B-9A2D-4C79-85CC-421D0917595E}" dt="2023-11-08T17:03:23.858" v="4548" actId="1076"/>
-          <ac:spMkLst>
-            <pc:docMk/>
-            <pc:sldMk cId="3364691786" sldId="321"/>
-            <ac:spMk id="9" creationId="{9030A493-0FAB-76FB-3BAB-002BDF6283FF}"/>
-          </ac:spMkLst>
-        </pc:spChg>
       </pc:sldChg>
       <pc:sldChg chg="addSp delSp modSp add mod">
         <pc:chgData name="Benjamin Robert" userId="bdf697ffd98a8826" providerId="LiveId" clId="{606CDD9B-9A2D-4C79-85CC-421D0917595E}" dt="2023-11-08T17:06:15.111" v="4564" actId="400"/>
@@ -4279,54 +1028,6 @@
           <pc:docMk/>
           <pc:sldMk cId="1130772838" sldId="322"/>
         </pc:sldMkLst>
-        <pc:spChg chg="add mod">
-          <ac:chgData name="Benjamin Robert" userId="bdf697ffd98a8826" providerId="LiveId" clId="{606CDD9B-9A2D-4C79-85CC-421D0917595E}" dt="2023-11-08T17:06:15.111" v="4564" actId="400"/>
-          <ac:spMkLst>
-            <pc:docMk/>
-            <pc:sldMk cId="1130772838" sldId="322"/>
-            <ac:spMk id="3" creationId="{4CE67F81-B494-3C26-8CF4-7F8EEE1CE9A1}"/>
-          </ac:spMkLst>
-        </pc:spChg>
-        <pc:spChg chg="add del mod">
-          <ac:chgData name="Benjamin Robert" userId="bdf697ffd98a8826" providerId="LiveId" clId="{606CDD9B-9A2D-4C79-85CC-421D0917595E}" dt="2023-11-08T17:05:30.126" v="4553" actId="478"/>
-          <ac:spMkLst>
-            <pc:docMk/>
-            <pc:sldMk cId="1130772838" sldId="322"/>
-            <ac:spMk id="4" creationId="{A05FF2EB-2F19-2157-8053-96B92C8AFFF3}"/>
-          </ac:spMkLst>
-        </pc:spChg>
-        <pc:spChg chg="add mod">
-          <ac:chgData name="Benjamin Robert" userId="bdf697ffd98a8826" providerId="LiveId" clId="{606CDD9B-9A2D-4C79-85CC-421D0917595E}" dt="2023-11-08T17:03:46.824" v="4550"/>
-          <ac:spMkLst>
-            <pc:docMk/>
-            <pc:sldMk cId="1130772838" sldId="322"/>
-            <ac:spMk id="5" creationId="{F69C4C48-8184-F226-1B65-9CEF7C8738E1}"/>
-          </ac:spMkLst>
-        </pc:spChg>
-        <pc:spChg chg="add mod">
-          <ac:chgData name="Benjamin Robert" userId="bdf697ffd98a8826" providerId="LiveId" clId="{606CDD9B-9A2D-4C79-85CC-421D0917595E}" dt="2023-11-08T17:03:46.824" v="4550"/>
-          <ac:spMkLst>
-            <pc:docMk/>
-            <pc:sldMk cId="1130772838" sldId="322"/>
-            <ac:spMk id="6" creationId="{F6AE6573-CA90-721A-984C-00DA489CD6B2}"/>
-          </ac:spMkLst>
-        </pc:spChg>
-        <pc:spChg chg="add mod">
-          <ac:chgData name="Benjamin Robert" userId="bdf697ffd98a8826" providerId="LiveId" clId="{606CDD9B-9A2D-4C79-85CC-421D0917595E}" dt="2023-11-08T17:03:46.824" v="4550"/>
-          <ac:spMkLst>
-            <pc:docMk/>
-            <pc:sldMk cId="1130772838" sldId="322"/>
-            <ac:spMk id="7" creationId="{C900C57E-0E73-5670-51C2-688BF4965DED}"/>
-          </ac:spMkLst>
-        </pc:spChg>
-        <pc:picChg chg="add mod">
-          <ac:chgData name="Benjamin Robert" userId="bdf697ffd98a8826" providerId="LiveId" clId="{606CDD9B-9A2D-4C79-85CC-421D0917595E}" dt="2023-11-08T17:05:32.068" v="4554" actId="1076"/>
-          <ac:picMkLst>
-            <pc:docMk/>
-            <pc:sldMk cId="1130772838" sldId="322"/>
-            <ac:picMk id="8" creationId="{FBA4A771-169F-BF78-FC9C-C4A02B028A4D}"/>
-          </ac:picMkLst>
-        </pc:picChg>
       </pc:sldChg>
       <pc:sldChg chg="addSp delSp modSp add mod">
         <pc:chgData name="Benjamin Robert" userId="bdf697ffd98a8826" providerId="LiveId" clId="{606CDD9B-9A2D-4C79-85CC-421D0917595E}" dt="2023-11-08T17:07:17.850" v="4583" actId="1076"/>
@@ -4334,22 +1035,6 @@
           <pc:docMk/>
           <pc:sldMk cId="558224691" sldId="323"/>
         </pc:sldMkLst>
-        <pc:spChg chg="add del">
-          <ac:chgData name="Benjamin Robert" userId="bdf697ffd98a8826" providerId="LiveId" clId="{606CDD9B-9A2D-4C79-85CC-421D0917595E}" dt="2023-11-08T17:06:47.929" v="4572"/>
-          <ac:spMkLst>
-            <pc:docMk/>
-            <pc:sldMk cId="558224691" sldId="323"/>
-            <ac:spMk id="3" creationId="{FD9685F0-8C3D-F2D2-D4EA-EC3F375BA14B}"/>
-          </ac:spMkLst>
-        </pc:spChg>
-        <pc:spChg chg="add mod">
-          <ac:chgData name="Benjamin Robert" userId="bdf697ffd98a8826" providerId="LiveId" clId="{606CDD9B-9A2D-4C79-85CC-421D0917595E}" dt="2023-11-08T17:07:17.850" v="4583" actId="1076"/>
-          <ac:spMkLst>
-            <pc:docMk/>
-            <pc:sldMk cId="558224691" sldId="323"/>
-            <ac:spMk id="5" creationId="{D63D313F-33F5-03CD-23FE-596CB716FD90}"/>
-          </ac:spMkLst>
-        </pc:spChg>
       </pc:sldChg>
       <pc:sldChg chg="addSp modSp add mod">
         <pc:chgData name="Benjamin Robert" userId="bdf697ffd98a8826" providerId="LiveId" clId="{606CDD9B-9A2D-4C79-85CC-421D0917595E}" dt="2023-11-08T17:07:50.296" v="4588" actId="400"/>
@@ -4357,14 +1042,6 @@
           <pc:docMk/>
           <pc:sldMk cId="615366645" sldId="324"/>
         </pc:sldMkLst>
-        <pc:spChg chg="add mod">
-          <ac:chgData name="Benjamin Robert" userId="bdf697ffd98a8826" providerId="LiveId" clId="{606CDD9B-9A2D-4C79-85CC-421D0917595E}" dt="2023-11-08T17:07:50.296" v="4588" actId="400"/>
-          <ac:spMkLst>
-            <pc:docMk/>
-            <pc:sldMk cId="615366645" sldId="324"/>
-            <ac:spMk id="3" creationId="{AE88C5F2-21BC-8C51-91B8-96616D212A54}"/>
-          </ac:spMkLst>
-        </pc:spChg>
       </pc:sldChg>
       <pc:sldChg chg="addSp delSp modSp add mod">
         <pc:chgData name="Benjamin Robert" userId="bdf697ffd98a8826" providerId="LiveId" clId="{606CDD9B-9A2D-4C79-85CC-421D0917595E}" dt="2023-11-08T17:08:54.481" v="4626" actId="1038"/>
@@ -4372,54 +1049,6 @@
           <pc:docMk/>
           <pc:sldMk cId="260925361" sldId="325"/>
         </pc:sldMkLst>
-        <pc:spChg chg="add del">
-          <ac:chgData name="Benjamin Robert" userId="bdf697ffd98a8826" providerId="LiveId" clId="{606CDD9B-9A2D-4C79-85CC-421D0917595E}" dt="2023-11-08T17:08:05.259" v="4590"/>
-          <ac:spMkLst>
-            <pc:docMk/>
-            <pc:sldMk cId="260925361" sldId="325"/>
-            <ac:spMk id="3" creationId="{C1D3CCB6-335E-3ECA-256E-4EB7253EB40F}"/>
-          </ac:spMkLst>
-        </pc:spChg>
-        <pc:spChg chg="add mod">
-          <ac:chgData name="Benjamin Robert" userId="bdf697ffd98a8826" providerId="LiveId" clId="{606CDD9B-9A2D-4C79-85CC-421D0917595E}" dt="2023-11-08T17:08:48.507" v="4603" actId="15"/>
-          <ac:spMkLst>
-            <pc:docMk/>
-            <pc:sldMk cId="260925361" sldId="325"/>
-            <ac:spMk id="5" creationId="{7FD7EC98-19D9-8AE6-4F59-E7410C449799}"/>
-          </ac:spMkLst>
-        </pc:spChg>
-        <pc:spChg chg="add mod">
-          <ac:chgData name="Benjamin Robert" userId="bdf697ffd98a8826" providerId="LiveId" clId="{606CDD9B-9A2D-4C79-85CC-421D0917595E}" dt="2023-11-08T17:08:54.481" v="4626" actId="1038"/>
-          <ac:spMkLst>
-            <pc:docMk/>
-            <pc:sldMk cId="260925361" sldId="325"/>
-            <ac:spMk id="6" creationId="{2BAEBBA6-0863-1FA2-BD80-7D58ABAF4E3A}"/>
-          </ac:spMkLst>
-        </pc:spChg>
-        <pc:spChg chg="add mod">
-          <ac:chgData name="Benjamin Robert" userId="bdf697ffd98a8826" providerId="LiveId" clId="{606CDD9B-9A2D-4C79-85CC-421D0917595E}" dt="2023-11-08T17:08:54.481" v="4626" actId="1038"/>
-          <ac:spMkLst>
-            <pc:docMk/>
-            <pc:sldMk cId="260925361" sldId="325"/>
-            <ac:spMk id="7" creationId="{75DA8CE5-74EF-68AB-869A-DD6685079944}"/>
-          </ac:spMkLst>
-        </pc:spChg>
-        <pc:spChg chg="add mod">
-          <ac:chgData name="Benjamin Robert" userId="bdf697ffd98a8826" providerId="LiveId" clId="{606CDD9B-9A2D-4C79-85CC-421D0917595E}" dt="2023-11-08T17:08:54.481" v="4626" actId="1038"/>
-          <ac:spMkLst>
-            <pc:docMk/>
-            <pc:sldMk cId="260925361" sldId="325"/>
-            <ac:spMk id="8" creationId="{8A98CC6E-ED9B-D706-66B4-F6B2AFD57500}"/>
-          </ac:spMkLst>
-        </pc:spChg>
-        <pc:spChg chg="add mod">
-          <ac:chgData name="Benjamin Robert" userId="bdf697ffd98a8826" providerId="LiveId" clId="{606CDD9B-9A2D-4C79-85CC-421D0917595E}" dt="2023-11-08T17:08:54.481" v="4626" actId="1038"/>
-          <ac:spMkLst>
-            <pc:docMk/>
-            <pc:sldMk cId="260925361" sldId="325"/>
-            <ac:spMk id="9" creationId="{E21EACDB-8A84-1522-3D0F-44734DAE809D}"/>
-          </ac:spMkLst>
-        </pc:spChg>
       </pc:sldChg>
       <pc:sldChg chg="addSp delSp modSp add mod">
         <pc:chgData name="Benjamin Robert" userId="bdf697ffd98a8826" providerId="LiveId" clId="{606CDD9B-9A2D-4C79-85CC-421D0917595E}" dt="2023-11-08T17:09:32.082" v="4632" actId="400"/>
@@ -4427,54 +1056,6 @@
           <pc:docMk/>
           <pc:sldMk cId="2431365379" sldId="326"/>
         </pc:sldMkLst>
-        <pc:spChg chg="add mod">
-          <ac:chgData name="Benjamin Robert" userId="bdf697ffd98a8826" providerId="LiveId" clId="{606CDD9B-9A2D-4C79-85CC-421D0917595E}" dt="2023-11-08T17:09:32.082" v="4632" actId="400"/>
-          <ac:spMkLst>
-            <pc:docMk/>
-            <pc:sldMk cId="2431365379" sldId="326"/>
-            <ac:spMk id="3" creationId="{1A3383F9-63C6-93F9-9546-408619DEA9AE}"/>
-          </ac:spMkLst>
-        </pc:spChg>
-        <pc:spChg chg="add del mod">
-          <ac:chgData name="Benjamin Robert" userId="bdf697ffd98a8826" providerId="LiveId" clId="{606CDD9B-9A2D-4C79-85CC-421D0917595E}" dt="2023-11-08T17:09:20.130" v="4629" actId="478"/>
-          <ac:spMkLst>
-            <pc:docMk/>
-            <pc:sldMk cId="2431365379" sldId="326"/>
-            <ac:spMk id="4" creationId="{10B5742E-4971-6BAC-FB78-D5D68D38902C}"/>
-          </ac:spMkLst>
-        </pc:spChg>
-        <pc:spChg chg="add mod">
-          <ac:chgData name="Benjamin Robert" userId="bdf697ffd98a8826" providerId="LiveId" clId="{606CDD9B-9A2D-4C79-85CC-421D0917595E}" dt="2023-11-08T17:09:09.816" v="4627"/>
-          <ac:spMkLst>
-            <pc:docMk/>
-            <pc:sldMk cId="2431365379" sldId="326"/>
-            <ac:spMk id="5" creationId="{EC488A8F-6A3E-C44F-5048-1FD1203AF8C6}"/>
-          </ac:spMkLst>
-        </pc:spChg>
-        <pc:spChg chg="add mod">
-          <ac:chgData name="Benjamin Robert" userId="bdf697ffd98a8826" providerId="LiveId" clId="{606CDD9B-9A2D-4C79-85CC-421D0917595E}" dt="2023-11-08T17:09:09.816" v="4627"/>
-          <ac:spMkLst>
-            <pc:docMk/>
-            <pc:sldMk cId="2431365379" sldId="326"/>
-            <ac:spMk id="6" creationId="{667A57C9-9CED-C798-4A05-7C2638378CCC}"/>
-          </ac:spMkLst>
-        </pc:spChg>
-        <pc:spChg chg="add mod">
-          <ac:chgData name="Benjamin Robert" userId="bdf697ffd98a8826" providerId="LiveId" clId="{606CDD9B-9A2D-4C79-85CC-421D0917595E}" dt="2023-11-08T17:09:09.816" v="4627"/>
-          <ac:spMkLst>
-            <pc:docMk/>
-            <pc:sldMk cId="2431365379" sldId="326"/>
-            <ac:spMk id="7" creationId="{21293D9A-80F8-8DA6-2258-B248C214A68C}"/>
-          </ac:spMkLst>
-        </pc:spChg>
-        <pc:picChg chg="add mod">
-          <ac:chgData name="Benjamin Robert" userId="bdf697ffd98a8826" providerId="LiveId" clId="{606CDD9B-9A2D-4C79-85CC-421D0917595E}" dt="2023-11-08T17:09:24.586" v="4631" actId="1076"/>
-          <ac:picMkLst>
-            <pc:docMk/>
-            <pc:sldMk cId="2431365379" sldId="326"/>
-            <ac:picMk id="8" creationId="{635FF970-50C1-1656-B999-C59D92F45884}"/>
-          </ac:picMkLst>
-        </pc:picChg>
       </pc:sldChg>
       <pc:sldChg chg="addSp delSp modSp add mod">
         <pc:chgData name="Benjamin Robert" userId="bdf697ffd98a8826" providerId="LiveId" clId="{606CDD9B-9A2D-4C79-85CC-421D0917595E}" dt="2023-11-08T17:10:48.227" v="4649" actId="552"/>
@@ -4482,54 +1063,6 @@
           <pc:docMk/>
           <pc:sldMk cId="2261574063" sldId="327"/>
         </pc:sldMkLst>
-        <pc:spChg chg="add del">
-          <ac:chgData name="Benjamin Robert" userId="bdf697ffd98a8826" providerId="LiveId" clId="{606CDD9B-9A2D-4C79-85CC-421D0917595E}" dt="2023-11-08T17:10:00.069" v="4636"/>
-          <ac:spMkLst>
-            <pc:docMk/>
-            <pc:sldMk cId="2261574063" sldId="327"/>
-            <ac:spMk id="3" creationId="{EF9BFC18-F137-0C27-B9EA-5FAF0BBD84E4}"/>
-          </ac:spMkLst>
-        </pc:spChg>
-        <pc:spChg chg="add mod">
-          <ac:chgData name="Benjamin Robert" userId="bdf697ffd98a8826" providerId="LiveId" clId="{606CDD9B-9A2D-4C79-85CC-421D0917595E}" dt="2023-11-08T17:10:15.364" v="4642" actId="15"/>
-          <ac:spMkLst>
-            <pc:docMk/>
-            <pc:sldMk cId="2261574063" sldId="327"/>
-            <ac:spMk id="5" creationId="{26A8691E-6171-523E-D0DF-FD860B27E272}"/>
-          </ac:spMkLst>
-        </pc:spChg>
-        <pc:spChg chg="add mod">
-          <ac:chgData name="Benjamin Robert" userId="bdf697ffd98a8826" providerId="LiveId" clId="{606CDD9B-9A2D-4C79-85CC-421D0917595E}" dt="2023-11-08T17:10:48.227" v="4649" actId="552"/>
-          <ac:spMkLst>
-            <pc:docMk/>
-            <pc:sldMk cId="2261574063" sldId="327"/>
-            <ac:spMk id="6" creationId="{4F3E3B88-BEC4-2045-516B-5C9474A325AF}"/>
-          </ac:spMkLst>
-        </pc:spChg>
-        <pc:spChg chg="add mod">
-          <ac:chgData name="Benjamin Robert" userId="bdf697ffd98a8826" providerId="LiveId" clId="{606CDD9B-9A2D-4C79-85CC-421D0917595E}" dt="2023-11-08T17:10:48.227" v="4649" actId="552"/>
-          <ac:spMkLst>
-            <pc:docMk/>
-            <pc:sldMk cId="2261574063" sldId="327"/>
-            <ac:spMk id="7" creationId="{496DF40A-A469-BB4F-02BC-211F944EB75C}"/>
-          </ac:spMkLst>
-        </pc:spChg>
-        <pc:spChg chg="add mod">
-          <ac:chgData name="Benjamin Robert" userId="bdf697ffd98a8826" providerId="LiveId" clId="{606CDD9B-9A2D-4C79-85CC-421D0917595E}" dt="2023-11-08T17:10:48.227" v="4649" actId="552"/>
-          <ac:spMkLst>
-            <pc:docMk/>
-            <pc:sldMk cId="2261574063" sldId="327"/>
-            <ac:spMk id="8" creationId="{E31C03B1-D034-155A-BDC3-EC4CAEB032F0}"/>
-          </ac:spMkLst>
-        </pc:spChg>
-        <pc:spChg chg="add mod">
-          <ac:chgData name="Benjamin Robert" userId="bdf697ffd98a8826" providerId="LiveId" clId="{606CDD9B-9A2D-4C79-85CC-421D0917595E}" dt="2023-11-08T17:10:48.227" v="4649" actId="552"/>
-          <ac:spMkLst>
-            <pc:docMk/>
-            <pc:sldMk cId="2261574063" sldId="327"/>
-            <ac:spMk id="9" creationId="{3D8EEFD0-4623-2E22-06AF-9D4DD1797C39}"/>
-          </ac:spMkLst>
-        </pc:spChg>
       </pc:sldChg>
       <pc:sldChg chg="addSp delSp modSp add mod">
         <pc:chgData name="Benjamin Robert" userId="bdf697ffd98a8826" providerId="LiveId" clId="{606CDD9B-9A2D-4C79-85CC-421D0917595E}" dt="2023-11-08T17:11:23.290" v="4654" actId="400"/>
@@ -4537,54 +1070,6 @@
           <pc:docMk/>
           <pc:sldMk cId="1696003831" sldId="328"/>
         </pc:sldMkLst>
-        <pc:spChg chg="add mod">
-          <ac:chgData name="Benjamin Robert" userId="bdf697ffd98a8826" providerId="LiveId" clId="{606CDD9B-9A2D-4C79-85CC-421D0917595E}" dt="2023-11-08T17:11:23.290" v="4654" actId="400"/>
-          <ac:spMkLst>
-            <pc:docMk/>
-            <pc:sldMk cId="1696003831" sldId="328"/>
-            <ac:spMk id="3" creationId="{DF6657B2-8E56-8763-2395-11905794BB57}"/>
-          </ac:spMkLst>
-        </pc:spChg>
-        <pc:spChg chg="add del mod">
-          <ac:chgData name="Benjamin Robert" userId="bdf697ffd98a8826" providerId="LiveId" clId="{606CDD9B-9A2D-4C79-85CC-421D0917595E}" dt="2023-11-08T17:11:15.702" v="4652" actId="478"/>
-          <ac:spMkLst>
-            <pc:docMk/>
-            <pc:sldMk cId="1696003831" sldId="328"/>
-            <ac:spMk id="4" creationId="{BB0AF5C8-7757-475B-3DB4-29C16A4548C4}"/>
-          </ac:spMkLst>
-        </pc:spChg>
-        <pc:spChg chg="add mod">
-          <ac:chgData name="Benjamin Robert" userId="bdf697ffd98a8826" providerId="LiveId" clId="{606CDD9B-9A2D-4C79-85CC-421D0917595E}" dt="2023-11-08T17:11:02.990" v="4650"/>
-          <ac:spMkLst>
-            <pc:docMk/>
-            <pc:sldMk cId="1696003831" sldId="328"/>
-            <ac:spMk id="5" creationId="{F42C0C52-5341-C895-CAEC-2741D16A78F8}"/>
-          </ac:spMkLst>
-        </pc:spChg>
-        <pc:spChg chg="add mod">
-          <ac:chgData name="Benjamin Robert" userId="bdf697ffd98a8826" providerId="LiveId" clId="{606CDD9B-9A2D-4C79-85CC-421D0917595E}" dt="2023-11-08T17:11:02.990" v="4650"/>
-          <ac:spMkLst>
-            <pc:docMk/>
-            <pc:sldMk cId="1696003831" sldId="328"/>
-            <ac:spMk id="6" creationId="{18A6CF3F-8598-A582-FCED-3C44FE270D06}"/>
-          </ac:spMkLst>
-        </pc:spChg>
-        <pc:spChg chg="add mod">
-          <ac:chgData name="Benjamin Robert" userId="bdf697ffd98a8826" providerId="LiveId" clId="{606CDD9B-9A2D-4C79-85CC-421D0917595E}" dt="2023-11-08T17:11:02.990" v="4650"/>
-          <ac:spMkLst>
-            <pc:docMk/>
-            <pc:sldMk cId="1696003831" sldId="328"/>
-            <ac:spMk id="7" creationId="{F5D2AF51-FB79-3DA2-5B18-5BDD200B45B0}"/>
-          </ac:spMkLst>
-        </pc:spChg>
-        <pc:picChg chg="add mod">
-          <ac:chgData name="Benjamin Robert" userId="bdf697ffd98a8826" providerId="LiveId" clId="{606CDD9B-9A2D-4C79-85CC-421D0917595E}" dt="2023-11-08T17:11:19.367" v="4653" actId="1076"/>
-          <ac:picMkLst>
-            <pc:docMk/>
-            <pc:sldMk cId="1696003831" sldId="328"/>
-            <ac:picMk id="8" creationId="{DDF842BA-157C-A322-6800-347AC86858BB}"/>
-          </ac:picMkLst>
-        </pc:picChg>
       </pc:sldChg>
       <pc:sldChg chg="addSp delSp modSp add mod">
         <pc:chgData name="Benjamin Robert" userId="bdf697ffd98a8826" providerId="LiveId" clId="{606CDD9B-9A2D-4C79-85CC-421D0917595E}" dt="2023-11-08T17:11:34.268" v="4656" actId="478"/>
@@ -4592,22 +1077,6 @@
           <pc:docMk/>
           <pc:sldMk cId="2475790112" sldId="329"/>
         </pc:sldMkLst>
-        <pc:spChg chg="del">
-          <ac:chgData name="Benjamin Robert" userId="bdf697ffd98a8826" providerId="LiveId" clId="{606CDD9B-9A2D-4C79-85CC-421D0917595E}" dt="2023-11-08T17:11:32.255" v="4655" actId="478"/>
-          <ac:spMkLst>
-            <pc:docMk/>
-            <pc:sldMk cId="2475790112" sldId="329"/>
-            <ac:spMk id="2" creationId="{D56975EA-2079-C736-5F92-CF02A602BE90}"/>
-          </ac:spMkLst>
-        </pc:spChg>
-        <pc:spChg chg="add del mod">
-          <ac:chgData name="Benjamin Robert" userId="bdf697ffd98a8826" providerId="LiveId" clId="{606CDD9B-9A2D-4C79-85CC-421D0917595E}" dt="2023-11-08T17:11:34.268" v="4656" actId="478"/>
-          <ac:spMkLst>
-            <pc:docMk/>
-            <pc:sldMk cId="2475790112" sldId="329"/>
-            <ac:spMk id="4" creationId="{228D3DB6-3A76-32ED-6BA6-52CE4979EF42}"/>
-          </ac:spMkLst>
-        </pc:spChg>
       </pc:sldChg>
     </pc:docChg>
   </pc:docChgLst>
@@ -4761,7 +1230,7 @@
           <a:p>
             <a:fld id="{4DD5D1CE-B36B-4FF6-9705-E147FB9A8993}" type="datetimeFigureOut">
               <a:rPr lang="fr-FR" smtClean="0"/>
-              <a:t>01/11/2024</a:t>
+              <a:t>06/11/2025</a:t>
             </a:fld>
             <a:endParaRPr lang="fr-FR"/>
           </a:p>
@@ -4959,7 +1428,7 @@
           <a:p>
             <a:fld id="{4DD5D1CE-B36B-4FF6-9705-E147FB9A8993}" type="datetimeFigureOut">
               <a:rPr lang="fr-FR" smtClean="0"/>
-              <a:t>01/11/2024</a:t>
+              <a:t>06/11/2025</a:t>
             </a:fld>
             <a:endParaRPr lang="fr-FR"/>
           </a:p>
@@ -5167,7 +1636,7 @@
           <a:p>
             <a:fld id="{4DD5D1CE-B36B-4FF6-9705-E147FB9A8993}" type="datetimeFigureOut">
               <a:rPr lang="fr-FR" smtClean="0"/>
-              <a:t>01/11/2024</a:t>
+              <a:t>06/11/2025</a:t>
             </a:fld>
             <a:endParaRPr lang="fr-FR"/>
           </a:p>
@@ -5365,7 +1834,7 @@
           <a:p>
             <a:fld id="{4DD5D1CE-B36B-4FF6-9705-E147FB9A8993}" type="datetimeFigureOut">
               <a:rPr lang="fr-FR" smtClean="0"/>
-              <a:t>01/11/2024</a:t>
+              <a:t>06/11/2025</a:t>
             </a:fld>
             <a:endParaRPr lang="fr-FR"/>
           </a:p>
@@ -5640,7 +2109,7 @@
           <a:p>
             <a:fld id="{4DD5D1CE-B36B-4FF6-9705-E147FB9A8993}" type="datetimeFigureOut">
               <a:rPr lang="fr-FR" smtClean="0"/>
-              <a:t>01/11/2024</a:t>
+              <a:t>06/11/2025</a:t>
             </a:fld>
             <a:endParaRPr lang="fr-FR"/>
           </a:p>
@@ -5905,7 +2374,7 @@
           <a:p>
             <a:fld id="{4DD5D1CE-B36B-4FF6-9705-E147FB9A8993}" type="datetimeFigureOut">
               <a:rPr lang="fr-FR" smtClean="0"/>
-              <a:t>01/11/2024</a:t>
+              <a:t>06/11/2025</a:t>
             </a:fld>
             <a:endParaRPr lang="fr-FR"/>
           </a:p>
@@ -6317,7 +2786,7 @@
           <a:p>
             <a:fld id="{4DD5D1CE-B36B-4FF6-9705-E147FB9A8993}" type="datetimeFigureOut">
               <a:rPr lang="fr-FR" smtClean="0"/>
-              <a:t>01/11/2024</a:t>
+              <a:t>06/11/2025</a:t>
             </a:fld>
             <a:endParaRPr lang="fr-FR"/>
           </a:p>
@@ -6458,7 +2927,7 @@
           <a:p>
             <a:fld id="{4DD5D1CE-B36B-4FF6-9705-E147FB9A8993}" type="datetimeFigureOut">
               <a:rPr lang="fr-FR" smtClean="0"/>
-              <a:t>01/11/2024</a:t>
+              <a:t>06/11/2025</a:t>
             </a:fld>
             <a:endParaRPr lang="fr-FR"/>
           </a:p>
@@ -6571,7 +3040,7 @@
           <a:p>
             <a:fld id="{4DD5D1CE-B36B-4FF6-9705-E147FB9A8993}" type="datetimeFigureOut">
               <a:rPr lang="fr-FR" smtClean="0"/>
-              <a:t>01/11/2024</a:t>
+              <a:t>06/11/2025</a:t>
             </a:fld>
             <a:endParaRPr lang="fr-FR"/>
           </a:p>
@@ -6882,7 +3351,7 @@
           <a:p>
             <a:fld id="{4DD5D1CE-B36B-4FF6-9705-E147FB9A8993}" type="datetimeFigureOut">
               <a:rPr lang="fr-FR" smtClean="0"/>
-              <a:t>01/11/2024</a:t>
+              <a:t>06/11/2025</a:t>
             </a:fld>
             <a:endParaRPr lang="fr-FR"/>
           </a:p>
@@ -7170,7 +3639,7 @@
           <a:p>
             <a:fld id="{4DD5D1CE-B36B-4FF6-9705-E147FB9A8993}" type="datetimeFigureOut">
               <a:rPr lang="fr-FR" smtClean="0"/>
-              <a:t>01/11/2024</a:t>
+              <a:t>06/11/2025</a:t>
             </a:fld>
             <a:endParaRPr lang="fr-FR"/>
           </a:p>
@@ -7411,7 +3880,7 @@
           <a:p>
             <a:fld id="{4DD5D1CE-B36B-4FF6-9705-E147FB9A8993}" type="datetimeFigureOut">
               <a:rPr lang="fr-FR" smtClean="0"/>
-              <a:t>01/11/2024</a:t>
+              <a:t>06/11/2025</a:t>
             </a:fld>
             <a:endParaRPr lang="fr-FR"/>
           </a:p>
@@ -9069,7 +5538,7 @@
             </a:pPr>
             <a:r>
               <a:rPr lang="fr-FR" sz="2400" dirty="0"/>
-              <a:t>Sauvegarde des historique de modifications</a:t>
+              <a:t>Sauvegarde des historiques de modifications</a:t>
             </a:r>
           </a:p>
           <a:p>
@@ -15473,7 +11942,7 @@
 </file>
 
 <file path=ppt/slides/slide20.xml><?xml version="1.0" encoding="utf-8"?>
-<p:sld xmlns:a="http://schemas.openxmlformats.org/drawingml/2006/main" xmlns:r="http://schemas.openxmlformats.org/officeDocument/2006/relationships" xmlns:p="http://schemas.openxmlformats.org/presentationml/2006/main">
+<p:sld xmlns:a="http://schemas.openxmlformats.org/drawingml/2006/main" xmlns:r="http://schemas.openxmlformats.org/officeDocument/2006/relationships" xmlns:p="http://schemas.openxmlformats.org/presentationml/2006/main" show="0">
   <p:cSld>
     <p:spTree>
       <p:nvGrpSpPr>
@@ -15702,7 +12171,7 @@
 </file>
 
 <file path=ppt/slides/slide21.xml><?xml version="1.0" encoding="utf-8"?>
-<p:sld xmlns:a="http://schemas.openxmlformats.org/drawingml/2006/main" xmlns:r="http://schemas.openxmlformats.org/officeDocument/2006/relationships" xmlns:p="http://schemas.openxmlformats.org/presentationml/2006/main">
+<p:sld xmlns:a="http://schemas.openxmlformats.org/drawingml/2006/main" xmlns:r="http://schemas.openxmlformats.org/officeDocument/2006/relationships" xmlns:p="http://schemas.openxmlformats.org/presentationml/2006/main" show="0">
   <p:cSld>
     <p:spTree>
       <p:nvGrpSpPr>
@@ -15839,7 +12308,7 @@
 </file>
 
 <file path=ppt/slides/slide22.xml><?xml version="1.0" encoding="utf-8"?>
-<p:sld xmlns:a="http://schemas.openxmlformats.org/drawingml/2006/main" xmlns:r="http://schemas.openxmlformats.org/officeDocument/2006/relationships" xmlns:p="http://schemas.openxmlformats.org/presentationml/2006/main">
+<p:sld xmlns:a="http://schemas.openxmlformats.org/drawingml/2006/main" xmlns:r="http://schemas.openxmlformats.org/officeDocument/2006/relationships" xmlns:p="http://schemas.openxmlformats.org/presentationml/2006/main" show="0">
   <p:cSld>
     <p:spTree>
       <p:nvGrpSpPr>
